--- a/Orleans Versioning and Deployment.pptx
+++ b/Orleans Versioning and Deployment.pptx
@@ -9,12 +9,13 @@
     <p:sldId id="257" r:id="rId3"/>
     <p:sldId id="258" r:id="rId4"/>
     <p:sldId id="264" r:id="rId5"/>
-    <p:sldId id="261" r:id="rId6"/>
-    <p:sldId id="265" r:id="rId7"/>
-    <p:sldId id="267" r:id="rId8"/>
-    <p:sldId id="268" r:id="rId9"/>
-    <p:sldId id="269" r:id="rId10"/>
-    <p:sldId id="270" r:id="rId11"/>
+    <p:sldId id="271" r:id="rId6"/>
+    <p:sldId id="261" r:id="rId7"/>
+    <p:sldId id="265" r:id="rId8"/>
+    <p:sldId id="267" r:id="rId9"/>
+    <p:sldId id="268" r:id="rId10"/>
+    <p:sldId id="269" r:id="rId11"/>
+    <p:sldId id="270" r:id="rId12"/>
   </p:sldIdLst>
   <p:sldSz cx="12192000" cy="6858000"/>
   <p:notesSz cx="6858000" cy="9144000"/>
@@ -270,7 +271,7 @@
           <a:p>
             <a:fld id="{C93F76B2-BB94-44C6-936C-77FCF313486D}" type="datetimeFigureOut">
               <a:rPr lang="en-CA" smtClean="0"/>
-              <a:t>2022-11-21</a:t>
+              <a:t>2022-11-23</a:t>
             </a:fld>
             <a:endParaRPr lang="en-CA"/>
           </a:p>
@@ -470,7 +471,7 @@
           <a:p>
             <a:fld id="{C93F76B2-BB94-44C6-936C-77FCF313486D}" type="datetimeFigureOut">
               <a:rPr lang="en-CA" smtClean="0"/>
-              <a:t>2022-11-21</a:t>
+              <a:t>2022-11-23</a:t>
             </a:fld>
             <a:endParaRPr lang="en-CA"/>
           </a:p>
@@ -680,7 +681,7 @@
           <a:p>
             <a:fld id="{C93F76B2-BB94-44C6-936C-77FCF313486D}" type="datetimeFigureOut">
               <a:rPr lang="en-CA" smtClean="0"/>
-              <a:t>2022-11-21</a:t>
+              <a:t>2022-11-23</a:t>
             </a:fld>
             <a:endParaRPr lang="en-CA"/>
           </a:p>
@@ -880,7 +881,7 @@
           <a:p>
             <a:fld id="{C93F76B2-BB94-44C6-936C-77FCF313486D}" type="datetimeFigureOut">
               <a:rPr lang="en-CA" smtClean="0"/>
-              <a:t>2022-11-21</a:t>
+              <a:t>2022-11-23</a:t>
             </a:fld>
             <a:endParaRPr lang="en-CA"/>
           </a:p>
@@ -1156,7 +1157,7 @@
           <a:p>
             <a:fld id="{C93F76B2-BB94-44C6-936C-77FCF313486D}" type="datetimeFigureOut">
               <a:rPr lang="en-CA" smtClean="0"/>
-              <a:t>2022-11-21</a:t>
+              <a:t>2022-11-23</a:t>
             </a:fld>
             <a:endParaRPr lang="en-CA"/>
           </a:p>
@@ -1424,7 +1425,7 @@
           <a:p>
             <a:fld id="{C93F76B2-BB94-44C6-936C-77FCF313486D}" type="datetimeFigureOut">
               <a:rPr lang="en-CA" smtClean="0"/>
-              <a:t>2022-11-21</a:t>
+              <a:t>2022-11-23</a:t>
             </a:fld>
             <a:endParaRPr lang="en-CA"/>
           </a:p>
@@ -1839,7 +1840,7 @@
           <a:p>
             <a:fld id="{C93F76B2-BB94-44C6-936C-77FCF313486D}" type="datetimeFigureOut">
               <a:rPr lang="en-CA" smtClean="0"/>
-              <a:t>2022-11-21</a:t>
+              <a:t>2022-11-23</a:t>
             </a:fld>
             <a:endParaRPr lang="en-CA"/>
           </a:p>
@@ -1981,7 +1982,7 @@
           <a:p>
             <a:fld id="{C93F76B2-BB94-44C6-936C-77FCF313486D}" type="datetimeFigureOut">
               <a:rPr lang="en-CA" smtClean="0"/>
-              <a:t>2022-11-21</a:t>
+              <a:t>2022-11-23</a:t>
             </a:fld>
             <a:endParaRPr lang="en-CA"/>
           </a:p>
@@ -2094,7 +2095,7 @@
           <a:p>
             <a:fld id="{C93F76B2-BB94-44C6-936C-77FCF313486D}" type="datetimeFigureOut">
               <a:rPr lang="en-CA" smtClean="0"/>
-              <a:t>2022-11-21</a:t>
+              <a:t>2022-11-23</a:t>
             </a:fld>
             <a:endParaRPr lang="en-CA"/>
           </a:p>
@@ -2407,7 +2408,7 @@
           <a:p>
             <a:fld id="{C93F76B2-BB94-44C6-936C-77FCF313486D}" type="datetimeFigureOut">
               <a:rPr lang="en-CA" smtClean="0"/>
-              <a:t>2022-11-21</a:t>
+              <a:t>2022-11-23</a:t>
             </a:fld>
             <a:endParaRPr lang="en-CA"/>
           </a:p>
@@ -2696,7 +2697,7 @@
           <a:p>
             <a:fld id="{C93F76B2-BB94-44C6-936C-77FCF313486D}" type="datetimeFigureOut">
               <a:rPr lang="en-CA" smtClean="0"/>
-              <a:t>2022-11-21</a:t>
+              <a:t>2022-11-23</a:t>
             </a:fld>
             <a:endParaRPr lang="en-CA"/>
           </a:p>
@@ -2939,7 +2940,7 @@
           <a:p>
             <a:fld id="{C93F76B2-BB94-44C6-936C-77FCF313486D}" type="datetimeFigureOut">
               <a:rPr lang="en-CA" smtClean="0"/>
-              <a:t>2022-11-21</a:t>
+              <a:t>2022-11-23</a:t>
             </a:fld>
             <a:endParaRPr lang="en-CA"/>
           </a:p>
@@ -3395,7 +3396,7 @@
             </a:br>
             <a:r>
               <a:rPr lang="en-US" dirty="0"/>
-              <a:t>Backend Deployment</a:t>
+              <a:t>Deployment Strategy</a:t>
             </a:r>
             <a:endParaRPr lang="en-CA" dirty="0"/>
           </a:p>
@@ -3505,6 +3506,93 @@
       </p:sp>
       <p:sp>
         <p:nvSpPr>
+          <p:cNvPr id="5" name="Rectangle 4">
+            <a:extLst>
+              <a:ext uri="{FF2B5EF4-FFF2-40B4-BE49-F238E27FC236}">
+                <a16:creationId xmlns:a16="http://schemas.microsoft.com/office/drawing/2014/main" id="{6CADE1B2-547E-9932-CAA2-72A848036510}"/>
+              </a:ext>
+            </a:extLst>
+          </p:cNvPr>
+          <p:cNvSpPr/>
+          <p:nvPr/>
+        </p:nvSpPr>
+        <p:spPr>
+          <a:xfrm>
+            <a:off x="838200" y="4093726"/>
+            <a:ext cx="4905936" cy="1995592"/>
+          </a:xfrm>
+          <a:prstGeom prst="rect">
+            <a:avLst/>
+          </a:prstGeom>
+          <a:gradFill>
+            <a:gsLst>
+              <a:gs pos="0">
+                <a:schemeClr val="accent4">
+                  <a:lumMod val="110000"/>
+                  <a:satMod val="105000"/>
+                  <a:tint val="67000"/>
+                  <a:alpha val="50000"/>
+                </a:schemeClr>
+              </a:gs>
+              <a:gs pos="50000">
+                <a:schemeClr val="accent4">
+                  <a:lumMod val="105000"/>
+                  <a:satMod val="103000"/>
+                  <a:tint val="73000"/>
+                  <a:alpha val="50000"/>
+                </a:schemeClr>
+              </a:gs>
+              <a:gs pos="100000">
+                <a:schemeClr val="accent4">
+                  <a:lumMod val="105000"/>
+                  <a:satMod val="109000"/>
+                  <a:tint val="81000"/>
+                  <a:alpha val="50000"/>
+                </a:schemeClr>
+              </a:gs>
+            </a:gsLst>
+          </a:gradFill>
+        </p:spPr>
+        <p:style>
+          <a:lnRef idx="1">
+            <a:schemeClr val="accent4"/>
+          </a:lnRef>
+          <a:fillRef idx="2">
+            <a:schemeClr val="accent4"/>
+          </a:fillRef>
+          <a:effectRef idx="1">
+            <a:schemeClr val="accent4"/>
+          </a:effectRef>
+          <a:fontRef idx="minor">
+            <a:schemeClr val="dk1"/>
+          </a:fontRef>
+        </p:style>
+        <p:txBody>
+          <a:bodyPr rtlCol="0" anchor="b"/>
+          <a:lstStyle/>
+          <a:p>
+            <a:r>
+              <a:rPr lang="en-US" dirty="0">
+                <a:solidFill>
+                  <a:schemeClr val="dk1">
+                    <a:alpha val="50000"/>
+                  </a:schemeClr>
+                </a:solidFill>
+              </a:rPr>
+              <a:t>Old VMSS</a:t>
+            </a:r>
+            <a:endParaRPr lang="en-CA" dirty="0">
+              <a:solidFill>
+                <a:schemeClr val="dk1">
+                  <a:alpha val="50000"/>
+                </a:schemeClr>
+              </a:solidFill>
+            </a:endParaRPr>
+          </a:p>
+        </p:txBody>
+      </p:sp>
+      <p:sp>
+        <p:nvSpPr>
           <p:cNvPr id="2" name="Title 1">
             <a:extLst>
               <a:ext uri="{FF2B5EF4-FFF2-40B4-BE49-F238E27FC236}">
@@ -3526,22 +3614,7 @@
           <a:p>
             <a:r>
               <a:rPr lang="en-US" dirty="0"/>
-              <a:t>Deployment:</a:t>
-            </a:r>
-            <a:br>
-              <a:rPr lang="en-US" dirty="0"/>
-            </a:br>
-            <a:r>
-              <a:rPr lang="en-US" dirty="0" err="1"/>
-              <a:t>LatestVersion</a:t>
-            </a:r>
-            <a:r>
-              <a:rPr lang="en-US" dirty="0"/>
-              <a:t>/</a:t>
-            </a:r>
-            <a:r>
-              <a:rPr lang="en-US" dirty="0" err="1"/>
-              <a:t>BackwardsCompatible</a:t>
+              <a:t>Deployment Strategy</a:t>
             </a:r>
             <a:endParaRPr lang="en-CA" dirty="0"/>
           </a:p>
@@ -3569,6 +3642,479 @@
           <a:lstStyle/>
           <a:p>
             <a:r>
+              <a:rPr lang="en-US" dirty="0"/>
+              <a:t>Blue nodes end up idle except for streams</a:t>
+            </a:r>
+          </a:p>
+          <a:p>
+            <a:r>
+              <a:rPr lang="en-US" dirty="0"/>
+              <a:t>Shutdown old VMSS</a:t>
+            </a:r>
+          </a:p>
+        </p:txBody>
+      </p:sp>
+      <p:sp>
+        <p:nvSpPr>
+          <p:cNvPr id="4" name="Rectangle 3">
+            <a:extLst>
+              <a:ext uri="{FF2B5EF4-FFF2-40B4-BE49-F238E27FC236}">
+                <a16:creationId xmlns:a16="http://schemas.microsoft.com/office/drawing/2014/main" id="{4C531F83-495A-8365-D35E-8E9A699BA105}"/>
+              </a:ext>
+            </a:extLst>
+          </p:cNvPr>
+          <p:cNvSpPr/>
+          <p:nvPr/>
+        </p:nvSpPr>
+        <p:spPr>
+          <a:xfrm>
+            <a:off x="6447864" y="4427310"/>
+            <a:ext cx="4457700" cy="1325563"/>
+          </a:xfrm>
+          <a:prstGeom prst="rect">
+            <a:avLst/>
+          </a:prstGeom>
+        </p:spPr>
+        <p:style>
+          <a:lnRef idx="1">
+            <a:schemeClr val="accent3"/>
+          </a:lnRef>
+          <a:fillRef idx="2">
+            <a:schemeClr val="accent3"/>
+          </a:fillRef>
+          <a:effectRef idx="1">
+            <a:schemeClr val="accent3"/>
+          </a:effectRef>
+          <a:fontRef idx="minor">
+            <a:schemeClr val="dk1"/>
+          </a:fontRef>
+        </p:style>
+        <p:txBody>
+          <a:bodyPr rtlCol="0" anchor="b"/>
+          <a:lstStyle/>
+          <a:p>
+            <a:r>
+              <a:rPr lang="en-US" dirty="0"/>
+              <a:t>Heterogenous Cluster</a:t>
+            </a:r>
+            <a:endParaRPr lang="en-CA" dirty="0"/>
+          </a:p>
+        </p:txBody>
+      </p:sp>
+      <p:sp>
+        <p:nvSpPr>
+          <p:cNvPr id="18" name="Rectangle 17">
+            <a:extLst>
+              <a:ext uri="{FF2B5EF4-FFF2-40B4-BE49-F238E27FC236}">
+                <a16:creationId xmlns:a16="http://schemas.microsoft.com/office/drawing/2014/main" id="{C0E6C395-EE88-3B93-375E-53CAAAB04216}"/>
+              </a:ext>
+            </a:extLst>
+          </p:cNvPr>
+          <p:cNvSpPr/>
+          <p:nvPr/>
+        </p:nvSpPr>
+        <p:spPr>
+          <a:xfrm>
+            <a:off x="1286436" y="4679956"/>
+            <a:ext cx="3973607" cy="703392"/>
+          </a:xfrm>
+          <a:prstGeom prst="rect">
+            <a:avLst/>
+          </a:prstGeom>
+          <a:gradFill>
+            <a:gsLst>
+              <a:gs pos="0">
+                <a:schemeClr val="accent5">
+                  <a:lumMod val="110000"/>
+                  <a:satMod val="105000"/>
+                  <a:tint val="67000"/>
+                  <a:alpha val="50000"/>
+                </a:schemeClr>
+              </a:gs>
+              <a:gs pos="50000">
+                <a:schemeClr val="accent5">
+                  <a:lumMod val="105000"/>
+                  <a:satMod val="103000"/>
+                  <a:tint val="73000"/>
+                  <a:alpha val="50000"/>
+                </a:schemeClr>
+              </a:gs>
+              <a:gs pos="100000">
+                <a:schemeClr val="accent5">
+                  <a:lumMod val="105000"/>
+                  <a:satMod val="109000"/>
+                  <a:tint val="81000"/>
+                  <a:alpha val="50000"/>
+                </a:schemeClr>
+              </a:gs>
+            </a:gsLst>
+          </a:gradFill>
+        </p:spPr>
+        <p:style>
+          <a:lnRef idx="1">
+            <a:schemeClr val="accent5"/>
+          </a:lnRef>
+          <a:fillRef idx="2">
+            <a:schemeClr val="accent5"/>
+          </a:fillRef>
+          <a:effectRef idx="1">
+            <a:schemeClr val="accent5"/>
+          </a:effectRef>
+          <a:fontRef idx="minor">
+            <a:schemeClr val="dk1"/>
+          </a:fontRef>
+        </p:style>
+        <p:txBody>
+          <a:bodyPr rtlCol="0" anchor="ctr"/>
+          <a:lstStyle/>
+          <a:p>
+            <a:pPr algn="ctr"/>
+            <a:r>
+              <a:rPr lang="en-US" dirty="0">
+                <a:solidFill>
+                  <a:schemeClr val="dk1">
+                    <a:alpha val="50000"/>
+                  </a:schemeClr>
+                </a:solidFill>
+              </a:rPr>
+              <a:t>Blue Nodes</a:t>
+            </a:r>
+            <a:endParaRPr lang="en-CA" dirty="0">
+              <a:solidFill>
+                <a:schemeClr val="dk1">
+                  <a:alpha val="50000"/>
+                </a:schemeClr>
+              </a:solidFill>
+            </a:endParaRPr>
+          </a:p>
+        </p:txBody>
+      </p:sp>
+      <p:sp>
+        <p:nvSpPr>
+          <p:cNvPr id="8" name="Rectangle 7">
+            <a:extLst>
+              <a:ext uri="{FF2B5EF4-FFF2-40B4-BE49-F238E27FC236}">
+                <a16:creationId xmlns:a16="http://schemas.microsoft.com/office/drawing/2014/main" id="{8369D81B-A1DB-74D6-3609-2868B4D490EC}"/>
+              </a:ext>
+            </a:extLst>
+          </p:cNvPr>
+          <p:cNvSpPr/>
+          <p:nvPr/>
+        </p:nvSpPr>
+        <p:spPr>
+          <a:xfrm>
+            <a:off x="6671982" y="4679956"/>
+            <a:ext cx="3973607" cy="703392"/>
+          </a:xfrm>
+          <a:prstGeom prst="rect">
+            <a:avLst/>
+          </a:prstGeom>
+        </p:spPr>
+        <p:style>
+          <a:lnRef idx="1">
+            <a:schemeClr val="accent6"/>
+          </a:lnRef>
+          <a:fillRef idx="2">
+            <a:schemeClr val="accent6"/>
+          </a:fillRef>
+          <a:effectRef idx="1">
+            <a:schemeClr val="accent6"/>
+          </a:effectRef>
+          <a:fontRef idx="minor">
+            <a:schemeClr val="dk1"/>
+          </a:fontRef>
+        </p:style>
+        <p:txBody>
+          <a:bodyPr rtlCol="0" anchor="ctr"/>
+          <a:lstStyle/>
+          <a:p>
+            <a:pPr algn="ctr"/>
+            <a:r>
+              <a:rPr lang="en-US" dirty="0"/>
+              <a:t>Green Nodes</a:t>
+            </a:r>
+            <a:endParaRPr lang="en-CA" dirty="0"/>
+          </a:p>
+        </p:txBody>
+      </p:sp>
+      <p:sp>
+        <p:nvSpPr>
+          <p:cNvPr id="11" name="Arrow: Down 10">
+            <a:extLst>
+              <a:ext uri="{FF2B5EF4-FFF2-40B4-BE49-F238E27FC236}">
+                <a16:creationId xmlns:a16="http://schemas.microsoft.com/office/drawing/2014/main" id="{EA20916E-5CFF-F498-6DC8-C8FF85A5F84D}"/>
+              </a:ext>
+            </a:extLst>
+          </p:cNvPr>
+          <p:cNvSpPr/>
+          <p:nvPr/>
+        </p:nvSpPr>
+        <p:spPr>
+          <a:xfrm>
+            <a:off x="7882217" y="2216638"/>
+            <a:ext cx="1548654" cy="731767"/>
+          </a:xfrm>
+          <a:prstGeom prst="downArrow">
+            <a:avLst/>
+          </a:prstGeom>
+        </p:spPr>
+        <p:style>
+          <a:lnRef idx="1">
+            <a:schemeClr val="accent2"/>
+          </a:lnRef>
+          <a:fillRef idx="2">
+            <a:schemeClr val="accent2"/>
+          </a:fillRef>
+          <a:effectRef idx="1">
+            <a:schemeClr val="accent2"/>
+          </a:effectRef>
+          <a:fontRef idx="minor">
+            <a:schemeClr val="dk1"/>
+          </a:fontRef>
+        </p:style>
+        <p:txBody>
+          <a:bodyPr rtlCol="0" anchor="ctr"/>
+          <a:lstStyle/>
+          <a:p>
+            <a:pPr algn="ctr"/>
+            <a:r>
+              <a:rPr lang="en-US" sz="1400" dirty="0"/>
+              <a:t>100%</a:t>
+            </a:r>
+          </a:p>
+          <a:p>
+            <a:pPr algn="ctr"/>
+            <a:r>
+              <a:rPr lang="en-US" sz="1400" dirty="0"/>
+              <a:t>of New</a:t>
+            </a:r>
+            <a:endParaRPr lang="en-CA" sz="1400" dirty="0"/>
+          </a:p>
+        </p:txBody>
+      </p:sp>
+      <p:sp>
+        <p:nvSpPr>
+          <p:cNvPr id="13" name="Rectangle 12">
+            <a:extLst>
+              <a:ext uri="{FF2B5EF4-FFF2-40B4-BE49-F238E27FC236}">
+                <a16:creationId xmlns:a16="http://schemas.microsoft.com/office/drawing/2014/main" id="{AEB2E9E3-3B7C-3C69-D5B0-4FDCE1D9E301}"/>
+              </a:ext>
+            </a:extLst>
+          </p:cNvPr>
+          <p:cNvSpPr/>
+          <p:nvPr/>
+        </p:nvSpPr>
+        <p:spPr>
+          <a:xfrm>
+            <a:off x="6223746" y="2986153"/>
+            <a:ext cx="4905936" cy="907945"/>
+          </a:xfrm>
+          <a:prstGeom prst="rect">
+            <a:avLst/>
+          </a:prstGeom>
+        </p:spPr>
+        <p:style>
+          <a:lnRef idx="1">
+            <a:schemeClr val="accent4"/>
+          </a:lnRef>
+          <a:fillRef idx="2">
+            <a:schemeClr val="accent4"/>
+          </a:fillRef>
+          <a:effectRef idx="1">
+            <a:schemeClr val="accent4"/>
+          </a:effectRef>
+          <a:fontRef idx="minor">
+            <a:schemeClr val="dk1"/>
+          </a:fontRef>
+        </p:style>
+        <p:txBody>
+          <a:bodyPr rtlCol="0" anchor="b"/>
+          <a:lstStyle/>
+          <a:p>
+            <a:r>
+              <a:rPr lang="en-US" dirty="0"/>
+              <a:t>New Front End (ACA)</a:t>
+            </a:r>
+            <a:endParaRPr lang="en-CA" dirty="0"/>
+          </a:p>
+        </p:txBody>
+      </p:sp>
+      <p:sp>
+        <p:nvSpPr>
+          <p:cNvPr id="14" name="Rectangle 13">
+            <a:extLst>
+              <a:ext uri="{FF2B5EF4-FFF2-40B4-BE49-F238E27FC236}">
+                <a16:creationId xmlns:a16="http://schemas.microsoft.com/office/drawing/2014/main" id="{542AF063-CBF6-01D4-8747-CEE32FB49769}"/>
+              </a:ext>
+            </a:extLst>
+          </p:cNvPr>
+          <p:cNvSpPr/>
+          <p:nvPr/>
+        </p:nvSpPr>
+        <p:spPr>
+          <a:xfrm>
+            <a:off x="6447864" y="3115197"/>
+            <a:ext cx="4417360" cy="410135"/>
+          </a:xfrm>
+          <a:prstGeom prst="rect">
+            <a:avLst/>
+          </a:prstGeom>
+        </p:spPr>
+        <p:style>
+          <a:lnRef idx="1">
+            <a:schemeClr val="accent6"/>
+          </a:lnRef>
+          <a:fillRef idx="2">
+            <a:schemeClr val="accent6"/>
+          </a:fillRef>
+          <a:effectRef idx="1">
+            <a:schemeClr val="accent6"/>
+          </a:effectRef>
+          <a:fontRef idx="minor">
+            <a:schemeClr val="dk1"/>
+          </a:fontRef>
+        </p:style>
+        <p:txBody>
+          <a:bodyPr rtlCol="0" anchor="ctr"/>
+          <a:lstStyle/>
+          <a:p>
+            <a:pPr algn="ctr"/>
+            <a:r>
+              <a:rPr lang="en-US" dirty="0"/>
+              <a:t>Green Clients</a:t>
+            </a:r>
+            <a:endParaRPr lang="en-CA" dirty="0"/>
+          </a:p>
+        </p:txBody>
+      </p:sp>
+    </p:spTree>
+    <p:extLst>
+      <p:ext uri="{BB962C8B-B14F-4D97-AF65-F5344CB8AC3E}">
+        <p14:creationId xmlns:p14="http://schemas.microsoft.com/office/powerpoint/2010/main" val="677043800"/>
+      </p:ext>
+    </p:extLst>
+  </p:cSld>
+  <p:clrMapOvr>
+    <a:masterClrMapping/>
+  </p:clrMapOvr>
+</p:sld>
+</file>
+
+<file path=ppt/slides/slide11.xml><?xml version="1.0" encoding="utf-8"?>
+<p:sld xmlns:a="http://schemas.openxmlformats.org/drawingml/2006/main" xmlns:r="http://schemas.openxmlformats.org/officeDocument/2006/relationships" xmlns:p="http://schemas.openxmlformats.org/presentationml/2006/main">
+  <p:cSld>
+    <p:spTree>
+      <p:nvGrpSpPr>
+        <p:cNvPr id="1" name=""/>
+        <p:cNvGrpSpPr/>
+        <p:nvPr/>
+      </p:nvGrpSpPr>
+      <p:grpSpPr>
+        <a:xfrm>
+          <a:off x="0" y="0"/>
+          <a:ext cx="0" cy="0"/>
+          <a:chOff x="0" y="0"/>
+          <a:chExt cx="0" cy="0"/>
+        </a:xfrm>
+      </p:grpSpPr>
+      <p:sp>
+        <p:nvSpPr>
+          <p:cNvPr id="6" name="Rectangle 5">
+            <a:extLst>
+              <a:ext uri="{FF2B5EF4-FFF2-40B4-BE49-F238E27FC236}">
+                <a16:creationId xmlns:a16="http://schemas.microsoft.com/office/drawing/2014/main" id="{15FD35EE-0D94-8E09-F319-CBB133C471EA}"/>
+              </a:ext>
+            </a:extLst>
+          </p:cNvPr>
+          <p:cNvSpPr/>
+          <p:nvPr/>
+        </p:nvSpPr>
+        <p:spPr>
+          <a:xfrm>
+            <a:off x="6223746" y="4093726"/>
+            <a:ext cx="4905936" cy="1995592"/>
+          </a:xfrm>
+          <a:prstGeom prst="rect">
+            <a:avLst/>
+          </a:prstGeom>
+        </p:spPr>
+        <p:style>
+          <a:lnRef idx="1">
+            <a:schemeClr val="accent4"/>
+          </a:lnRef>
+          <a:fillRef idx="2">
+            <a:schemeClr val="accent4"/>
+          </a:fillRef>
+          <a:effectRef idx="1">
+            <a:schemeClr val="accent4"/>
+          </a:effectRef>
+          <a:fontRef idx="minor">
+            <a:schemeClr val="dk1"/>
+          </a:fontRef>
+        </p:style>
+        <p:txBody>
+          <a:bodyPr rtlCol="0" anchor="b"/>
+          <a:lstStyle/>
+          <a:p>
+            <a:r>
+              <a:rPr lang="en-US" dirty="0"/>
+              <a:t>New VMSS</a:t>
+            </a:r>
+            <a:endParaRPr lang="en-CA" dirty="0"/>
+          </a:p>
+        </p:txBody>
+      </p:sp>
+      <p:sp>
+        <p:nvSpPr>
+          <p:cNvPr id="2" name="Title 1">
+            <a:extLst>
+              <a:ext uri="{FF2B5EF4-FFF2-40B4-BE49-F238E27FC236}">
+                <a16:creationId xmlns:a16="http://schemas.microsoft.com/office/drawing/2014/main" id="{918D0562-36AA-F218-20A3-83A2FB8CE8EA}"/>
+              </a:ext>
+            </a:extLst>
+          </p:cNvPr>
+          <p:cNvSpPr>
+            <a:spLocks noGrp="1"/>
+          </p:cNvSpPr>
+          <p:nvPr>
+            <p:ph type="title"/>
+          </p:nvPr>
+        </p:nvSpPr>
+        <p:spPr/>
+        <p:txBody>
+          <a:bodyPr/>
+          <a:lstStyle/>
+          <a:p>
+            <a:r>
+              <a:rPr lang="en-US" dirty="0"/>
+              <a:t>Deployment Strategy</a:t>
+            </a:r>
+            <a:endParaRPr lang="en-CA" dirty="0"/>
+          </a:p>
+        </p:txBody>
+      </p:sp>
+      <p:sp>
+        <p:nvSpPr>
+          <p:cNvPr id="17" name="Content Placeholder 16">
+            <a:extLst>
+              <a:ext uri="{FF2B5EF4-FFF2-40B4-BE49-F238E27FC236}">
+                <a16:creationId xmlns:a16="http://schemas.microsoft.com/office/drawing/2014/main" id="{3E9BFECA-4FE8-8956-3D6F-C32F5ED7075A}"/>
+              </a:ext>
+            </a:extLst>
+          </p:cNvPr>
+          <p:cNvSpPr>
+            <a:spLocks noGrp="1"/>
+          </p:cNvSpPr>
+          <p:nvPr>
+            <p:ph idx="1"/>
+          </p:nvPr>
+        </p:nvSpPr>
+        <p:spPr/>
+        <p:txBody>
+          <a:bodyPr/>
+          <a:lstStyle/>
+          <a:p>
+            <a:r>
               <a:rPr lang="en-US"/>
               <a:t>Done</a:t>
             </a:r>
@@ -3693,19 +4239,17 @@
           </a:prstGeom>
         </p:spPr>
         <p:style>
-          <a:lnRef idx="2">
-            <a:schemeClr val="accent1">
-              <a:shade val="50000"/>
-            </a:schemeClr>
-          </a:lnRef>
-          <a:fillRef idx="1">
-            <a:schemeClr val="accent1"/>
-          </a:fillRef>
-          <a:effectRef idx="0">
-            <a:schemeClr val="accent1"/>
-          </a:effectRef>
-          <a:fontRef idx="minor">
-            <a:schemeClr val="lt1"/>
+          <a:lnRef idx="1">
+            <a:schemeClr val="accent2"/>
+          </a:lnRef>
+          <a:fillRef idx="2">
+            <a:schemeClr val="accent2"/>
+          </a:fillRef>
+          <a:effectRef idx="1">
+            <a:schemeClr val="accent2"/>
+          </a:effectRef>
+          <a:fontRef idx="minor">
+            <a:schemeClr val="dk1"/>
           </a:fontRef>
         </p:style>
         <p:txBody>
@@ -5402,8 +5946,8 @@
         </p:nvSpPr>
         <p:spPr>
           <a:xfrm>
-            <a:off x="5817548" y="5170394"/>
-            <a:ext cx="3630802" cy="646331"/>
+            <a:off x="5408474" y="5055164"/>
+            <a:ext cx="2579617" cy="1200329"/>
           </a:xfrm>
           <a:prstGeom prst="rect">
             <a:avLst/>
@@ -5417,23 +5961,112 @@
           <a:lstStyle/>
           <a:p>
             <a:r>
-              <a:rPr lang="en-US" dirty="0"/>
-              <a:t>Version Selector: </a:t>
-            </a:r>
+              <a:rPr lang="en-US" u="sng" dirty="0"/>
+              <a:t>Version Selector</a:t>
+            </a:r>
+          </a:p>
+          <a:p>
+            <a:pPr marL="285750" indent="-285750">
+              <a:buFont typeface="Arial" panose="020B0604020202020204" pitchFamily="34" charset="0"/>
+              <a:buChar char="•"/>
+            </a:pPr>
             <a:r>
               <a:rPr lang="en-US" dirty="0" err="1"/>
+              <a:t>AllCompatibleVersions</a:t>
+            </a:r>
+            <a:endParaRPr lang="en-US" dirty="0"/>
+          </a:p>
+          <a:p>
+            <a:pPr marL="285750" indent="-285750">
+              <a:buFont typeface="Arial" panose="020B0604020202020204" pitchFamily="34" charset="0"/>
+              <a:buChar char="•"/>
+            </a:pPr>
+            <a:r>
+              <a:rPr lang="en-US" dirty="0" err="1">
+                <a:solidFill>
+                  <a:srgbClr val="00B050"/>
+                </a:solidFill>
+              </a:rPr>
               <a:t>LatestVersion</a:t>
             </a:r>
+            <a:endParaRPr lang="en-US" dirty="0">
+              <a:solidFill>
+                <a:srgbClr val="00B050"/>
+              </a:solidFill>
+            </a:endParaRPr>
+          </a:p>
+          <a:p>
+            <a:pPr marL="285750" indent="-285750">
+              <a:buFont typeface="Arial" panose="020B0604020202020204" pitchFamily="34" charset="0"/>
+              <a:buChar char="•"/>
+            </a:pPr>
+            <a:r>
+              <a:rPr lang="en-US" dirty="0" err="1"/>
+              <a:t>MinimumVersion</a:t>
+            </a:r>
             <a:endParaRPr lang="en-US" dirty="0"/>
           </a:p>
-          <a:p>
-            <a:r>
-              <a:rPr lang="en-US" dirty="0"/>
-              <a:t>Compatibility: </a:t>
-            </a:r>
-            <a:r>
-              <a:rPr lang="en-US" dirty="0" err="1"/>
-              <a:t>BackwardsCompatible</a:t>
+        </p:txBody>
+      </p:sp>
+      <p:sp>
+        <p:nvSpPr>
+          <p:cNvPr id="18" name="TextBox 17">
+            <a:extLst>
+              <a:ext uri="{FF2B5EF4-FFF2-40B4-BE49-F238E27FC236}">
+                <a16:creationId xmlns:a16="http://schemas.microsoft.com/office/drawing/2014/main" id="{453E74C0-7968-FFE2-4487-C0D22804082B}"/>
+              </a:ext>
+            </a:extLst>
+          </p:cNvPr>
+          <p:cNvSpPr txBox="1"/>
+          <p:nvPr/>
+        </p:nvSpPr>
+        <p:spPr>
+          <a:xfrm>
+            <a:off x="8384506" y="5055164"/>
+            <a:ext cx="2822909" cy="1200329"/>
+          </a:xfrm>
+          <a:prstGeom prst="rect">
+            <a:avLst/>
+          </a:prstGeom>
+          <a:noFill/>
+        </p:spPr>
+        <p:txBody>
+          <a:bodyPr wrap="square">
+            <a:spAutoFit/>
+          </a:bodyPr>
+          <a:lstStyle/>
+          <a:p>
+            <a:r>
+              <a:rPr lang="en-US" u="sng" dirty="0"/>
+              <a:t>Compatibility Strategy</a:t>
+            </a:r>
+          </a:p>
+          <a:p>
+            <a:r>
+              <a:rPr lang="en-US" dirty="0" err="1">
+                <a:solidFill>
+                  <a:srgbClr val="00B050"/>
+                </a:solidFill>
+              </a:rPr>
+              <a:t>BackwardCompatible</a:t>
+            </a:r>
+            <a:endParaRPr lang="en-US" dirty="0">
+              <a:solidFill>
+                <a:srgbClr val="00B050"/>
+              </a:solidFill>
+            </a:endParaRPr>
+          </a:p>
+          <a:p>
+            <a:r>
+              <a:rPr lang="en-CA" dirty="0" err="1"/>
+              <a:t>AllVersionsCompatible</a:t>
+            </a:r>
+            <a:endParaRPr lang="en-CA" dirty="0"/>
+          </a:p>
+          <a:p>
+            <a:r>
+              <a:rPr lang="en-CA" dirty="0" err="1"/>
+              <a:t>StrictVersionCompatible</a:t>
             </a:r>
             <a:endParaRPr lang="en-CA" dirty="0"/>
           </a:p>
@@ -6788,8 +7421,8 @@
         </p:nvSpPr>
         <p:spPr>
           <a:xfrm>
-            <a:off x="1541233" y="6035463"/>
-            <a:ext cx="2867195" cy="369332"/>
+            <a:off x="544655" y="5852663"/>
+            <a:ext cx="4918333" cy="923330"/>
           </a:xfrm>
           <a:prstGeom prst="rect">
             <a:avLst/>
@@ -6802,9 +7435,24 @@
           </a:bodyPr>
           <a:lstStyle/>
           <a:p>
+            <a:pPr algn="ctr"/>
             <a:r>
               <a:rPr lang="en-US" dirty="0"/>
               <a:t>V1 call when V1 Grain Active</a:t>
+            </a:r>
+          </a:p>
+          <a:p>
+            <a:pPr algn="ctr"/>
+            <a:r>
+              <a:rPr lang="en-US" dirty="0"/>
+              <a:t>(e.g. V1 clients interop with existing V1 grains until</a:t>
+            </a:r>
+          </a:p>
+          <a:p>
+            <a:pPr algn="ctr"/>
+            <a:r>
+              <a:rPr lang="en-US" dirty="0"/>
+              <a:t>V2 client request causes reactivation)</a:t>
             </a:r>
             <a:endParaRPr lang="en-CA" dirty="0"/>
           </a:p>
@@ -7346,8 +7994,8 @@
         </p:nvSpPr>
         <p:spPr>
           <a:xfrm>
-            <a:off x="7462512" y="3488510"/>
-            <a:ext cx="2867195" cy="369332"/>
+            <a:off x="6818915" y="3434272"/>
+            <a:ext cx="3887346" cy="646331"/>
           </a:xfrm>
           <a:prstGeom prst="rect">
             <a:avLst/>
@@ -7360,9 +8008,17 @@
           </a:bodyPr>
           <a:lstStyle/>
           <a:p>
+            <a:pPr algn="ctr"/>
             <a:r>
               <a:rPr lang="en-US" dirty="0"/>
               <a:t>V2 call when V1 Grain Active</a:t>
+            </a:r>
+          </a:p>
+          <a:p>
+            <a:pPr algn="ctr"/>
+            <a:r>
+              <a:rPr lang="en-US" dirty="0"/>
+              <a:t>(e.g. V1 was active before V2 deployed)</a:t>
             </a:r>
             <a:endParaRPr lang="en-CA" dirty="0"/>
           </a:p>
@@ -8132,8 +8788,8 @@
         </p:nvSpPr>
         <p:spPr>
           <a:xfrm>
-            <a:off x="7450711" y="5979222"/>
-            <a:ext cx="2867195" cy="369332"/>
+            <a:off x="6028876" y="5905698"/>
+            <a:ext cx="5613268" cy="646331"/>
           </a:xfrm>
           <a:prstGeom prst="rect">
             <a:avLst/>
@@ -8146,9 +8802,17 @@
           </a:bodyPr>
           <a:lstStyle/>
           <a:p>
+            <a:pPr algn="ctr"/>
             <a:r>
               <a:rPr lang="en-US" dirty="0"/>
               <a:t>V1 call when V2 Grain Active</a:t>
+            </a:r>
+          </a:p>
+          <a:p>
+            <a:pPr algn="ctr"/>
+            <a:r>
+              <a:rPr lang="en-US" dirty="0"/>
+              <a:t>(e.g. After reactivation, V1 client calls routed to V2 Grain)</a:t>
             </a:r>
             <a:endParaRPr lang="en-CA" dirty="0"/>
           </a:p>
@@ -8287,6 +8951,258 @@
               <a:t>backward compatible</a:t>
             </a:r>
             <a:endParaRPr lang="en-CA" dirty="0"/>
+          </a:p>
+        </p:txBody>
+      </p:sp>
+      <p:sp>
+        <p:nvSpPr>
+          <p:cNvPr id="3" name="Oval 2">
+            <a:extLst>
+              <a:ext uri="{FF2B5EF4-FFF2-40B4-BE49-F238E27FC236}">
+                <a16:creationId xmlns:a16="http://schemas.microsoft.com/office/drawing/2014/main" id="{1FB64033-4A8F-0952-22CA-677326BB31D4}"/>
+              </a:ext>
+            </a:extLst>
+          </p:cNvPr>
+          <p:cNvSpPr/>
+          <p:nvPr/>
+        </p:nvSpPr>
+        <p:spPr>
+          <a:xfrm>
+            <a:off x="232416" y="1617853"/>
+            <a:ext cx="518160" cy="518160"/>
+          </a:xfrm>
+          <a:prstGeom prst="ellipse">
+            <a:avLst/>
+          </a:prstGeom>
+          <a:solidFill>
+            <a:schemeClr val="bg1">
+              <a:lumMod val="95000"/>
+            </a:schemeClr>
+          </a:solidFill>
+          <a:ln w="28575">
+            <a:solidFill>
+              <a:srgbClr val="FF0000"/>
+            </a:solidFill>
+          </a:ln>
+        </p:spPr>
+        <p:style>
+          <a:lnRef idx="2">
+            <a:schemeClr val="accent1">
+              <a:shade val="50000"/>
+            </a:schemeClr>
+          </a:lnRef>
+          <a:fillRef idx="1">
+            <a:schemeClr val="accent1"/>
+          </a:fillRef>
+          <a:effectRef idx="0">
+            <a:schemeClr val="accent1"/>
+          </a:effectRef>
+          <a:fontRef idx="minor">
+            <a:schemeClr val="lt1"/>
+          </a:fontRef>
+        </p:style>
+        <p:txBody>
+          <a:bodyPr rtlCol="0" anchor="ctr"/>
+          <a:lstStyle/>
+          <a:p>
+            <a:pPr algn="ctr"/>
+            <a:r>
+              <a:rPr lang="en-US" dirty="0">
+                <a:solidFill>
+                  <a:srgbClr val="FF0000"/>
+                </a:solidFill>
+              </a:rPr>
+              <a:t>1</a:t>
+            </a:r>
+          </a:p>
+        </p:txBody>
+      </p:sp>
+      <p:sp>
+        <p:nvSpPr>
+          <p:cNvPr id="6" name="Oval 5">
+            <a:extLst>
+              <a:ext uri="{FF2B5EF4-FFF2-40B4-BE49-F238E27FC236}">
+                <a16:creationId xmlns:a16="http://schemas.microsoft.com/office/drawing/2014/main" id="{277B37B0-87E1-7395-BA7F-AD79BBC3E4CE}"/>
+              </a:ext>
+            </a:extLst>
+          </p:cNvPr>
+          <p:cNvSpPr/>
+          <p:nvPr/>
+        </p:nvSpPr>
+        <p:spPr>
+          <a:xfrm>
+            <a:off x="234398" y="3814905"/>
+            <a:ext cx="518160" cy="518160"/>
+          </a:xfrm>
+          <a:prstGeom prst="ellipse">
+            <a:avLst/>
+          </a:prstGeom>
+          <a:solidFill>
+            <a:schemeClr val="bg1">
+              <a:lumMod val="95000"/>
+            </a:schemeClr>
+          </a:solidFill>
+          <a:ln w="28575">
+            <a:solidFill>
+              <a:srgbClr val="FF0000"/>
+            </a:solidFill>
+          </a:ln>
+        </p:spPr>
+        <p:style>
+          <a:lnRef idx="2">
+            <a:schemeClr val="accent1">
+              <a:shade val="50000"/>
+            </a:schemeClr>
+          </a:lnRef>
+          <a:fillRef idx="1">
+            <a:schemeClr val="accent1"/>
+          </a:fillRef>
+          <a:effectRef idx="0">
+            <a:schemeClr val="accent1"/>
+          </a:effectRef>
+          <a:fontRef idx="minor">
+            <a:schemeClr val="lt1"/>
+          </a:fontRef>
+        </p:style>
+        <p:txBody>
+          <a:bodyPr rtlCol="0" anchor="ctr"/>
+          <a:lstStyle/>
+          <a:p>
+            <a:pPr algn="ctr"/>
+            <a:r>
+              <a:rPr lang="en-US" dirty="0">
+                <a:solidFill>
+                  <a:srgbClr val="FF0000"/>
+                </a:solidFill>
+              </a:rPr>
+              <a:t>2</a:t>
+            </a:r>
+          </a:p>
+        </p:txBody>
+      </p:sp>
+      <p:sp>
+        <p:nvSpPr>
+          <p:cNvPr id="9" name="Oval 8">
+            <a:extLst>
+              <a:ext uri="{FF2B5EF4-FFF2-40B4-BE49-F238E27FC236}">
+                <a16:creationId xmlns:a16="http://schemas.microsoft.com/office/drawing/2014/main" id="{078FB782-F3B8-9BBA-2556-279229F4F9E4}"/>
+              </a:ext>
+            </a:extLst>
+          </p:cNvPr>
+          <p:cNvSpPr/>
+          <p:nvPr/>
+        </p:nvSpPr>
+        <p:spPr>
+          <a:xfrm>
+            <a:off x="6028876" y="1617853"/>
+            <a:ext cx="518160" cy="518160"/>
+          </a:xfrm>
+          <a:prstGeom prst="ellipse">
+            <a:avLst/>
+          </a:prstGeom>
+          <a:solidFill>
+            <a:schemeClr val="bg1">
+              <a:lumMod val="95000"/>
+            </a:schemeClr>
+          </a:solidFill>
+          <a:ln w="28575">
+            <a:solidFill>
+              <a:srgbClr val="FF0000"/>
+            </a:solidFill>
+          </a:ln>
+        </p:spPr>
+        <p:style>
+          <a:lnRef idx="2">
+            <a:schemeClr val="accent1">
+              <a:shade val="50000"/>
+            </a:schemeClr>
+          </a:lnRef>
+          <a:fillRef idx="1">
+            <a:schemeClr val="accent1"/>
+          </a:fillRef>
+          <a:effectRef idx="0">
+            <a:schemeClr val="accent1"/>
+          </a:effectRef>
+          <a:fontRef idx="minor">
+            <a:schemeClr val="lt1"/>
+          </a:fontRef>
+        </p:style>
+        <p:txBody>
+          <a:bodyPr rtlCol="0" anchor="ctr"/>
+          <a:lstStyle/>
+          <a:p>
+            <a:pPr algn="ctr"/>
+            <a:r>
+              <a:rPr lang="en-US" dirty="0">
+                <a:solidFill>
+                  <a:srgbClr val="FF0000"/>
+                </a:solidFill>
+              </a:rPr>
+              <a:t>3</a:t>
+            </a:r>
+          </a:p>
+        </p:txBody>
+      </p:sp>
+      <p:sp>
+        <p:nvSpPr>
+          <p:cNvPr id="14" name="Oval 13">
+            <a:extLst>
+              <a:ext uri="{FF2B5EF4-FFF2-40B4-BE49-F238E27FC236}">
+                <a16:creationId xmlns:a16="http://schemas.microsoft.com/office/drawing/2014/main" id="{705628FD-739E-9CB6-94B7-89810755D6CA}"/>
+              </a:ext>
+            </a:extLst>
+          </p:cNvPr>
+          <p:cNvSpPr/>
+          <p:nvPr/>
+        </p:nvSpPr>
+        <p:spPr>
+          <a:xfrm>
+            <a:off x="6028876" y="3814905"/>
+            <a:ext cx="518160" cy="518160"/>
+          </a:xfrm>
+          <a:prstGeom prst="ellipse">
+            <a:avLst/>
+          </a:prstGeom>
+          <a:solidFill>
+            <a:schemeClr val="bg1">
+              <a:lumMod val="95000"/>
+            </a:schemeClr>
+          </a:solidFill>
+          <a:ln w="28575">
+            <a:solidFill>
+              <a:srgbClr val="FF0000"/>
+            </a:solidFill>
+          </a:ln>
+        </p:spPr>
+        <p:style>
+          <a:lnRef idx="2">
+            <a:schemeClr val="accent1">
+              <a:shade val="50000"/>
+            </a:schemeClr>
+          </a:lnRef>
+          <a:fillRef idx="1">
+            <a:schemeClr val="accent1"/>
+          </a:fillRef>
+          <a:effectRef idx="0">
+            <a:schemeClr val="accent1"/>
+          </a:effectRef>
+          <a:fontRef idx="minor">
+            <a:schemeClr val="lt1"/>
+          </a:fontRef>
+        </p:style>
+        <p:txBody>
+          <a:bodyPr rtlCol="0" anchor="ctr"/>
+          <a:lstStyle/>
+          <a:p>
+            <a:pPr algn="ctr"/>
+            <a:r>
+              <a:rPr lang="en-US" dirty="0">
+                <a:solidFill>
+                  <a:srgbClr val="FF0000"/>
+                </a:solidFill>
+              </a:rPr>
+              <a:t>4</a:t>
+            </a:r>
           </a:p>
         </p:txBody>
       </p:sp>
@@ -8322,57 +9238,10 @@
       </p:grpSpPr>
       <p:sp>
         <p:nvSpPr>
-          <p:cNvPr id="5" name="Rectangle 4">
-            <a:extLst>
-              <a:ext uri="{FF2B5EF4-FFF2-40B4-BE49-F238E27FC236}">
-                <a16:creationId xmlns:a16="http://schemas.microsoft.com/office/drawing/2014/main" id="{6CADE1B2-547E-9932-CAA2-72A848036510}"/>
-              </a:ext>
-            </a:extLst>
-          </p:cNvPr>
-          <p:cNvSpPr/>
-          <p:nvPr/>
-        </p:nvSpPr>
-        <p:spPr>
-          <a:xfrm>
-            <a:off x="838200" y="4089202"/>
-            <a:ext cx="4905936" cy="1995592"/>
-          </a:xfrm>
-          <a:prstGeom prst="rect">
-            <a:avLst/>
-          </a:prstGeom>
-        </p:spPr>
-        <p:style>
-          <a:lnRef idx="1">
-            <a:schemeClr val="accent4"/>
-          </a:lnRef>
-          <a:fillRef idx="2">
-            <a:schemeClr val="accent4"/>
-          </a:fillRef>
-          <a:effectRef idx="1">
-            <a:schemeClr val="accent4"/>
-          </a:effectRef>
-          <a:fontRef idx="minor">
-            <a:schemeClr val="dk1"/>
-          </a:fontRef>
-        </p:style>
-        <p:txBody>
-          <a:bodyPr rtlCol="0" anchor="b"/>
-          <a:lstStyle/>
-          <a:p>
-            <a:r>
-              <a:rPr lang="en-US" dirty="0"/>
-              <a:t>VMSS</a:t>
-            </a:r>
-            <a:endParaRPr lang="en-CA" dirty="0"/>
-          </a:p>
-        </p:txBody>
-      </p:sp>
-      <p:sp>
-        <p:nvSpPr>
           <p:cNvPr id="2" name="Title 1">
             <a:extLst>
               <a:ext uri="{FF2B5EF4-FFF2-40B4-BE49-F238E27FC236}">
-                <a16:creationId xmlns:a16="http://schemas.microsoft.com/office/drawing/2014/main" id="{918D0562-36AA-F218-20A3-83A2FB8CE8EA}"/>
+                <a16:creationId xmlns:a16="http://schemas.microsoft.com/office/drawing/2014/main" id="{E6905856-896E-5AD5-552A-EF4D14B25F1F}"/>
               </a:ext>
             </a:extLst>
           </p:cNvPr>
@@ -8390,59 +9259,17 @@
           <a:p>
             <a:r>
               <a:rPr lang="en-US" dirty="0"/>
-              <a:t>Deployment: </a:t>
-            </a:r>
-            <a:r>
-              <a:rPr lang="en-US" dirty="0" err="1"/>
-              <a:t>LatestVersion</a:t>
-            </a:r>
-            <a:r>
-              <a:rPr lang="en-US" dirty="0"/>
-              <a:t>/</a:t>
-            </a:r>
-            <a:r>
-              <a:rPr lang="en-US" dirty="0" err="1"/>
-              <a:t>BackwardsCompatible</a:t>
-            </a:r>
-            <a:endParaRPr lang="en-CA" dirty="0"/>
-          </a:p>
-        </p:txBody>
-      </p:sp>
-      <p:sp>
-        <p:nvSpPr>
-          <p:cNvPr id="17" name="Content Placeholder 16">
-            <a:extLst>
-              <a:ext uri="{FF2B5EF4-FFF2-40B4-BE49-F238E27FC236}">
-                <a16:creationId xmlns:a16="http://schemas.microsoft.com/office/drawing/2014/main" id="{3E9BFECA-4FE8-8956-3D6F-C32F5ED7075A}"/>
-              </a:ext>
-            </a:extLst>
-          </p:cNvPr>
-          <p:cNvSpPr>
-            <a:spLocks noGrp="1"/>
-          </p:cNvSpPr>
-          <p:nvPr>
-            <p:ph idx="1"/>
-          </p:nvPr>
-        </p:nvSpPr>
-        <p:spPr/>
-        <p:txBody>
-          <a:bodyPr/>
-          <a:lstStyle/>
-          <a:p>
-            <a:r>
-              <a:rPr lang="en-US" dirty="0"/>
-              <a:t>Initial Conditions</a:t>
-            </a:r>
-            <a:endParaRPr lang="en-CA" dirty="0"/>
-          </a:p>
-        </p:txBody>
-      </p:sp>
-      <p:sp>
-        <p:nvSpPr>
-          <p:cNvPr id="4" name="Rectangle 3">
-            <a:extLst>
-              <a:ext uri="{FF2B5EF4-FFF2-40B4-BE49-F238E27FC236}">
-                <a16:creationId xmlns:a16="http://schemas.microsoft.com/office/drawing/2014/main" id="{4C531F83-495A-8365-D35E-8E9A699BA105}"/>
+              <a:t>Load Transition Expectations</a:t>
+            </a:r>
+          </a:p>
+        </p:txBody>
+      </p:sp>
+      <p:sp>
+        <p:nvSpPr>
+          <p:cNvPr id="5" name="Rectangle 4">
+            <a:extLst>
+              <a:ext uri="{FF2B5EF4-FFF2-40B4-BE49-F238E27FC236}">
+                <a16:creationId xmlns:a16="http://schemas.microsoft.com/office/drawing/2014/main" id="{D77B045F-547C-EDAF-6809-C050D68DE8E8}"/>
               </a:ext>
             </a:extLst>
           </p:cNvPr>
@@ -8451,202 +9278,22 @@
         </p:nvSpPr>
         <p:spPr>
           <a:xfrm>
-            <a:off x="1062318" y="4422786"/>
-            <a:ext cx="4417360" cy="1325563"/>
-          </a:xfrm>
-          <a:prstGeom prst="rect">
-            <a:avLst/>
-          </a:prstGeom>
-        </p:spPr>
-        <p:style>
-          <a:lnRef idx="1">
-            <a:schemeClr val="accent3"/>
-          </a:lnRef>
-          <a:fillRef idx="2">
-            <a:schemeClr val="accent3"/>
-          </a:fillRef>
-          <a:effectRef idx="1">
-            <a:schemeClr val="accent3"/>
-          </a:effectRef>
-          <a:fontRef idx="minor">
-            <a:schemeClr val="dk1"/>
-          </a:fontRef>
-        </p:style>
-        <p:txBody>
-          <a:bodyPr rtlCol="0" anchor="b"/>
-          <a:lstStyle/>
-          <a:p>
-            <a:r>
-              <a:rPr lang="en-US" dirty="0"/>
-              <a:t>Heterogenous Cluster</a:t>
-            </a:r>
-            <a:endParaRPr lang="en-CA" dirty="0"/>
-          </a:p>
-        </p:txBody>
-      </p:sp>
-      <p:sp>
-        <p:nvSpPr>
-          <p:cNvPr id="9" name="Rectangle 8">
-            <a:extLst>
-              <a:ext uri="{FF2B5EF4-FFF2-40B4-BE49-F238E27FC236}">
-                <a16:creationId xmlns:a16="http://schemas.microsoft.com/office/drawing/2014/main" id="{D2F179C2-AEB1-09CB-89DF-BFA38072676D}"/>
-              </a:ext>
-            </a:extLst>
-          </p:cNvPr>
-          <p:cNvSpPr/>
-          <p:nvPr/>
-        </p:nvSpPr>
-        <p:spPr>
-          <a:xfrm>
-            <a:off x="838200" y="2983951"/>
-            <a:ext cx="4905936" cy="907945"/>
-          </a:xfrm>
-          <a:prstGeom prst="rect">
-            <a:avLst/>
-          </a:prstGeom>
-        </p:spPr>
-        <p:style>
-          <a:lnRef idx="1">
-            <a:schemeClr val="accent4"/>
-          </a:lnRef>
-          <a:fillRef idx="2">
-            <a:schemeClr val="accent4"/>
-          </a:fillRef>
-          <a:effectRef idx="1">
-            <a:schemeClr val="accent4"/>
-          </a:effectRef>
-          <a:fontRef idx="minor">
-            <a:schemeClr val="dk1"/>
-          </a:fontRef>
-        </p:style>
-        <p:txBody>
-          <a:bodyPr rtlCol="0" anchor="b"/>
-          <a:lstStyle/>
-          <a:p>
-            <a:r>
-              <a:rPr lang="en-US" dirty="0"/>
-              <a:t>Frontend (ACA)</a:t>
-            </a:r>
-            <a:endParaRPr lang="en-CA" dirty="0"/>
-          </a:p>
-        </p:txBody>
-      </p:sp>
-      <p:sp>
-        <p:nvSpPr>
-          <p:cNvPr id="3" name="Rectangle 2">
-            <a:extLst>
-              <a:ext uri="{FF2B5EF4-FFF2-40B4-BE49-F238E27FC236}">
-                <a16:creationId xmlns:a16="http://schemas.microsoft.com/office/drawing/2014/main" id="{727CF7AF-4002-CAF8-2125-C9A99543406F}"/>
-              </a:ext>
-            </a:extLst>
-          </p:cNvPr>
-          <p:cNvSpPr/>
-          <p:nvPr/>
-        </p:nvSpPr>
-        <p:spPr>
-          <a:xfrm>
-            <a:off x="1062318" y="3112995"/>
-            <a:ext cx="4417360" cy="410135"/>
-          </a:xfrm>
-          <a:prstGeom prst="rect">
-            <a:avLst/>
-          </a:prstGeom>
-        </p:spPr>
-        <p:style>
-          <a:lnRef idx="1">
-            <a:schemeClr val="accent5"/>
-          </a:lnRef>
-          <a:fillRef idx="2">
-            <a:schemeClr val="accent5"/>
-          </a:fillRef>
-          <a:effectRef idx="1">
-            <a:schemeClr val="accent5"/>
-          </a:effectRef>
-          <a:fontRef idx="minor">
-            <a:schemeClr val="dk1"/>
-          </a:fontRef>
-        </p:style>
-        <p:txBody>
-          <a:bodyPr rtlCol="0" anchor="ctr"/>
-          <a:lstStyle/>
-          <a:p>
-            <a:pPr algn="ctr"/>
-            <a:r>
-              <a:rPr lang="en-US" dirty="0"/>
-              <a:t>Blue Clients</a:t>
-            </a:r>
-            <a:endParaRPr lang="en-CA" dirty="0"/>
-          </a:p>
-        </p:txBody>
-      </p:sp>
-      <p:sp>
-        <p:nvSpPr>
-          <p:cNvPr id="18" name="Rectangle 17">
-            <a:extLst>
-              <a:ext uri="{FF2B5EF4-FFF2-40B4-BE49-F238E27FC236}">
-                <a16:creationId xmlns:a16="http://schemas.microsoft.com/office/drawing/2014/main" id="{C0E6C395-EE88-3B93-375E-53CAAAB04216}"/>
-              </a:ext>
-            </a:extLst>
-          </p:cNvPr>
-          <p:cNvSpPr/>
-          <p:nvPr/>
-        </p:nvSpPr>
-        <p:spPr>
-          <a:xfrm>
-            <a:off x="1286436" y="4675432"/>
-            <a:ext cx="3973607" cy="703392"/>
-          </a:xfrm>
-          <a:prstGeom prst="rect">
-            <a:avLst/>
-          </a:prstGeom>
-        </p:spPr>
-        <p:style>
-          <a:lnRef idx="1">
-            <a:schemeClr val="accent5"/>
-          </a:lnRef>
-          <a:fillRef idx="2">
-            <a:schemeClr val="accent5"/>
-          </a:fillRef>
-          <a:effectRef idx="1">
-            <a:schemeClr val="accent5"/>
-          </a:effectRef>
-          <a:fontRef idx="minor">
-            <a:schemeClr val="dk1"/>
-          </a:fontRef>
-        </p:style>
-        <p:txBody>
-          <a:bodyPr rtlCol="0" anchor="ctr"/>
-          <a:lstStyle/>
-          <a:p>
-            <a:pPr algn="ctr"/>
-            <a:r>
-              <a:rPr lang="en-US" dirty="0"/>
-              <a:t>Blue Nodes</a:t>
-            </a:r>
-            <a:endParaRPr lang="en-CA" dirty="0"/>
-          </a:p>
-        </p:txBody>
-      </p:sp>
-      <p:sp>
-        <p:nvSpPr>
-          <p:cNvPr id="20" name="Arrow: Down 19">
-            <a:extLst>
-              <a:ext uri="{FF2B5EF4-FFF2-40B4-BE49-F238E27FC236}">
-                <a16:creationId xmlns:a16="http://schemas.microsoft.com/office/drawing/2014/main" id="{C56E117B-4DAE-1B31-6F28-8200E0A5242E}"/>
-              </a:ext>
-            </a:extLst>
-          </p:cNvPr>
-          <p:cNvSpPr/>
-          <p:nvPr/>
-        </p:nvSpPr>
-        <p:spPr>
-          <a:xfrm>
-            <a:off x="2496671" y="2248542"/>
-            <a:ext cx="1548654" cy="731767"/>
-          </a:xfrm>
-          <a:prstGeom prst="downArrow">
-            <a:avLst/>
-          </a:prstGeom>
+            <a:off x="3585410" y="2628901"/>
+            <a:ext cx="571500" cy="872289"/>
+          </a:xfrm>
+          <a:prstGeom prst="rect">
+            <a:avLst/>
+          </a:prstGeom>
+          <a:solidFill>
+            <a:schemeClr val="bg1">
+              <a:lumMod val="95000"/>
+            </a:schemeClr>
+          </a:solidFill>
+          <a:ln>
+            <a:solidFill>
+              <a:schemeClr val="tx1"/>
+            </a:solidFill>
+          </a:ln>
         </p:spPr>
         <p:style>
           <a:lnRef idx="2">
@@ -8669,25 +9316,1770 @@
           <a:lstStyle/>
           <a:p>
             <a:pPr algn="ctr"/>
-            <a:r>
-              <a:rPr lang="en-US" sz="1400" dirty="0"/>
-              <a:t>100%</a:t>
-            </a:r>
-          </a:p>
+            <a:endParaRPr lang="en-US"/>
+          </a:p>
+        </p:txBody>
+      </p:sp>
+      <p:sp>
+        <p:nvSpPr>
+          <p:cNvPr id="6" name="Rectangle 5">
+            <a:extLst>
+              <a:ext uri="{FF2B5EF4-FFF2-40B4-BE49-F238E27FC236}">
+                <a16:creationId xmlns:a16="http://schemas.microsoft.com/office/drawing/2014/main" id="{50C7EC53-129A-1E99-5D7E-104074CF7E9D}"/>
+              </a:ext>
+            </a:extLst>
+          </p:cNvPr>
+          <p:cNvSpPr/>
+          <p:nvPr/>
+        </p:nvSpPr>
+        <p:spPr>
+          <a:xfrm>
+            <a:off x="4351420" y="2628900"/>
+            <a:ext cx="571500" cy="872289"/>
+          </a:xfrm>
+          <a:prstGeom prst="rect">
+            <a:avLst/>
+          </a:prstGeom>
+          <a:solidFill>
+            <a:schemeClr val="bg1">
+              <a:lumMod val="95000"/>
+            </a:schemeClr>
+          </a:solidFill>
+          <a:ln>
+            <a:solidFill>
+              <a:schemeClr val="tx1"/>
+            </a:solidFill>
+          </a:ln>
+        </p:spPr>
+        <p:style>
+          <a:lnRef idx="2">
+            <a:schemeClr val="accent1">
+              <a:shade val="50000"/>
+            </a:schemeClr>
+          </a:lnRef>
+          <a:fillRef idx="1">
+            <a:schemeClr val="accent1"/>
+          </a:fillRef>
+          <a:effectRef idx="0">
+            <a:schemeClr val="accent1"/>
+          </a:effectRef>
+          <a:fontRef idx="minor">
+            <a:schemeClr val="lt1"/>
+          </a:fontRef>
+        </p:style>
+        <p:txBody>
+          <a:bodyPr rtlCol="0" anchor="ctr"/>
+          <a:lstStyle/>
           <a:p>
             <a:pPr algn="ctr"/>
-            <a:r>
-              <a:rPr lang="en-US" sz="1400" dirty="0"/>
-              <a:t>of New</a:t>
-            </a:r>
-            <a:endParaRPr lang="en-CA" sz="1400" dirty="0"/>
+            <a:endParaRPr lang="en-US"/>
+          </a:p>
+        </p:txBody>
+      </p:sp>
+      <p:sp>
+        <p:nvSpPr>
+          <p:cNvPr id="7" name="Rectangle 6">
+            <a:extLst>
+              <a:ext uri="{FF2B5EF4-FFF2-40B4-BE49-F238E27FC236}">
+                <a16:creationId xmlns:a16="http://schemas.microsoft.com/office/drawing/2014/main" id="{87A6322C-9D96-97C0-0AD3-4742701D9D1A}"/>
+              </a:ext>
+            </a:extLst>
+          </p:cNvPr>
+          <p:cNvSpPr/>
+          <p:nvPr/>
+        </p:nvSpPr>
+        <p:spPr>
+          <a:xfrm>
+            <a:off x="5117430" y="2628899"/>
+            <a:ext cx="571500" cy="872289"/>
+          </a:xfrm>
+          <a:prstGeom prst="rect">
+            <a:avLst/>
+          </a:prstGeom>
+          <a:solidFill>
+            <a:schemeClr val="bg1">
+              <a:lumMod val="95000"/>
+            </a:schemeClr>
+          </a:solidFill>
+          <a:ln>
+            <a:solidFill>
+              <a:schemeClr val="tx1"/>
+            </a:solidFill>
+          </a:ln>
+        </p:spPr>
+        <p:style>
+          <a:lnRef idx="2">
+            <a:schemeClr val="accent1">
+              <a:shade val="50000"/>
+            </a:schemeClr>
+          </a:lnRef>
+          <a:fillRef idx="1">
+            <a:schemeClr val="accent1"/>
+          </a:fillRef>
+          <a:effectRef idx="0">
+            <a:schemeClr val="accent1"/>
+          </a:effectRef>
+          <a:fontRef idx="minor">
+            <a:schemeClr val="lt1"/>
+          </a:fontRef>
+        </p:style>
+        <p:txBody>
+          <a:bodyPr rtlCol="0" anchor="ctr"/>
+          <a:lstStyle/>
+          <a:p>
+            <a:pPr algn="ctr"/>
+            <a:endParaRPr lang="en-US"/>
+          </a:p>
+        </p:txBody>
+      </p:sp>
+      <p:sp>
+        <p:nvSpPr>
+          <p:cNvPr id="8" name="Rectangle 7">
+            <a:extLst>
+              <a:ext uri="{FF2B5EF4-FFF2-40B4-BE49-F238E27FC236}">
+                <a16:creationId xmlns:a16="http://schemas.microsoft.com/office/drawing/2014/main" id="{A9EFC2C9-6E87-14AA-35E0-673F10FA206B}"/>
+              </a:ext>
+            </a:extLst>
+          </p:cNvPr>
+          <p:cNvSpPr/>
+          <p:nvPr/>
+        </p:nvSpPr>
+        <p:spPr>
+          <a:xfrm>
+            <a:off x="3585410" y="2887582"/>
+            <a:ext cx="571500" cy="613606"/>
+          </a:xfrm>
+          <a:prstGeom prst="rect">
+            <a:avLst/>
+          </a:prstGeom>
+          <a:solidFill>
+            <a:srgbClr val="FFC000"/>
+          </a:solidFill>
+          <a:ln>
+            <a:solidFill>
+              <a:schemeClr val="tx1"/>
+            </a:solidFill>
+          </a:ln>
+        </p:spPr>
+        <p:style>
+          <a:lnRef idx="2">
+            <a:schemeClr val="accent1">
+              <a:shade val="50000"/>
+            </a:schemeClr>
+          </a:lnRef>
+          <a:fillRef idx="1">
+            <a:schemeClr val="accent1"/>
+          </a:fillRef>
+          <a:effectRef idx="0">
+            <a:schemeClr val="accent1"/>
+          </a:effectRef>
+          <a:fontRef idx="minor">
+            <a:schemeClr val="lt1"/>
+          </a:fontRef>
+        </p:style>
+        <p:txBody>
+          <a:bodyPr rtlCol="0" anchor="ctr"/>
+          <a:lstStyle/>
+          <a:p>
+            <a:pPr algn="ctr"/>
+            <a:endParaRPr lang="en-US"/>
+          </a:p>
+        </p:txBody>
+      </p:sp>
+      <p:sp>
+        <p:nvSpPr>
+          <p:cNvPr id="9" name="Rectangle 8">
+            <a:extLst>
+              <a:ext uri="{FF2B5EF4-FFF2-40B4-BE49-F238E27FC236}">
+                <a16:creationId xmlns:a16="http://schemas.microsoft.com/office/drawing/2014/main" id="{509A381A-D832-CC07-FD82-D357D91F7ABE}"/>
+              </a:ext>
+            </a:extLst>
+          </p:cNvPr>
+          <p:cNvSpPr/>
+          <p:nvPr/>
+        </p:nvSpPr>
+        <p:spPr>
+          <a:xfrm>
+            <a:off x="4351420" y="2887581"/>
+            <a:ext cx="571500" cy="613606"/>
+          </a:xfrm>
+          <a:prstGeom prst="rect">
+            <a:avLst/>
+          </a:prstGeom>
+          <a:solidFill>
+            <a:schemeClr val="accent6">
+              <a:lumMod val="60000"/>
+              <a:lumOff val="40000"/>
+            </a:schemeClr>
+          </a:solidFill>
+          <a:ln>
+            <a:solidFill>
+              <a:schemeClr val="tx1"/>
+            </a:solidFill>
+          </a:ln>
+        </p:spPr>
+        <p:style>
+          <a:lnRef idx="2">
+            <a:schemeClr val="accent1">
+              <a:shade val="50000"/>
+            </a:schemeClr>
+          </a:lnRef>
+          <a:fillRef idx="1">
+            <a:schemeClr val="accent1"/>
+          </a:fillRef>
+          <a:effectRef idx="0">
+            <a:schemeClr val="accent1"/>
+          </a:effectRef>
+          <a:fontRef idx="minor">
+            <a:schemeClr val="lt1"/>
+          </a:fontRef>
+        </p:style>
+        <p:txBody>
+          <a:bodyPr rtlCol="0" anchor="ctr"/>
+          <a:lstStyle/>
+          <a:p>
+            <a:pPr algn="ctr"/>
+            <a:endParaRPr lang="en-US"/>
+          </a:p>
+        </p:txBody>
+      </p:sp>
+      <p:sp>
+        <p:nvSpPr>
+          <p:cNvPr id="10" name="Rectangle 9">
+            <a:extLst>
+              <a:ext uri="{FF2B5EF4-FFF2-40B4-BE49-F238E27FC236}">
+                <a16:creationId xmlns:a16="http://schemas.microsoft.com/office/drawing/2014/main" id="{3221A279-E11A-0D82-4C21-B55B23F18673}"/>
+              </a:ext>
+            </a:extLst>
+          </p:cNvPr>
+          <p:cNvSpPr/>
+          <p:nvPr/>
+        </p:nvSpPr>
+        <p:spPr>
+          <a:xfrm>
+            <a:off x="5117430" y="2887580"/>
+            <a:ext cx="571500" cy="613606"/>
+          </a:xfrm>
+          <a:prstGeom prst="rect">
+            <a:avLst/>
+          </a:prstGeom>
+          <a:solidFill>
+            <a:schemeClr val="accent6">
+              <a:lumMod val="60000"/>
+              <a:lumOff val="40000"/>
+            </a:schemeClr>
+          </a:solidFill>
+          <a:ln>
+            <a:solidFill>
+              <a:schemeClr val="tx1"/>
+            </a:solidFill>
+          </a:ln>
+        </p:spPr>
+        <p:style>
+          <a:lnRef idx="2">
+            <a:schemeClr val="accent1">
+              <a:shade val="50000"/>
+            </a:schemeClr>
+          </a:lnRef>
+          <a:fillRef idx="1">
+            <a:schemeClr val="accent1"/>
+          </a:fillRef>
+          <a:effectRef idx="0">
+            <a:schemeClr val="accent1"/>
+          </a:effectRef>
+          <a:fontRef idx="minor">
+            <a:schemeClr val="lt1"/>
+          </a:fontRef>
+        </p:style>
+        <p:txBody>
+          <a:bodyPr rtlCol="0" anchor="ctr"/>
+          <a:lstStyle/>
+          <a:p>
+            <a:pPr algn="ctr"/>
+            <a:endParaRPr lang="en-US"/>
+          </a:p>
+        </p:txBody>
+      </p:sp>
+      <p:sp>
+        <p:nvSpPr>
+          <p:cNvPr id="11" name="Rectangle 10">
+            <a:extLst>
+              <a:ext uri="{FF2B5EF4-FFF2-40B4-BE49-F238E27FC236}">
+                <a16:creationId xmlns:a16="http://schemas.microsoft.com/office/drawing/2014/main" id="{FE02413F-F366-59F4-1DAB-D610382715B3}"/>
+              </a:ext>
+            </a:extLst>
+          </p:cNvPr>
+          <p:cNvSpPr/>
+          <p:nvPr/>
+        </p:nvSpPr>
+        <p:spPr>
+          <a:xfrm>
+            <a:off x="3585410" y="4730417"/>
+            <a:ext cx="571500" cy="872289"/>
+          </a:xfrm>
+          <a:prstGeom prst="rect">
+            <a:avLst/>
+          </a:prstGeom>
+          <a:solidFill>
+            <a:schemeClr val="bg1">
+              <a:lumMod val="95000"/>
+            </a:schemeClr>
+          </a:solidFill>
+          <a:ln>
+            <a:solidFill>
+              <a:schemeClr val="tx1"/>
+            </a:solidFill>
+          </a:ln>
+        </p:spPr>
+        <p:style>
+          <a:lnRef idx="2">
+            <a:schemeClr val="accent1">
+              <a:shade val="50000"/>
+            </a:schemeClr>
+          </a:lnRef>
+          <a:fillRef idx="1">
+            <a:schemeClr val="accent1"/>
+          </a:fillRef>
+          <a:effectRef idx="0">
+            <a:schemeClr val="accent1"/>
+          </a:effectRef>
+          <a:fontRef idx="minor">
+            <a:schemeClr val="lt1"/>
+          </a:fontRef>
+        </p:style>
+        <p:txBody>
+          <a:bodyPr rtlCol="0" anchor="ctr"/>
+          <a:lstStyle/>
+          <a:p>
+            <a:pPr algn="ctr"/>
+            <a:endParaRPr lang="en-US"/>
+          </a:p>
+        </p:txBody>
+      </p:sp>
+      <p:sp>
+        <p:nvSpPr>
+          <p:cNvPr id="12" name="Rectangle 11">
+            <a:extLst>
+              <a:ext uri="{FF2B5EF4-FFF2-40B4-BE49-F238E27FC236}">
+                <a16:creationId xmlns:a16="http://schemas.microsoft.com/office/drawing/2014/main" id="{99AD4EE5-A762-E120-FB9B-F2A209253784}"/>
+              </a:ext>
+            </a:extLst>
+          </p:cNvPr>
+          <p:cNvSpPr/>
+          <p:nvPr/>
+        </p:nvSpPr>
+        <p:spPr>
+          <a:xfrm>
+            <a:off x="4351420" y="4730416"/>
+            <a:ext cx="571500" cy="872289"/>
+          </a:xfrm>
+          <a:prstGeom prst="rect">
+            <a:avLst/>
+          </a:prstGeom>
+          <a:solidFill>
+            <a:schemeClr val="bg1">
+              <a:lumMod val="95000"/>
+            </a:schemeClr>
+          </a:solidFill>
+          <a:ln>
+            <a:solidFill>
+              <a:schemeClr val="tx1"/>
+            </a:solidFill>
+          </a:ln>
+        </p:spPr>
+        <p:style>
+          <a:lnRef idx="2">
+            <a:schemeClr val="accent1">
+              <a:shade val="50000"/>
+            </a:schemeClr>
+          </a:lnRef>
+          <a:fillRef idx="1">
+            <a:schemeClr val="accent1"/>
+          </a:fillRef>
+          <a:effectRef idx="0">
+            <a:schemeClr val="accent1"/>
+          </a:effectRef>
+          <a:fontRef idx="minor">
+            <a:schemeClr val="lt1"/>
+          </a:fontRef>
+        </p:style>
+        <p:txBody>
+          <a:bodyPr rtlCol="0" anchor="ctr"/>
+          <a:lstStyle/>
+          <a:p>
+            <a:pPr algn="ctr"/>
+            <a:endParaRPr lang="en-US"/>
+          </a:p>
+        </p:txBody>
+      </p:sp>
+      <p:sp>
+        <p:nvSpPr>
+          <p:cNvPr id="13" name="Rectangle 12">
+            <a:extLst>
+              <a:ext uri="{FF2B5EF4-FFF2-40B4-BE49-F238E27FC236}">
+                <a16:creationId xmlns:a16="http://schemas.microsoft.com/office/drawing/2014/main" id="{D09EA523-EE5F-0396-267E-C8FF15772B97}"/>
+              </a:ext>
+            </a:extLst>
+          </p:cNvPr>
+          <p:cNvSpPr/>
+          <p:nvPr/>
+        </p:nvSpPr>
+        <p:spPr>
+          <a:xfrm>
+            <a:off x="5117430" y="4730415"/>
+            <a:ext cx="571500" cy="872289"/>
+          </a:xfrm>
+          <a:prstGeom prst="rect">
+            <a:avLst/>
+          </a:prstGeom>
+          <a:solidFill>
+            <a:schemeClr val="bg1">
+              <a:lumMod val="95000"/>
+            </a:schemeClr>
+          </a:solidFill>
+          <a:ln>
+            <a:solidFill>
+              <a:schemeClr val="tx1"/>
+            </a:solidFill>
+          </a:ln>
+        </p:spPr>
+        <p:style>
+          <a:lnRef idx="2">
+            <a:schemeClr val="accent1">
+              <a:shade val="50000"/>
+            </a:schemeClr>
+          </a:lnRef>
+          <a:fillRef idx="1">
+            <a:schemeClr val="accent1"/>
+          </a:fillRef>
+          <a:effectRef idx="0">
+            <a:schemeClr val="accent1"/>
+          </a:effectRef>
+          <a:fontRef idx="minor">
+            <a:schemeClr val="lt1"/>
+          </a:fontRef>
+        </p:style>
+        <p:txBody>
+          <a:bodyPr rtlCol="0" anchor="ctr"/>
+          <a:lstStyle/>
+          <a:p>
+            <a:pPr algn="ctr"/>
+            <a:endParaRPr lang="en-US"/>
+          </a:p>
+        </p:txBody>
+      </p:sp>
+      <p:sp>
+        <p:nvSpPr>
+          <p:cNvPr id="15" name="Rectangle 14">
+            <a:extLst>
+              <a:ext uri="{FF2B5EF4-FFF2-40B4-BE49-F238E27FC236}">
+                <a16:creationId xmlns:a16="http://schemas.microsoft.com/office/drawing/2014/main" id="{46066FEE-BBB6-A299-73CE-CB4BC6BF49EB}"/>
+              </a:ext>
+            </a:extLst>
+          </p:cNvPr>
+          <p:cNvSpPr/>
+          <p:nvPr/>
+        </p:nvSpPr>
+        <p:spPr>
+          <a:xfrm>
+            <a:off x="4351420" y="4989097"/>
+            <a:ext cx="571500" cy="613606"/>
+          </a:xfrm>
+          <a:prstGeom prst="rect">
+            <a:avLst/>
+          </a:prstGeom>
+          <a:solidFill>
+            <a:schemeClr val="accent6">
+              <a:lumMod val="60000"/>
+              <a:lumOff val="40000"/>
+            </a:schemeClr>
+          </a:solidFill>
+          <a:ln>
+            <a:solidFill>
+              <a:schemeClr val="tx1"/>
+            </a:solidFill>
+          </a:ln>
+        </p:spPr>
+        <p:style>
+          <a:lnRef idx="2">
+            <a:schemeClr val="accent1">
+              <a:shade val="50000"/>
+            </a:schemeClr>
+          </a:lnRef>
+          <a:fillRef idx="1">
+            <a:schemeClr val="accent1"/>
+          </a:fillRef>
+          <a:effectRef idx="0">
+            <a:schemeClr val="accent1"/>
+          </a:effectRef>
+          <a:fontRef idx="minor">
+            <a:schemeClr val="lt1"/>
+          </a:fontRef>
+        </p:style>
+        <p:txBody>
+          <a:bodyPr rtlCol="0" anchor="ctr"/>
+          <a:lstStyle/>
+          <a:p>
+            <a:pPr algn="ctr"/>
+            <a:endParaRPr lang="en-US"/>
+          </a:p>
+        </p:txBody>
+      </p:sp>
+      <p:sp>
+        <p:nvSpPr>
+          <p:cNvPr id="16" name="Rectangle 15">
+            <a:extLst>
+              <a:ext uri="{FF2B5EF4-FFF2-40B4-BE49-F238E27FC236}">
+                <a16:creationId xmlns:a16="http://schemas.microsoft.com/office/drawing/2014/main" id="{D8FC135E-B75A-D688-BEAB-CECAC6802909}"/>
+              </a:ext>
+            </a:extLst>
+          </p:cNvPr>
+          <p:cNvSpPr/>
+          <p:nvPr/>
+        </p:nvSpPr>
+        <p:spPr>
+          <a:xfrm>
+            <a:off x="5117430" y="4989096"/>
+            <a:ext cx="571500" cy="613606"/>
+          </a:xfrm>
+          <a:prstGeom prst="rect">
+            <a:avLst/>
+          </a:prstGeom>
+          <a:solidFill>
+            <a:schemeClr val="accent6">
+              <a:lumMod val="60000"/>
+              <a:lumOff val="40000"/>
+            </a:schemeClr>
+          </a:solidFill>
+          <a:ln>
+            <a:solidFill>
+              <a:schemeClr val="tx1"/>
+            </a:solidFill>
+          </a:ln>
+        </p:spPr>
+        <p:style>
+          <a:lnRef idx="2">
+            <a:schemeClr val="accent1">
+              <a:shade val="50000"/>
+            </a:schemeClr>
+          </a:lnRef>
+          <a:fillRef idx="1">
+            <a:schemeClr val="accent1"/>
+          </a:fillRef>
+          <a:effectRef idx="0">
+            <a:schemeClr val="accent1"/>
+          </a:effectRef>
+          <a:fontRef idx="minor">
+            <a:schemeClr val="lt1"/>
+          </a:fontRef>
+        </p:style>
+        <p:txBody>
+          <a:bodyPr rtlCol="0" anchor="ctr"/>
+          <a:lstStyle/>
+          <a:p>
+            <a:pPr algn="ctr"/>
+            <a:endParaRPr lang="en-US"/>
+          </a:p>
+        </p:txBody>
+      </p:sp>
+      <p:sp>
+        <p:nvSpPr>
+          <p:cNvPr id="17" name="Rectangle 16">
+            <a:extLst>
+              <a:ext uri="{FF2B5EF4-FFF2-40B4-BE49-F238E27FC236}">
+                <a16:creationId xmlns:a16="http://schemas.microsoft.com/office/drawing/2014/main" id="{62767CDF-3CCE-FEF5-9176-A747677C7C41}"/>
+              </a:ext>
+            </a:extLst>
+          </p:cNvPr>
+          <p:cNvSpPr/>
+          <p:nvPr/>
+        </p:nvSpPr>
+        <p:spPr>
+          <a:xfrm>
+            <a:off x="6918156" y="2624014"/>
+            <a:ext cx="571500" cy="872289"/>
+          </a:xfrm>
+          <a:prstGeom prst="rect">
+            <a:avLst/>
+          </a:prstGeom>
+          <a:solidFill>
+            <a:schemeClr val="bg1">
+              <a:lumMod val="95000"/>
+            </a:schemeClr>
+          </a:solidFill>
+          <a:ln>
+            <a:solidFill>
+              <a:schemeClr val="tx1"/>
+            </a:solidFill>
+          </a:ln>
+        </p:spPr>
+        <p:style>
+          <a:lnRef idx="2">
+            <a:schemeClr val="accent1">
+              <a:shade val="50000"/>
+            </a:schemeClr>
+          </a:lnRef>
+          <a:fillRef idx="1">
+            <a:schemeClr val="accent1"/>
+          </a:fillRef>
+          <a:effectRef idx="0">
+            <a:schemeClr val="accent1"/>
+          </a:effectRef>
+          <a:fontRef idx="minor">
+            <a:schemeClr val="lt1"/>
+          </a:fontRef>
+        </p:style>
+        <p:txBody>
+          <a:bodyPr rtlCol="0" anchor="ctr"/>
+          <a:lstStyle/>
+          <a:p>
+            <a:pPr algn="ctr"/>
+            <a:endParaRPr lang="en-US"/>
+          </a:p>
+        </p:txBody>
+      </p:sp>
+      <p:sp>
+        <p:nvSpPr>
+          <p:cNvPr id="20" name="Rectangle 19">
+            <a:extLst>
+              <a:ext uri="{FF2B5EF4-FFF2-40B4-BE49-F238E27FC236}">
+                <a16:creationId xmlns:a16="http://schemas.microsoft.com/office/drawing/2014/main" id="{58DAA689-3E80-0411-8B6F-39948FF0A870}"/>
+              </a:ext>
+            </a:extLst>
+          </p:cNvPr>
+          <p:cNvSpPr/>
+          <p:nvPr/>
+        </p:nvSpPr>
+        <p:spPr>
+          <a:xfrm>
+            <a:off x="5117430" y="2683043"/>
+            <a:ext cx="571500" cy="206796"/>
+          </a:xfrm>
+          <a:prstGeom prst="rect">
+            <a:avLst/>
+          </a:prstGeom>
+          <a:solidFill>
+            <a:srgbClr val="FFC000"/>
+          </a:solidFill>
+          <a:ln>
+            <a:solidFill>
+              <a:schemeClr val="tx1"/>
+            </a:solidFill>
+          </a:ln>
+        </p:spPr>
+        <p:style>
+          <a:lnRef idx="2">
+            <a:schemeClr val="accent1">
+              <a:shade val="50000"/>
+            </a:schemeClr>
+          </a:lnRef>
+          <a:fillRef idx="1">
+            <a:schemeClr val="accent1"/>
+          </a:fillRef>
+          <a:effectRef idx="0">
+            <a:schemeClr val="accent1"/>
+          </a:effectRef>
+          <a:fontRef idx="minor">
+            <a:schemeClr val="lt1"/>
+          </a:fontRef>
+        </p:style>
+        <p:txBody>
+          <a:bodyPr rtlCol="0" anchor="ctr"/>
+          <a:lstStyle/>
+          <a:p>
+            <a:pPr algn="ctr"/>
+            <a:endParaRPr lang="en-US"/>
+          </a:p>
+        </p:txBody>
+      </p:sp>
+      <p:sp>
+        <p:nvSpPr>
+          <p:cNvPr id="22" name="Rectangle 21">
+            <a:extLst>
+              <a:ext uri="{FF2B5EF4-FFF2-40B4-BE49-F238E27FC236}">
+                <a16:creationId xmlns:a16="http://schemas.microsoft.com/office/drawing/2014/main" id="{C39C8DBE-63D1-0CB4-3883-7A064F894B28}"/>
+              </a:ext>
+            </a:extLst>
+          </p:cNvPr>
+          <p:cNvSpPr/>
+          <p:nvPr/>
+        </p:nvSpPr>
+        <p:spPr>
+          <a:xfrm>
+            <a:off x="6910134" y="4730417"/>
+            <a:ext cx="571500" cy="872289"/>
+          </a:xfrm>
+          <a:prstGeom prst="rect">
+            <a:avLst/>
+          </a:prstGeom>
+          <a:solidFill>
+            <a:schemeClr val="bg1">
+              <a:lumMod val="95000"/>
+            </a:schemeClr>
+          </a:solidFill>
+          <a:ln>
+            <a:solidFill>
+              <a:schemeClr val="tx1"/>
+            </a:solidFill>
+          </a:ln>
+        </p:spPr>
+        <p:style>
+          <a:lnRef idx="2">
+            <a:schemeClr val="accent1">
+              <a:shade val="50000"/>
+            </a:schemeClr>
+          </a:lnRef>
+          <a:fillRef idx="1">
+            <a:schemeClr val="accent1"/>
+          </a:fillRef>
+          <a:effectRef idx="0">
+            <a:schemeClr val="accent1"/>
+          </a:effectRef>
+          <a:fontRef idx="minor">
+            <a:schemeClr val="lt1"/>
+          </a:fontRef>
+        </p:style>
+        <p:txBody>
+          <a:bodyPr rtlCol="0" anchor="ctr"/>
+          <a:lstStyle/>
+          <a:p>
+            <a:pPr algn="ctr"/>
+            <a:endParaRPr lang="en-US"/>
+          </a:p>
+        </p:txBody>
+      </p:sp>
+      <p:sp>
+        <p:nvSpPr>
+          <p:cNvPr id="23" name="Rectangle 22">
+            <a:extLst>
+              <a:ext uri="{FF2B5EF4-FFF2-40B4-BE49-F238E27FC236}">
+                <a16:creationId xmlns:a16="http://schemas.microsoft.com/office/drawing/2014/main" id="{8B4D3D3B-EC10-AA32-B6CD-E0EB02D03A96}"/>
+              </a:ext>
+            </a:extLst>
+          </p:cNvPr>
+          <p:cNvSpPr/>
+          <p:nvPr/>
+        </p:nvSpPr>
+        <p:spPr>
+          <a:xfrm>
+            <a:off x="7676144" y="4730416"/>
+            <a:ext cx="571500" cy="872289"/>
+          </a:xfrm>
+          <a:prstGeom prst="rect">
+            <a:avLst/>
+          </a:prstGeom>
+          <a:solidFill>
+            <a:schemeClr val="bg1">
+              <a:lumMod val="95000"/>
+            </a:schemeClr>
+          </a:solidFill>
+          <a:ln>
+            <a:solidFill>
+              <a:schemeClr val="tx1"/>
+            </a:solidFill>
+          </a:ln>
+        </p:spPr>
+        <p:style>
+          <a:lnRef idx="2">
+            <a:schemeClr val="accent1">
+              <a:shade val="50000"/>
+            </a:schemeClr>
+          </a:lnRef>
+          <a:fillRef idx="1">
+            <a:schemeClr val="accent1"/>
+          </a:fillRef>
+          <a:effectRef idx="0">
+            <a:schemeClr val="accent1"/>
+          </a:effectRef>
+          <a:fontRef idx="minor">
+            <a:schemeClr val="lt1"/>
+          </a:fontRef>
+        </p:style>
+        <p:txBody>
+          <a:bodyPr rtlCol="0" anchor="ctr"/>
+          <a:lstStyle/>
+          <a:p>
+            <a:pPr algn="ctr"/>
+            <a:endParaRPr lang="en-US"/>
+          </a:p>
+        </p:txBody>
+      </p:sp>
+      <p:sp>
+        <p:nvSpPr>
+          <p:cNvPr id="24" name="Rectangle 23">
+            <a:extLst>
+              <a:ext uri="{FF2B5EF4-FFF2-40B4-BE49-F238E27FC236}">
+                <a16:creationId xmlns:a16="http://schemas.microsoft.com/office/drawing/2014/main" id="{2B4F1D98-4476-65F4-EA4B-9FEB45422D0A}"/>
+              </a:ext>
+            </a:extLst>
+          </p:cNvPr>
+          <p:cNvSpPr/>
+          <p:nvPr/>
+        </p:nvSpPr>
+        <p:spPr>
+          <a:xfrm>
+            <a:off x="8442154" y="4730415"/>
+            <a:ext cx="571500" cy="872289"/>
+          </a:xfrm>
+          <a:prstGeom prst="rect">
+            <a:avLst/>
+          </a:prstGeom>
+          <a:solidFill>
+            <a:schemeClr val="bg1">
+              <a:lumMod val="95000"/>
+            </a:schemeClr>
+          </a:solidFill>
+          <a:ln>
+            <a:solidFill>
+              <a:schemeClr val="tx1"/>
+            </a:solidFill>
+          </a:ln>
+        </p:spPr>
+        <p:style>
+          <a:lnRef idx="2">
+            <a:schemeClr val="accent1">
+              <a:shade val="50000"/>
+            </a:schemeClr>
+          </a:lnRef>
+          <a:fillRef idx="1">
+            <a:schemeClr val="accent1"/>
+          </a:fillRef>
+          <a:effectRef idx="0">
+            <a:schemeClr val="accent1"/>
+          </a:effectRef>
+          <a:fontRef idx="minor">
+            <a:schemeClr val="lt1"/>
+          </a:fontRef>
+        </p:style>
+        <p:txBody>
+          <a:bodyPr rtlCol="0" anchor="ctr"/>
+          <a:lstStyle/>
+          <a:p>
+            <a:pPr algn="ctr"/>
+            <a:endParaRPr lang="en-US"/>
+          </a:p>
+        </p:txBody>
+      </p:sp>
+      <p:sp>
+        <p:nvSpPr>
+          <p:cNvPr id="28" name="Rectangle 27">
+            <a:extLst>
+              <a:ext uri="{FF2B5EF4-FFF2-40B4-BE49-F238E27FC236}">
+                <a16:creationId xmlns:a16="http://schemas.microsoft.com/office/drawing/2014/main" id="{EEC83B81-82E3-DE10-AE53-572D1B31C911}"/>
+              </a:ext>
+            </a:extLst>
+          </p:cNvPr>
+          <p:cNvSpPr/>
+          <p:nvPr/>
+        </p:nvSpPr>
+        <p:spPr>
+          <a:xfrm>
+            <a:off x="3585410" y="4989096"/>
+            <a:ext cx="571500" cy="613606"/>
+          </a:xfrm>
+          <a:prstGeom prst="rect">
+            <a:avLst/>
+          </a:prstGeom>
+          <a:solidFill>
+            <a:srgbClr val="FFC000"/>
+          </a:solidFill>
+          <a:ln>
+            <a:solidFill>
+              <a:schemeClr val="tx1"/>
+            </a:solidFill>
+          </a:ln>
+        </p:spPr>
+        <p:style>
+          <a:lnRef idx="2">
+            <a:schemeClr val="accent1">
+              <a:shade val="50000"/>
+            </a:schemeClr>
+          </a:lnRef>
+          <a:fillRef idx="1">
+            <a:schemeClr val="accent1"/>
+          </a:fillRef>
+          <a:effectRef idx="0">
+            <a:schemeClr val="accent1"/>
+          </a:effectRef>
+          <a:fontRef idx="minor">
+            <a:schemeClr val="lt1"/>
+          </a:fontRef>
+        </p:style>
+        <p:txBody>
+          <a:bodyPr rtlCol="0" anchor="ctr"/>
+          <a:lstStyle/>
+          <a:p>
+            <a:pPr algn="ctr"/>
+            <a:endParaRPr lang="en-US"/>
+          </a:p>
+        </p:txBody>
+      </p:sp>
+      <p:sp>
+        <p:nvSpPr>
+          <p:cNvPr id="31" name="Rectangle 30">
+            <a:extLst>
+              <a:ext uri="{FF2B5EF4-FFF2-40B4-BE49-F238E27FC236}">
+                <a16:creationId xmlns:a16="http://schemas.microsoft.com/office/drawing/2014/main" id="{A9943769-B4B0-7443-1982-0AF35BDD5C58}"/>
+              </a:ext>
+            </a:extLst>
+          </p:cNvPr>
+          <p:cNvSpPr/>
+          <p:nvPr/>
+        </p:nvSpPr>
+        <p:spPr>
+          <a:xfrm>
+            <a:off x="4351420" y="2683043"/>
+            <a:ext cx="571500" cy="206796"/>
+          </a:xfrm>
+          <a:prstGeom prst="rect">
+            <a:avLst/>
+          </a:prstGeom>
+          <a:solidFill>
+            <a:srgbClr val="FFC000"/>
+          </a:solidFill>
+          <a:ln>
+            <a:solidFill>
+              <a:schemeClr val="tx1"/>
+            </a:solidFill>
+          </a:ln>
+        </p:spPr>
+        <p:style>
+          <a:lnRef idx="2">
+            <a:schemeClr val="accent1">
+              <a:shade val="50000"/>
+            </a:schemeClr>
+          </a:lnRef>
+          <a:fillRef idx="1">
+            <a:schemeClr val="accent1"/>
+          </a:fillRef>
+          <a:effectRef idx="0">
+            <a:schemeClr val="accent1"/>
+          </a:effectRef>
+          <a:fontRef idx="minor">
+            <a:schemeClr val="lt1"/>
+          </a:fontRef>
+        </p:style>
+        <p:txBody>
+          <a:bodyPr rtlCol="0" anchor="ctr"/>
+          <a:lstStyle/>
+          <a:p>
+            <a:pPr algn="ctr"/>
+            <a:endParaRPr lang="en-US"/>
+          </a:p>
+        </p:txBody>
+      </p:sp>
+      <p:sp>
+        <p:nvSpPr>
+          <p:cNvPr id="32" name="Rectangle 31">
+            <a:extLst>
+              <a:ext uri="{FF2B5EF4-FFF2-40B4-BE49-F238E27FC236}">
+                <a16:creationId xmlns:a16="http://schemas.microsoft.com/office/drawing/2014/main" id="{F049A2A1-095C-0FA7-35E3-9E9C3513AEB7}"/>
+              </a:ext>
+            </a:extLst>
+          </p:cNvPr>
+          <p:cNvSpPr/>
+          <p:nvPr/>
+        </p:nvSpPr>
+        <p:spPr>
+          <a:xfrm>
+            <a:off x="6918156" y="3293645"/>
+            <a:ext cx="571500" cy="206796"/>
+          </a:xfrm>
+          <a:prstGeom prst="rect">
+            <a:avLst/>
+          </a:prstGeom>
+          <a:solidFill>
+            <a:srgbClr val="FFC000"/>
+          </a:solidFill>
+          <a:ln>
+            <a:solidFill>
+              <a:schemeClr val="tx1"/>
+            </a:solidFill>
+          </a:ln>
+        </p:spPr>
+        <p:style>
+          <a:lnRef idx="2">
+            <a:schemeClr val="accent1">
+              <a:shade val="50000"/>
+            </a:schemeClr>
+          </a:lnRef>
+          <a:fillRef idx="1">
+            <a:schemeClr val="accent1"/>
+          </a:fillRef>
+          <a:effectRef idx="0">
+            <a:schemeClr val="accent1"/>
+          </a:effectRef>
+          <a:fontRef idx="minor">
+            <a:schemeClr val="lt1"/>
+          </a:fontRef>
+        </p:style>
+        <p:txBody>
+          <a:bodyPr rtlCol="0" anchor="ctr"/>
+          <a:lstStyle/>
+          <a:p>
+            <a:pPr algn="ctr"/>
+            <a:endParaRPr lang="en-US"/>
+          </a:p>
+        </p:txBody>
+      </p:sp>
+      <p:sp>
+        <p:nvSpPr>
+          <p:cNvPr id="33" name="Rectangle 32">
+            <a:extLst>
+              <a:ext uri="{FF2B5EF4-FFF2-40B4-BE49-F238E27FC236}">
+                <a16:creationId xmlns:a16="http://schemas.microsoft.com/office/drawing/2014/main" id="{DAB32E5B-AA08-7EE8-3FC4-794F8A3EFE56}"/>
+              </a:ext>
+            </a:extLst>
+          </p:cNvPr>
+          <p:cNvSpPr/>
+          <p:nvPr/>
+        </p:nvSpPr>
+        <p:spPr>
+          <a:xfrm>
+            <a:off x="6910134" y="5392150"/>
+            <a:ext cx="571500" cy="206796"/>
+          </a:xfrm>
+          <a:prstGeom prst="rect">
+            <a:avLst/>
+          </a:prstGeom>
+          <a:solidFill>
+            <a:srgbClr val="FFC000"/>
+          </a:solidFill>
+          <a:ln>
+            <a:solidFill>
+              <a:schemeClr val="tx1"/>
+            </a:solidFill>
+          </a:ln>
+        </p:spPr>
+        <p:style>
+          <a:lnRef idx="2">
+            <a:schemeClr val="accent1">
+              <a:shade val="50000"/>
+            </a:schemeClr>
+          </a:lnRef>
+          <a:fillRef idx="1">
+            <a:schemeClr val="accent1"/>
+          </a:fillRef>
+          <a:effectRef idx="0">
+            <a:schemeClr val="accent1"/>
+          </a:effectRef>
+          <a:fontRef idx="minor">
+            <a:schemeClr val="lt1"/>
+          </a:fontRef>
+        </p:style>
+        <p:txBody>
+          <a:bodyPr rtlCol="0" anchor="ctr"/>
+          <a:lstStyle/>
+          <a:p>
+            <a:pPr algn="ctr"/>
+            <a:endParaRPr lang="en-US"/>
+          </a:p>
+        </p:txBody>
+      </p:sp>
+      <p:sp>
+        <p:nvSpPr>
+          <p:cNvPr id="34" name="Rectangle 33">
+            <a:extLst>
+              <a:ext uri="{FF2B5EF4-FFF2-40B4-BE49-F238E27FC236}">
+                <a16:creationId xmlns:a16="http://schemas.microsoft.com/office/drawing/2014/main" id="{477DC2C0-439C-2CDB-3391-568E5466C834}"/>
+              </a:ext>
+            </a:extLst>
+          </p:cNvPr>
+          <p:cNvSpPr/>
+          <p:nvPr/>
+        </p:nvSpPr>
+        <p:spPr>
+          <a:xfrm>
+            <a:off x="7676144" y="5392150"/>
+            <a:ext cx="571500" cy="206796"/>
+          </a:xfrm>
+          <a:prstGeom prst="rect">
+            <a:avLst/>
+          </a:prstGeom>
+          <a:solidFill>
+            <a:srgbClr val="FFC000"/>
+          </a:solidFill>
+          <a:ln>
+            <a:solidFill>
+              <a:schemeClr val="tx1"/>
+            </a:solidFill>
+          </a:ln>
+        </p:spPr>
+        <p:style>
+          <a:lnRef idx="2">
+            <a:schemeClr val="accent1">
+              <a:shade val="50000"/>
+            </a:schemeClr>
+          </a:lnRef>
+          <a:fillRef idx="1">
+            <a:schemeClr val="accent1"/>
+          </a:fillRef>
+          <a:effectRef idx="0">
+            <a:schemeClr val="accent1"/>
+          </a:effectRef>
+          <a:fontRef idx="minor">
+            <a:schemeClr val="lt1"/>
+          </a:fontRef>
+        </p:style>
+        <p:txBody>
+          <a:bodyPr rtlCol="0" anchor="ctr"/>
+          <a:lstStyle/>
+          <a:p>
+            <a:pPr algn="ctr"/>
+            <a:endParaRPr lang="en-US"/>
+          </a:p>
+        </p:txBody>
+      </p:sp>
+      <p:sp>
+        <p:nvSpPr>
+          <p:cNvPr id="35" name="Rectangle 34">
+            <a:extLst>
+              <a:ext uri="{FF2B5EF4-FFF2-40B4-BE49-F238E27FC236}">
+                <a16:creationId xmlns:a16="http://schemas.microsoft.com/office/drawing/2014/main" id="{81B0EE6D-5DD4-62EB-86B2-A87EBD1B71D2}"/>
+              </a:ext>
+            </a:extLst>
+          </p:cNvPr>
+          <p:cNvSpPr/>
+          <p:nvPr/>
+        </p:nvSpPr>
+        <p:spPr>
+          <a:xfrm>
+            <a:off x="8442154" y="5392150"/>
+            <a:ext cx="571500" cy="206796"/>
+          </a:xfrm>
+          <a:prstGeom prst="rect">
+            <a:avLst/>
+          </a:prstGeom>
+          <a:solidFill>
+            <a:srgbClr val="FFC000"/>
+          </a:solidFill>
+          <a:ln>
+            <a:solidFill>
+              <a:schemeClr val="tx1"/>
+            </a:solidFill>
+          </a:ln>
+        </p:spPr>
+        <p:style>
+          <a:lnRef idx="2">
+            <a:schemeClr val="accent1">
+              <a:shade val="50000"/>
+            </a:schemeClr>
+          </a:lnRef>
+          <a:fillRef idx="1">
+            <a:schemeClr val="accent1"/>
+          </a:fillRef>
+          <a:effectRef idx="0">
+            <a:schemeClr val="accent1"/>
+          </a:effectRef>
+          <a:fontRef idx="minor">
+            <a:schemeClr val="lt1"/>
+          </a:fontRef>
+        </p:style>
+        <p:txBody>
+          <a:bodyPr rtlCol="0" anchor="ctr"/>
+          <a:lstStyle/>
+          <a:p>
+            <a:pPr algn="ctr"/>
+            <a:endParaRPr lang="en-US"/>
+          </a:p>
+        </p:txBody>
+      </p:sp>
+      <p:sp>
+        <p:nvSpPr>
+          <p:cNvPr id="36" name="TextBox 35">
+            <a:extLst>
+              <a:ext uri="{FF2B5EF4-FFF2-40B4-BE49-F238E27FC236}">
+                <a16:creationId xmlns:a16="http://schemas.microsoft.com/office/drawing/2014/main" id="{7CBCBD0A-D765-E414-8C04-9717DDD85207}"/>
+              </a:ext>
+            </a:extLst>
+          </p:cNvPr>
+          <p:cNvSpPr txBox="1"/>
+          <p:nvPr/>
+        </p:nvSpPr>
+        <p:spPr>
+          <a:xfrm>
+            <a:off x="1590174" y="2668176"/>
+            <a:ext cx="874150" cy="646331"/>
+          </a:xfrm>
+          <a:prstGeom prst="rect">
+            <a:avLst/>
+          </a:prstGeom>
+          <a:noFill/>
+        </p:spPr>
+        <p:txBody>
+          <a:bodyPr wrap="none" rtlCol="0">
+            <a:spAutoFit/>
+          </a:bodyPr>
+          <a:lstStyle/>
+          <a:p>
+            <a:pPr algn="ctr"/>
+            <a:r>
+              <a:rPr lang="en-US" dirty="0"/>
+              <a:t>Rolling</a:t>
+            </a:r>
+          </a:p>
+          <a:p>
+            <a:pPr algn="ctr"/>
+            <a:r>
+              <a:rPr lang="en-US" dirty="0"/>
+              <a:t>Update</a:t>
+            </a:r>
+          </a:p>
+        </p:txBody>
+      </p:sp>
+      <p:sp>
+        <p:nvSpPr>
+          <p:cNvPr id="37" name="TextBox 36">
+            <a:extLst>
+              <a:ext uri="{FF2B5EF4-FFF2-40B4-BE49-F238E27FC236}">
+                <a16:creationId xmlns:a16="http://schemas.microsoft.com/office/drawing/2014/main" id="{25FAECA4-BA4F-D400-02D8-B2551556ECDD}"/>
+              </a:ext>
+            </a:extLst>
+          </p:cNvPr>
+          <p:cNvSpPr txBox="1"/>
+          <p:nvPr/>
+        </p:nvSpPr>
+        <p:spPr>
+          <a:xfrm>
+            <a:off x="1404227" y="4764995"/>
+            <a:ext cx="1246047" cy="646331"/>
+          </a:xfrm>
+          <a:prstGeom prst="rect">
+            <a:avLst/>
+          </a:prstGeom>
+          <a:noFill/>
+        </p:spPr>
+        <p:txBody>
+          <a:bodyPr wrap="none" rtlCol="0">
+            <a:spAutoFit/>
+          </a:bodyPr>
+          <a:lstStyle/>
+          <a:p>
+            <a:pPr algn="ctr"/>
+            <a:r>
+              <a:rPr lang="en-US" dirty="0"/>
+              <a:t>Blue-Green</a:t>
+            </a:r>
+          </a:p>
+          <a:p>
+            <a:pPr algn="ctr"/>
+            <a:r>
+              <a:rPr lang="en-US" dirty="0"/>
+              <a:t>Update</a:t>
+            </a:r>
+          </a:p>
+        </p:txBody>
+      </p:sp>
+      <p:sp>
+        <p:nvSpPr>
+          <p:cNvPr id="39" name="TextBox 38">
+            <a:extLst>
+              <a:ext uri="{FF2B5EF4-FFF2-40B4-BE49-F238E27FC236}">
+                <a16:creationId xmlns:a16="http://schemas.microsoft.com/office/drawing/2014/main" id="{84CAFDD7-2B81-7F11-FF8E-78E256FD7BFC}"/>
+              </a:ext>
+            </a:extLst>
+          </p:cNvPr>
+          <p:cNvSpPr txBox="1"/>
+          <p:nvPr/>
+        </p:nvSpPr>
+        <p:spPr>
+          <a:xfrm>
+            <a:off x="3912612" y="1948463"/>
+            <a:ext cx="1449115" cy="369332"/>
+          </a:xfrm>
+          <a:prstGeom prst="rect">
+            <a:avLst/>
+          </a:prstGeom>
+          <a:noFill/>
+        </p:spPr>
+        <p:txBody>
+          <a:bodyPr wrap="none" rtlCol="0">
+            <a:spAutoFit/>
+          </a:bodyPr>
+          <a:lstStyle/>
+          <a:p>
+            <a:r>
+              <a:rPr lang="en-US" dirty="0"/>
+              <a:t>“Old Version”</a:t>
+            </a:r>
+          </a:p>
+        </p:txBody>
+      </p:sp>
+      <p:sp>
+        <p:nvSpPr>
+          <p:cNvPr id="40" name="TextBox 39">
+            <a:extLst>
+              <a:ext uri="{FF2B5EF4-FFF2-40B4-BE49-F238E27FC236}">
+                <a16:creationId xmlns:a16="http://schemas.microsoft.com/office/drawing/2014/main" id="{85680ADA-C847-7A05-673B-919801C813D9}"/>
+              </a:ext>
+            </a:extLst>
+          </p:cNvPr>
+          <p:cNvSpPr txBox="1"/>
+          <p:nvPr/>
+        </p:nvSpPr>
+        <p:spPr>
+          <a:xfrm>
+            <a:off x="6992333" y="1948463"/>
+            <a:ext cx="1939121" cy="369332"/>
+          </a:xfrm>
+          <a:prstGeom prst="rect">
+            <a:avLst/>
+          </a:prstGeom>
+          <a:noFill/>
+        </p:spPr>
+        <p:txBody>
+          <a:bodyPr wrap="none" rtlCol="0">
+            <a:spAutoFit/>
+          </a:bodyPr>
+          <a:lstStyle/>
+          <a:p>
+            <a:r>
+              <a:rPr lang="en-US" dirty="0"/>
+              <a:t>“Updated Version”</a:t>
+            </a:r>
+          </a:p>
+        </p:txBody>
+      </p:sp>
+      <p:cxnSp>
+        <p:nvCxnSpPr>
+          <p:cNvPr id="42" name="Straight Arrow Connector 41">
+            <a:extLst>
+              <a:ext uri="{FF2B5EF4-FFF2-40B4-BE49-F238E27FC236}">
+                <a16:creationId xmlns:a16="http://schemas.microsoft.com/office/drawing/2014/main" id="{0DCAF7A5-B527-D450-8478-90AFFA15206E}"/>
+              </a:ext>
+            </a:extLst>
+          </p:cNvPr>
+          <p:cNvCxnSpPr>
+            <a:cxnSpLocks/>
+            <a:endCxn id="31" idx="1"/>
+          </p:cNvCxnSpPr>
+          <p:nvPr/>
+        </p:nvCxnSpPr>
+        <p:spPr>
+          <a:xfrm flipV="1">
+            <a:off x="3871160" y="2786441"/>
+            <a:ext cx="480260" cy="407942"/>
+          </a:xfrm>
+          <a:prstGeom prst="straightConnector1">
+            <a:avLst/>
+          </a:prstGeom>
+          <a:ln>
+            <a:tailEnd type="triangle"/>
+          </a:ln>
+        </p:spPr>
+        <p:style>
+          <a:lnRef idx="1">
+            <a:schemeClr val="accent1"/>
+          </a:lnRef>
+          <a:fillRef idx="0">
+            <a:schemeClr val="accent1"/>
+          </a:fillRef>
+          <a:effectRef idx="0">
+            <a:schemeClr val="accent1"/>
+          </a:effectRef>
+          <a:fontRef idx="minor">
+            <a:schemeClr val="tx1"/>
+          </a:fontRef>
+        </p:style>
+      </p:cxnSp>
+      <p:cxnSp>
+        <p:nvCxnSpPr>
+          <p:cNvPr id="44" name="Straight Arrow Connector 43">
+            <a:extLst>
+              <a:ext uri="{FF2B5EF4-FFF2-40B4-BE49-F238E27FC236}">
+                <a16:creationId xmlns:a16="http://schemas.microsoft.com/office/drawing/2014/main" id="{DD788CE8-7A98-4C94-3D8C-A98758BE8211}"/>
+              </a:ext>
+            </a:extLst>
+          </p:cNvPr>
+          <p:cNvCxnSpPr>
+            <a:cxnSpLocks/>
+            <a:endCxn id="20" idx="1"/>
+          </p:cNvCxnSpPr>
+          <p:nvPr/>
+        </p:nvCxnSpPr>
+        <p:spPr>
+          <a:xfrm flipV="1">
+            <a:off x="3871160" y="2786441"/>
+            <a:ext cx="1246270" cy="414503"/>
+          </a:xfrm>
+          <a:prstGeom prst="straightConnector1">
+            <a:avLst/>
+          </a:prstGeom>
+          <a:ln>
+            <a:tailEnd type="triangle"/>
+          </a:ln>
+        </p:spPr>
+        <p:style>
+          <a:lnRef idx="1">
+            <a:schemeClr val="accent1"/>
+          </a:lnRef>
+          <a:fillRef idx="0">
+            <a:schemeClr val="accent1"/>
+          </a:fillRef>
+          <a:effectRef idx="0">
+            <a:schemeClr val="accent1"/>
+          </a:effectRef>
+          <a:fontRef idx="minor">
+            <a:schemeClr val="tx1"/>
+          </a:fontRef>
+        </p:style>
+      </p:cxnSp>
+      <p:cxnSp>
+        <p:nvCxnSpPr>
+          <p:cNvPr id="46" name="Straight Arrow Connector 45">
+            <a:extLst>
+              <a:ext uri="{FF2B5EF4-FFF2-40B4-BE49-F238E27FC236}">
+                <a16:creationId xmlns:a16="http://schemas.microsoft.com/office/drawing/2014/main" id="{DF191AAE-F6BD-9731-16B4-97DAD83561E8}"/>
+              </a:ext>
+            </a:extLst>
+          </p:cNvPr>
+          <p:cNvCxnSpPr>
+            <a:endCxn id="32" idx="1"/>
+          </p:cNvCxnSpPr>
+          <p:nvPr/>
+        </p:nvCxnSpPr>
+        <p:spPr>
+          <a:xfrm>
+            <a:off x="3871160" y="3200943"/>
+            <a:ext cx="3046996" cy="196100"/>
+          </a:xfrm>
+          <a:prstGeom prst="straightConnector1">
+            <a:avLst/>
+          </a:prstGeom>
+          <a:ln>
+            <a:tailEnd type="triangle"/>
+          </a:ln>
+        </p:spPr>
+        <p:style>
+          <a:lnRef idx="1">
+            <a:schemeClr val="accent1"/>
+          </a:lnRef>
+          <a:fillRef idx="0">
+            <a:schemeClr val="accent1"/>
+          </a:fillRef>
+          <a:effectRef idx="0">
+            <a:schemeClr val="accent1"/>
+          </a:effectRef>
+          <a:fontRef idx="minor">
+            <a:schemeClr val="tx1"/>
+          </a:fontRef>
+        </p:style>
+      </p:cxnSp>
+      <p:cxnSp>
+        <p:nvCxnSpPr>
+          <p:cNvPr id="50" name="Straight Arrow Connector 49">
+            <a:extLst>
+              <a:ext uri="{FF2B5EF4-FFF2-40B4-BE49-F238E27FC236}">
+                <a16:creationId xmlns:a16="http://schemas.microsoft.com/office/drawing/2014/main" id="{326E0063-14A2-9353-8ABC-B2D9FA3C67DE}"/>
+              </a:ext>
+            </a:extLst>
+          </p:cNvPr>
+          <p:cNvCxnSpPr>
+            <a:endCxn id="33" idx="1"/>
+          </p:cNvCxnSpPr>
+          <p:nvPr/>
+        </p:nvCxnSpPr>
+        <p:spPr>
+          <a:xfrm>
+            <a:off x="3871160" y="5295899"/>
+            <a:ext cx="3038974" cy="199649"/>
+          </a:xfrm>
+          <a:prstGeom prst="straightConnector1">
+            <a:avLst/>
+          </a:prstGeom>
+          <a:ln>
+            <a:tailEnd type="triangle"/>
+          </a:ln>
+        </p:spPr>
+        <p:style>
+          <a:lnRef idx="1">
+            <a:schemeClr val="accent1"/>
+          </a:lnRef>
+          <a:fillRef idx="0">
+            <a:schemeClr val="accent1"/>
+          </a:fillRef>
+          <a:effectRef idx="0">
+            <a:schemeClr val="accent1"/>
+          </a:effectRef>
+          <a:fontRef idx="minor">
+            <a:schemeClr val="tx1"/>
+          </a:fontRef>
+        </p:style>
+      </p:cxnSp>
+      <p:cxnSp>
+        <p:nvCxnSpPr>
+          <p:cNvPr id="52" name="Straight Arrow Connector 51">
+            <a:extLst>
+              <a:ext uri="{FF2B5EF4-FFF2-40B4-BE49-F238E27FC236}">
+                <a16:creationId xmlns:a16="http://schemas.microsoft.com/office/drawing/2014/main" id="{B7492343-D3EB-2261-E574-CDAF330D09C1}"/>
+              </a:ext>
+            </a:extLst>
+          </p:cNvPr>
+          <p:cNvCxnSpPr>
+            <a:endCxn id="34" idx="1"/>
+          </p:cNvCxnSpPr>
+          <p:nvPr/>
+        </p:nvCxnSpPr>
+        <p:spPr>
+          <a:xfrm>
+            <a:off x="3871160" y="5295899"/>
+            <a:ext cx="3804984" cy="199649"/>
+          </a:xfrm>
+          <a:prstGeom prst="straightConnector1">
+            <a:avLst/>
+          </a:prstGeom>
+          <a:ln>
+            <a:tailEnd type="triangle"/>
+          </a:ln>
+        </p:spPr>
+        <p:style>
+          <a:lnRef idx="1">
+            <a:schemeClr val="accent1"/>
+          </a:lnRef>
+          <a:fillRef idx="0">
+            <a:schemeClr val="accent1"/>
+          </a:fillRef>
+          <a:effectRef idx="0">
+            <a:schemeClr val="accent1"/>
+          </a:effectRef>
+          <a:fontRef idx="minor">
+            <a:schemeClr val="tx1"/>
+          </a:fontRef>
+        </p:style>
+      </p:cxnSp>
+      <p:cxnSp>
+        <p:nvCxnSpPr>
+          <p:cNvPr id="54" name="Straight Arrow Connector 53">
+            <a:extLst>
+              <a:ext uri="{FF2B5EF4-FFF2-40B4-BE49-F238E27FC236}">
+                <a16:creationId xmlns:a16="http://schemas.microsoft.com/office/drawing/2014/main" id="{EACEBB62-DDE4-43E0-22C1-44D3C2E77DC6}"/>
+              </a:ext>
+            </a:extLst>
+          </p:cNvPr>
+          <p:cNvCxnSpPr>
+            <a:endCxn id="35" idx="1"/>
+          </p:cNvCxnSpPr>
+          <p:nvPr/>
+        </p:nvCxnSpPr>
+        <p:spPr>
+          <a:xfrm>
+            <a:off x="3871160" y="5295899"/>
+            <a:ext cx="4570994" cy="199649"/>
+          </a:xfrm>
+          <a:prstGeom prst="straightConnector1">
+            <a:avLst/>
+          </a:prstGeom>
+          <a:ln>
+            <a:tailEnd type="triangle"/>
+          </a:ln>
+        </p:spPr>
+        <p:style>
+          <a:lnRef idx="1">
+            <a:schemeClr val="accent1"/>
+          </a:lnRef>
+          <a:fillRef idx="0">
+            <a:schemeClr val="accent1"/>
+          </a:fillRef>
+          <a:effectRef idx="0">
+            <a:schemeClr val="accent1"/>
+          </a:effectRef>
+          <a:fontRef idx="minor">
+            <a:schemeClr val="tx1"/>
+          </a:fontRef>
+        </p:style>
+      </p:cxnSp>
+      <p:sp>
+        <p:nvSpPr>
+          <p:cNvPr id="55" name="TextBox 54">
+            <a:extLst>
+              <a:ext uri="{FF2B5EF4-FFF2-40B4-BE49-F238E27FC236}">
+                <a16:creationId xmlns:a16="http://schemas.microsoft.com/office/drawing/2014/main" id="{4AACD9B6-C0BA-C483-1D9A-8611C538183E}"/>
+              </a:ext>
+            </a:extLst>
+          </p:cNvPr>
+          <p:cNvSpPr txBox="1"/>
+          <p:nvPr/>
+        </p:nvSpPr>
+        <p:spPr>
+          <a:xfrm>
+            <a:off x="6515631" y="5687592"/>
+            <a:ext cx="2892523" cy="646331"/>
+          </a:xfrm>
+          <a:prstGeom prst="rect">
+            <a:avLst/>
+          </a:prstGeom>
+          <a:noFill/>
+        </p:spPr>
+        <p:txBody>
+          <a:bodyPr wrap="none" rtlCol="0">
+            <a:spAutoFit/>
+          </a:bodyPr>
+          <a:lstStyle/>
+          <a:p>
+            <a:pPr algn="ctr"/>
+            <a:r>
+              <a:rPr lang="en-US" dirty="0"/>
+              <a:t>New nodes uniformly loaded</a:t>
+            </a:r>
+          </a:p>
+          <a:p>
+            <a:pPr algn="ctr"/>
+            <a:r>
+              <a:rPr lang="en-US" dirty="0"/>
+              <a:t> during transition</a:t>
+            </a:r>
+          </a:p>
+        </p:txBody>
+      </p:sp>
+      <p:sp>
+        <p:nvSpPr>
+          <p:cNvPr id="56" name="TextBox 55">
+            <a:extLst>
+              <a:ext uri="{FF2B5EF4-FFF2-40B4-BE49-F238E27FC236}">
+                <a16:creationId xmlns:a16="http://schemas.microsoft.com/office/drawing/2014/main" id="{AF12C032-6A4C-DF2D-8759-1D97A3F75B09}"/>
+              </a:ext>
+            </a:extLst>
+          </p:cNvPr>
+          <p:cNvSpPr txBox="1"/>
+          <p:nvPr/>
+        </p:nvSpPr>
+        <p:spPr>
+          <a:xfrm>
+            <a:off x="3219472" y="5728816"/>
+            <a:ext cx="2835393" cy="646331"/>
+          </a:xfrm>
+          <a:prstGeom prst="rect">
+            <a:avLst/>
+          </a:prstGeom>
+          <a:noFill/>
+        </p:spPr>
+        <p:txBody>
+          <a:bodyPr wrap="none" rtlCol="0">
+            <a:spAutoFit/>
+          </a:bodyPr>
+          <a:lstStyle/>
+          <a:p>
+            <a:pPr algn="ctr"/>
+            <a:r>
+              <a:rPr lang="en-US" dirty="0"/>
+              <a:t>No load impact to old nodes</a:t>
+            </a:r>
+          </a:p>
+          <a:p>
+            <a:pPr algn="ctr"/>
+            <a:r>
+              <a:rPr lang="en-US" dirty="0"/>
+              <a:t>during transition</a:t>
+            </a:r>
+          </a:p>
+        </p:txBody>
+      </p:sp>
+      <p:sp>
+        <p:nvSpPr>
+          <p:cNvPr id="57" name="TextBox 56">
+            <a:extLst>
+              <a:ext uri="{FF2B5EF4-FFF2-40B4-BE49-F238E27FC236}">
+                <a16:creationId xmlns:a16="http://schemas.microsoft.com/office/drawing/2014/main" id="{B412480F-F3D9-7782-7B88-525D0308EE84}"/>
+              </a:ext>
+            </a:extLst>
+          </p:cNvPr>
+          <p:cNvSpPr txBox="1"/>
+          <p:nvPr/>
+        </p:nvSpPr>
+        <p:spPr>
+          <a:xfrm>
+            <a:off x="3178470" y="3535754"/>
+            <a:ext cx="2917530" cy="646331"/>
+          </a:xfrm>
+          <a:prstGeom prst="rect">
+            <a:avLst/>
+          </a:prstGeom>
+          <a:noFill/>
+        </p:spPr>
+        <p:txBody>
+          <a:bodyPr wrap="none" rtlCol="0">
+            <a:spAutoFit/>
+          </a:bodyPr>
+          <a:lstStyle/>
+          <a:p>
+            <a:pPr algn="ctr"/>
+            <a:r>
+              <a:rPr lang="en-US" dirty="0">
+                <a:solidFill>
+                  <a:srgbClr val="FF0000"/>
+                </a:solidFill>
+              </a:rPr>
+              <a:t>Old nodes experience impact</a:t>
+            </a:r>
+          </a:p>
+          <a:p>
+            <a:pPr algn="ctr"/>
+            <a:r>
+              <a:rPr lang="en-US" dirty="0">
+                <a:solidFill>
+                  <a:srgbClr val="FF0000"/>
+                </a:solidFill>
+              </a:rPr>
+              <a:t>during transition</a:t>
+            </a:r>
+          </a:p>
+        </p:txBody>
+      </p:sp>
+      <p:sp>
+        <p:nvSpPr>
+          <p:cNvPr id="58" name="TextBox 57">
+            <a:extLst>
+              <a:ext uri="{FF2B5EF4-FFF2-40B4-BE49-F238E27FC236}">
+                <a16:creationId xmlns:a16="http://schemas.microsoft.com/office/drawing/2014/main" id="{1B307916-28D3-86CD-3452-C91260089263}"/>
+              </a:ext>
+            </a:extLst>
+          </p:cNvPr>
+          <p:cNvSpPr txBox="1"/>
+          <p:nvPr/>
+        </p:nvSpPr>
+        <p:spPr>
+          <a:xfrm>
+            <a:off x="6300835" y="3507452"/>
+            <a:ext cx="3258008" cy="646331"/>
+          </a:xfrm>
+          <a:prstGeom prst="rect">
+            <a:avLst/>
+          </a:prstGeom>
+          <a:noFill/>
+        </p:spPr>
+        <p:txBody>
+          <a:bodyPr wrap="none" rtlCol="0">
+            <a:spAutoFit/>
+          </a:bodyPr>
+          <a:lstStyle/>
+          <a:p>
+            <a:pPr algn="ctr"/>
+            <a:r>
+              <a:rPr lang="en-US" dirty="0">
+                <a:solidFill>
+                  <a:srgbClr val="FF0000"/>
+                </a:solidFill>
+              </a:rPr>
+              <a:t>New nodes nonuniformly loaded</a:t>
+            </a:r>
+          </a:p>
+          <a:p>
+            <a:pPr algn="ctr"/>
+            <a:r>
+              <a:rPr lang="en-US" dirty="0">
+                <a:solidFill>
+                  <a:srgbClr val="FF0000"/>
+                </a:solidFill>
+              </a:rPr>
+              <a:t>during transition</a:t>
+            </a:r>
           </a:p>
         </p:txBody>
       </p:sp>
     </p:spTree>
     <p:extLst>
       <p:ext uri="{BB962C8B-B14F-4D97-AF65-F5344CB8AC3E}">
-        <p14:creationId xmlns:p14="http://schemas.microsoft.com/office/powerpoint/2010/main" val="647914902"/>
+        <p14:creationId xmlns:p14="http://schemas.microsoft.com/office/powerpoint/2010/main" val="2734763583"/>
       </p:ext>
     </p:extLst>
   </p:cSld>
@@ -8716,10 +11108,10 @@
       </p:grpSpPr>
       <p:sp>
         <p:nvSpPr>
-          <p:cNvPr id="6" name="Rectangle 5">
-            <a:extLst>
-              <a:ext uri="{FF2B5EF4-FFF2-40B4-BE49-F238E27FC236}">
-                <a16:creationId xmlns:a16="http://schemas.microsoft.com/office/drawing/2014/main" id="{15FD35EE-0D94-8E09-F319-CBB133C471EA}"/>
+          <p:cNvPr id="5" name="Rectangle 4">
+            <a:extLst>
+              <a:ext uri="{FF2B5EF4-FFF2-40B4-BE49-F238E27FC236}">
+                <a16:creationId xmlns:a16="http://schemas.microsoft.com/office/drawing/2014/main" id="{6CADE1B2-547E-9932-CAA2-72A848036510}"/>
               </a:ext>
             </a:extLst>
           </p:cNvPr>
@@ -8728,54 +11120,7 @@
         </p:nvSpPr>
         <p:spPr>
           <a:xfrm>
-            <a:off x="6223746" y="4093726"/>
-            <a:ext cx="4905936" cy="1995592"/>
-          </a:xfrm>
-          <a:prstGeom prst="rect">
-            <a:avLst/>
-          </a:prstGeom>
-        </p:spPr>
-        <p:style>
-          <a:lnRef idx="1">
-            <a:schemeClr val="accent4"/>
-          </a:lnRef>
-          <a:fillRef idx="2">
-            <a:schemeClr val="accent4"/>
-          </a:fillRef>
-          <a:effectRef idx="1">
-            <a:schemeClr val="accent4"/>
-          </a:effectRef>
-          <a:fontRef idx="minor">
-            <a:schemeClr val="dk1"/>
-          </a:fontRef>
-        </p:style>
-        <p:txBody>
-          <a:bodyPr rtlCol="0" anchor="b"/>
-          <a:lstStyle/>
-          <a:p>
-            <a:r>
-              <a:rPr lang="en-US" dirty="0"/>
-              <a:t>New VMSS</a:t>
-            </a:r>
-            <a:endParaRPr lang="en-CA" dirty="0"/>
-          </a:p>
-        </p:txBody>
-      </p:sp>
-      <p:sp>
-        <p:nvSpPr>
-          <p:cNvPr id="5" name="Rectangle 4">
-            <a:extLst>
-              <a:ext uri="{FF2B5EF4-FFF2-40B4-BE49-F238E27FC236}">
-                <a16:creationId xmlns:a16="http://schemas.microsoft.com/office/drawing/2014/main" id="{6CADE1B2-547E-9932-CAA2-72A848036510}"/>
-              </a:ext>
-            </a:extLst>
-          </p:cNvPr>
-          <p:cNvSpPr/>
-          <p:nvPr/>
-        </p:nvSpPr>
-        <p:spPr>
-          <a:xfrm>
-            <a:off x="838200" y="4093726"/>
+            <a:off x="838200" y="4089202"/>
             <a:ext cx="4905936" cy="1995592"/>
           </a:xfrm>
           <a:prstGeom prst="rect">
@@ -8831,22 +11176,7 @@
           <a:p>
             <a:r>
               <a:rPr lang="en-US" dirty="0"/>
-              <a:t>Deployment:</a:t>
-            </a:r>
-            <a:br>
-              <a:rPr lang="en-US" dirty="0"/>
-            </a:br>
-            <a:r>
-              <a:rPr lang="en-US" dirty="0" err="1"/>
-              <a:t>LatestVersion</a:t>
-            </a:r>
-            <a:r>
-              <a:rPr lang="en-US" dirty="0"/>
-              <a:t>/</a:t>
-            </a:r>
-            <a:r>
-              <a:rPr lang="en-US" dirty="0" err="1"/>
-              <a:t>BackwardsCompatible</a:t>
+              <a:t>Deployment Strategy</a:t>
             </a:r>
             <a:endParaRPr lang="en-CA" dirty="0"/>
           </a:p>
@@ -8875,7 +11205,7 @@
           <a:p>
             <a:r>
               <a:rPr lang="en-US" dirty="0"/>
-              <a:t>New VMSS w/ green version</a:t>
+              <a:t>Initial Conditions</a:t>
             </a:r>
             <a:endParaRPr lang="en-CA" dirty="0"/>
           </a:p>
@@ -8895,8 +11225,8 @@
         </p:nvSpPr>
         <p:spPr>
           <a:xfrm>
-            <a:off x="1062318" y="4427310"/>
-            <a:ext cx="9843246" cy="1325563"/>
+            <a:off x="1062318" y="4422786"/>
+            <a:ext cx="4417360" cy="1325563"/>
           </a:xfrm>
           <a:prstGeom prst="rect">
             <a:avLst/>
@@ -8942,7 +11272,7 @@
         </p:nvSpPr>
         <p:spPr>
           <a:xfrm>
-            <a:off x="838200" y="2988475"/>
+            <a:off x="838200" y="2983951"/>
             <a:ext cx="4905936" cy="907945"/>
           </a:xfrm>
           <a:prstGeom prst="rect">
@@ -8969,7 +11299,7 @@
           <a:p>
             <a:r>
               <a:rPr lang="en-US" dirty="0"/>
-              <a:t>Front End (ACA)</a:t>
+              <a:t>Frontend (ACA)</a:t>
             </a:r>
             <a:endParaRPr lang="en-CA" dirty="0"/>
           </a:p>
@@ -8989,7 +11319,7 @@
         </p:nvSpPr>
         <p:spPr>
           <a:xfrm>
-            <a:off x="1062318" y="3117519"/>
+            <a:off x="1062318" y="3112995"/>
             <a:ext cx="4417360" cy="410135"/>
           </a:xfrm>
           <a:prstGeom prst="rect">
@@ -9037,7 +11367,7 @@
         </p:nvSpPr>
         <p:spPr>
           <a:xfrm>
-            <a:off x="1286436" y="4679956"/>
+            <a:off x="1286436" y="4675432"/>
             <a:ext cx="3973607" cy="703392"/>
           </a:xfrm>
           <a:prstGeom prst="rect">
@@ -9073,159 +11403,10 @@
       </p:sp>
       <p:sp>
         <p:nvSpPr>
-          <p:cNvPr id="8" name="Rectangle 7">
-            <a:extLst>
-              <a:ext uri="{FF2B5EF4-FFF2-40B4-BE49-F238E27FC236}">
-                <a16:creationId xmlns:a16="http://schemas.microsoft.com/office/drawing/2014/main" id="{8369D81B-A1DB-74D6-3609-2868B4D490EC}"/>
-              </a:ext>
-            </a:extLst>
-          </p:cNvPr>
-          <p:cNvSpPr/>
-          <p:nvPr/>
-        </p:nvSpPr>
-        <p:spPr>
-          <a:xfrm>
-            <a:off x="6671982" y="4679956"/>
-            <a:ext cx="3973607" cy="703392"/>
-          </a:xfrm>
-          <a:prstGeom prst="rect">
-            <a:avLst/>
-          </a:prstGeom>
-        </p:spPr>
-        <p:style>
-          <a:lnRef idx="1">
-            <a:schemeClr val="accent6"/>
-          </a:lnRef>
-          <a:fillRef idx="2">
-            <a:schemeClr val="accent6"/>
-          </a:fillRef>
-          <a:effectRef idx="1">
-            <a:schemeClr val="accent6"/>
-          </a:effectRef>
-          <a:fontRef idx="minor">
-            <a:schemeClr val="dk1"/>
-          </a:fontRef>
-        </p:style>
-        <p:txBody>
-          <a:bodyPr rtlCol="0" anchor="ctr"/>
-          <a:lstStyle/>
-          <a:p>
-            <a:pPr algn="ctr"/>
-            <a:r>
-              <a:rPr lang="en-US" dirty="0"/>
-              <a:t>Green Nodes</a:t>
-            </a:r>
-            <a:endParaRPr lang="en-CA" dirty="0"/>
-          </a:p>
-        </p:txBody>
-      </p:sp>
-      <p:sp>
-        <p:nvSpPr>
-          <p:cNvPr id="10" name="TextBox 9">
-            <a:extLst>
-              <a:ext uri="{FF2B5EF4-FFF2-40B4-BE49-F238E27FC236}">
-                <a16:creationId xmlns:a16="http://schemas.microsoft.com/office/drawing/2014/main" id="{A9CDA48D-D51B-CFF9-787D-B9AEB1619E0B}"/>
-              </a:ext>
-            </a:extLst>
-          </p:cNvPr>
-          <p:cNvSpPr txBox="1"/>
-          <p:nvPr/>
-        </p:nvSpPr>
-        <p:spPr>
-          <a:xfrm>
-            <a:off x="6138314" y="1927464"/>
-            <a:ext cx="5228483" cy="2031325"/>
-          </a:xfrm>
-          <a:prstGeom prst="rect">
-            <a:avLst/>
-          </a:prstGeom>
-          <a:noFill/>
-        </p:spPr>
-        <p:txBody>
-          <a:bodyPr wrap="none" rtlCol="0">
-            <a:spAutoFit/>
-          </a:bodyPr>
-          <a:lstStyle/>
-          <a:p>
-            <a:pPr marL="285750" indent="-285750">
-              <a:buFont typeface="Arial" panose="020B0604020202020204" pitchFamily="34" charset="0"/>
-              <a:buChar char="•"/>
-            </a:pPr>
-            <a:r>
-              <a:rPr lang="en-US" dirty="0"/>
-              <a:t>Logical cluster expands</a:t>
-            </a:r>
-          </a:p>
-          <a:p>
-            <a:pPr marL="285750" indent="-285750">
-              <a:buFont typeface="Arial" panose="020B0604020202020204" pitchFamily="34" charset="0"/>
-              <a:buChar char="•"/>
-            </a:pPr>
-            <a:r>
-              <a:rPr lang="en-US" dirty="0"/>
-              <a:t>Blue clients:</a:t>
-            </a:r>
-          </a:p>
-          <a:p>
-            <a:pPr marL="742950" lvl="1" indent="-285750">
-              <a:buFont typeface="Arial" panose="020B0604020202020204" pitchFamily="34" charset="0"/>
-              <a:buChar char="•"/>
-            </a:pPr>
-            <a:r>
-              <a:rPr lang="en-US" dirty="0"/>
-              <a:t>Call active grains on blue nodes</a:t>
-            </a:r>
-          </a:p>
-          <a:p>
-            <a:pPr marL="742950" lvl="1" indent="-285750">
-              <a:buFont typeface="Arial" panose="020B0604020202020204" pitchFamily="34" charset="0"/>
-              <a:buChar char="•"/>
-            </a:pPr>
-            <a:r>
-              <a:rPr lang="en-US" dirty="0"/>
-              <a:t>Activate new grains on green nodes</a:t>
-            </a:r>
-            <a:endParaRPr lang="en-CA" dirty="0"/>
-          </a:p>
-          <a:p>
-            <a:pPr marL="285750" indent="-285750">
-              <a:buFont typeface="Arial" panose="020B0604020202020204" pitchFamily="34" charset="0"/>
-              <a:buChar char="•"/>
-            </a:pPr>
-            <a:r>
-              <a:rPr lang="en-CA" dirty="0"/>
-              <a:t>Within green nodes</a:t>
-            </a:r>
-          </a:p>
-          <a:p>
-            <a:pPr marL="742950" lvl="1" indent="-285750">
-              <a:buFont typeface="Arial" panose="020B0604020202020204" pitchFamily="34" charset="0"/>
-              <a:buChar char="•"/>
-            </a:pPr>
-            <a:r>
-              <a:rPr lang="en-CA" dirty="0"/>
-              <a:t>Calls to active blue grains reactivate on green</a:t>
-            </a:r>
-          </a:p>
-          <a:p>
-            <a:pPr marL="742950" lvl="1" indent="-285750">
-              <a:buFont typeface="Arial" panose="020B0604020202020204" pitchFamily="34" charset="0"/>
-              <a:buChar char="•"/>
-            </a:pPr>
-            <a:r>
-              <a:rPr lang="en-CA" dirty="0"/>
-              <a:t>New grains activate on green</a:t>
-            </a:r>
-            <a:endParaRPr lang="en-US" dirty="0"/>
-          </a:p>
-        </p:txBody>
-      </p:sp>
-      <p:sp>
-        <p:nvSpPr>
-          <p:cNvPr id="12" name="Arrow: Down 11">
-            <a:extLst>
-              <a:ext uri="{FF2B5EF4-FFF2-40B4-BE49-F238E27FC236}">
-                <a16:creationId xmlns:a16="http://schemas.microsoft.com/office/drawing/2014/main" id="{A9991C6F-4924-4A6C-2DE7-2942E4FA533C}"/>
+          <p:cNvPr id="20" name="Arrow: Down 19">
+            <a:extLst>
+              <a:ext uri="{FF2B5EF4-FFF2-40B4-BE49-F238E27FC236}">
+                <a16:creationId xmlns:a16="http://schemas.microsoft.com/office/drawing/2014/main" id="{C56E117B-4DAE-1B31-6F28-8200E0A5242E}"/>
               </a:ext>
             </a:extLst>
           </p:cNvPr>
@@ -9242,19 +11423,17 @@
           </a:prstGeom>
         </p:spPr>
         <p:style>
-          <a:lnRef idx="2">
-            <a:schemeClr val="accent1">
-              <a:shade val="50000"/>
-            </a:schemeClr>
-          </a:lnRef>
-          <a:fillRef idx="1">
-            <a:schemeClr val="accent1"/>
-          </a:fillRef>
-          <a:effectRef idx="0">
-            <a:schemeClr val="accent1"/>
-          </a:effectRef>
-          <a:fontRef idx="minor">
-            <a:schemeClr val="lt1"/>
+          <a:lnRef idx="1">
+            <a:schemeClr val="accent2"/>
+          </a:lnRef>
+          <a:fillRef idx="2">
+            <a:schemeClr val="accent2"/>
+          </a:fillRef>
+          <a:effectRef idx="1">
+            <a:schemeClr val="accent2"/>
+          </a:effectRef>
+          <a:fontRef idx="minor">
+            <a:schemeClr val="dk1"/>
           </a:fontRef>
         </p:style>
         <p:txBody>
@@ -9280,7 +11459,7 @@
     </p:spTree>
     <p:extLst>
       <p:ext uri="{BB962C8B-B14F-4D97-AF65-F5344CB8AC3E}">
-        <p14:creationId xmlns:p14="http://schemas.microsoft.com/office/powerpoint/2010/main" val="2273865740"/>
+        <p14:creationId xmlns:p14="http://schemas.microsoft.com/office/powerpoint/2010/main" val="647914902"/>
       </p:ext>
     </p:extLst>
   </p:cSld>
@@ -9424,22 +11603,7 @@
           <a:p>
             <a:r>
               <a:rPr lang="en-US" dirty="0"/>
-              <a:t>Deployment:</a:t>
-            </a:r>
-            <a:br>
-              <a:rPr lang="en-US" dirty="0"/>
-            </a:br>
-            <a:r>
-              <a:rPr lang="en-US" dirty="0" err="1"/>
-              <a:t>LatestVersion</a:t>
-            </a:r>
-            <a:r>
-              <a:rPr lang="en-US" dirty="0"/>
-              <a:t>/</a:t>
-            </a:r>
-            <a:r>
-              <a:rPr lang="en-US" dirty="0" err="1"/>
-              <a:t>BackwardsCompatible</a:t>
+              <a:t>Deployment Strategy</a:t>
             </a:r>
             <a:endParaRPr lang="en-CA" dirty="0"/>
           </a:p>
@@ -9468,17 +11632,8 @@
           <a:p>
             <a:r>
               <a:rPr lang="en-US" dirty="0"/>
-              <a:t>New ACA revision w/ green version</a:t>
-            </a:r>
-          </a:p>
-          <a:p>
-            <a:r>
-              <a:rPr lang="en-US" dirty="0"/>
-              <a:t>Route 100% to Green Front End</a:t>
-            </a:r>
-            <a:endParaRPr lang="en-CA" dirty="0"/>
-          </a:p>
-          <a:p>
+              <a:t>New VMSS w/ green version</a:t>
+            </a:r>
             <a:endParaRPr lang="en-CA" dirty="0"/>
           </a:p>
         </p:txBody>
@@ -9723,10 +11878,111 @@
       </p:sp>
       <p:sp>
         <p:nvSpPr>
-          <p:cNvPr id="11" name="Arrow: Down 10">
-            <a:extLst>
-              <a:ext uri="{FF2B5EF4-FFF2-40B4-BE49-F238E27FC236}">
-                <a16:creationId xmlns:a16="http://schemas.microsoft.com/office/drawing/2014/main" id="{EA20916E-5CFF-F498-6DC8-C8FF85A5F84D}"/>
+          <p:cNvPr id="10" name="TextBox 9">
+            <a:extLst>
+              <a:ext uri="{FF2B5EF4-FFF2-40B4-BE49-F238E27FC236}">
+                <a16:creationId xmlns:a16="http://schemas.microsoft.com/office/drawing/2014/main" id="{A9CDA48D-D51B-CFF9-787D-B9AEB1619E0B}"/>
+              </a:ext>
+            </a:extLst>
+          </p:cNvPr>
+          <p:cNvSpPr txBox="1"/>
+          <p:nvPr/>
+        </p:nvSpPr>
+        <p:spPr>
+          <a:xfrm>
+            <a:off x="6138314" y="1927464"/>
+            <a:ext cx="5228483" cy="2031325"/>
+          </a:xfrm>
+          <a:prstGeom prst="rect">
+            <a:avLst/>
+          </a:prstGeom>
+          <a:noFill/>
+        </p:spPr>
+        <p:txBody>
+          <a:bodyPr wrap="none" rtlCol="0">
+            <a:spAutoFit/>
+          </a:bodyPr>
+          <a:lstStyle/>
+          <a:p>
+            <a:pPr marL="285750" indent="-285750">
+              <a:buFont typeface="Arial" panose="020B0604020202020204" pitchFamily="34" charset="0"/>
+              <a:buChar char="•"/>
+            </a:pPr>
+            <a:r>
+              <a:rPr lang="en-US" dirty="0"/>
+              <a:t>Logical cluster expands</a:t>
+            </a:r>
+          </a:p>
+          <a:p>
+            <a:pPr marL="285750" indent="-285750">
+              <a:buFont typeface="Arial" panose="020B0604020202020204" pitchFamily="34" charset="0"/>
+              <a:buChar char="•"/>
+            </a:pPr>
+            <a:r>
+              <a:rPr lang="en-US" dirty="0"/>
+              <a:t>Blue clients:</a:t>
+            </a:r>
+          </a:p>
+          <a:p>
+            <a:pPr marL="742950" lvl="1" indent="-285750">
+              <a:buFont typeface="Arial" panose="020B0604020202020204" pitchFamily="34" charset="0"/>
+              <a:buChar char="•"/>
+            </a:pPr>
+            <a:r>
+              <a:rPr lang="en-US" dirty="0"/>
+              <a:t>Call active grains on blue nodes</a:t>
+            </a:r>
+          </a:p>
+          <a:p>
+            <a:pPr marL="742950" lvl="1" indent="-285750">
+              <a:buFont typeface="Arial" panose="020B0604020202020204" pitchFamily="34" charset="0"/>
+              <a:buChar char="•"/>
+            </a:pPr>
+            <a:r>
+              <a:rPr lang="en-US" dirty="0"/>
+              <a:t>Activate new grains on green nodes</a:t>
+            </a:r>
+            <a:endParaRPr lang="en-CA" dirty="0"/>
+          </a:p>
+          <a:p>
+            <a:pPr marL="285750" indent="-285750">
+              <a:buFont typeface="Arial" panose="020B0604020202020204" pitchFamily="34" charset="0"/>
+              <a:buChar char="•"/>
+            </a:pPr>
+            <a:r>
+              <a:rPr lang="en-CA" dirty="0"/>
+              <a:t>Within green nodes</a:t>
+            </a:r>
+          </a:p>
+          <a:p>
+            <a:pPr marL="742950" lvl="1" indent="-285750">
+              <a:buFont typeface="Arial" panose="020B0604020202020204" pitchFamily="34" charset="0"/>
+              <a:buChar char="•"/>
+            </a:pPr>
+            <a:r>
+              <a:rPr lang="en-CA" dirty="0"/>
+              <a:t>Calls to active blue grains reactivate on green</a:t>
+            </a:r>
+          </a:p>
+          <a:p>
+            <a:pPr marL="742950" lvl="1" indent="-285750">
+              <a:buFont typeface="Arial" panose="020B0604020202020204" pitchFamily="34" charset="0"/>
+              <a:buChar char="•"/>
+            </a:pPr>
+            <a:r>
+              <a:rPr lang="en-CA" dirty="0"/>
+              <a:t>New grains activate on green</a:t>
+            </a:r>
+            <a:endParaRPr lang="en-US" dirty="0"/>
+          </a:p>
+        </p:txBody>
+      </p:sp>
+      <p:sp>
+        <p:nvSpPr>
+          <p:cNvPr id="12" name="Arrow: Down 11">
+            <a:extLst>
+              <a:ext uri="{FF2B5EF4-FFF2-40B4-BE49-F238E27FC236}">
+                <a16:creationId xmlns:a16="http://schemas.microsoft.com/office/drawing/2014/main" id="{A9991C6F-4924-4A6C-2DE7-2942E4FA533C}"/>
               </a:ext>
             </a:extLst>
           </p:cNvPr>
@@ -9735,7 +11991,7 @@
         </p:nvSpPr>
         <p:spPr>
           <a:xfrm>
-            <a:off x="7882217" y="2216638"/>
+            <a:off x="2496671" y="2248542"/>
             <a:ext cx="1548654" cy="731767"/>
           </a:xfrm>
           <a:prstGeom prst="downArrow">
@@ -9743,19 +11999,17 @@
           </a:prstGeom>
         </p:spPr>
         <p:style>
-          <a:lnRef idx="2">
-            <a:schemeClr val="accent1">
-              <a:shade val="50000"/>
-            </a:schemeClr>
-          </a:lnRef>
-          <a:fillRef idx="1">
-            <a:schemeClr val="accent1"/>
-          </a:fillRef>
-          <a:effectRef idx="0">
-            <a:schemeClr val="accent1"/>
-          </a:effectRef>
-          <a:fontRef idx="minor">
-            <a:schemeClr val="lt1"/>
+          <a:lnRef idx="1">
+            <a:schemeClr val="accent2"/>
+          </a:lnRef>
+          <a:fillRef idx="2">
+            <a:schemeClr val="accent2"/>
+          </a:fillRef>
+          <a:effectRef idx="1">
+            <a:schemeClr val="accent2"/>
+          </a:effectRef>
+          <a:fontRef idx="minor">
+            <a:schemeClr val="dk1"/>
           </a:fontRef>
         </p:style>
         <p:txBody>
@@ -9775,165 +12029,13 @@
               <a:t>of New</a:t>
             </a:r>
             <a:endParaRPr lang="en-CA" sz="1400" dirty="0"/>
-          </a:p>
-        </p:txBody>
-      </p:sp>
-      <p:sp>
-        <p:nvSpPr>
-          <p:cNvPr id="13" name="Rectangle 12">
-            <a:extLst>
-              <a:ext uri="{FF2B5EF4-FFF2-40B4-BE49-F238E27FC236}">
-                <a16:creationId xmlns:a16="http://schemas.microsoft.com/office/drawing/2014/main" id="{AEB2E9E3-3B7C-3C69-D5B0-4FDCE1D9E301}"/>
-              </a:ext>
-            </a:extLst>
-          </p:cNvPr>
-          <p:cNvSpPr/>
-          <p:nvPr/>
-        </p:nvSpPr>
-        <p:spPr>
-          <a:xfrm>
-            <a:off x="6223746" y="2986153"/>
-            <a:ext cx="4905936" cy="907945"/>
-          </a:xfrm>
-          <a:prstGeom prst="rect">
-            <a:avLst/>
-          </a:prstGeom>
-        </p:spPr>
-        <p:style>
-          <a:lnRef idx="1">
-            <a:schemeClr val="accent4"/>
-          </a:lnRef>
-          <a:fillRef idx="2">
-            <a:schemeClr val="accent4"/>
-          </a:fillRef>
-          <a:effectRef idx="1">
-            <a:schemeClr val="accent4"/>
-          </a:effectRef>
-          <a:fontRef idx="minor">
-            <a:schemeClr val="dk1"/>
-          </a:fontRef>
-        </p:style>
-        <p:txBody>
-          <a:bodyPr rtlCol="0" anchor="b"/>
-          <a:lstStyle/>
-          <a:p>
-            <a:r>
-              <a:rPr lang="en-US" dirty="0"/>
-              <a:t>New Front End (ACA)</a:t>
-            </a:r>
-            <a:endParaRPr lang="en-CA" dirty="0"/>
-          </a:p>
-        </p:txBody>
-      </p:sp>
-      <p:sp>
-        <p:nvSpPr>
-          <p:cNvPr id="14" name="Rectangle 13">
-            <a:extLst>
-              <a:ext uri="{FF2B5EF4-FFF2-40B4-BE49-F238E27FC236}">
-                <a16:creationId xmlns:a16="http://schemas.microsoft.com/office/drawing/2014/main" id="{542AF063-CBF6-01D4-8747-CEE32FB49769}"/>
-              </a:ext>
-            </a:extLst>
-          </p:cNvPr>
-          <p:cNvSpPr/>
-          <p:nvPr/>
-        </p:nvSpPr>
-        <p:spPr>
-          <a:xfrm>
-            <a:off x="6447864" y="3115197"/>
-            <a:ext cx="4417360" cy="410135"/>
-          </a:xfrm>
-          <a:prstGeom prst="rect">
-            <a:avLst/>
-          </a:prstGeom>
-        </p:spPr>
-        <p:style>
-          <a:lnRef idx="1">
-            <a:schemeClr val="accent6"/>
-          </a:lnRef>
-          <a:fillRef idx="2">
-            <a:schemeClr val="accent6"/>
-          </a:fillRef>
-          <a:effectRef idx="1">
-            <a:schemeClr val="accent6"/>
-          </a:effectRef>
-          <a:fontRef idx="minor">
-            <a:schemeClr val="dk1"/>
-          </a:fontRef>
-        </p:style>
-        <p:txBody>
-          <a:bodyPr rtlCol="0" anchor="ctr"/>
-          <a:lstStyle/>
-          <a:p>
-            <a:pPr algn="ctr"/>
-            <a:r>
-              <a:rPr lang="en-US" dirty="0"/>
-              <a:t>Green Clients</a:t>
-            </a:r>
-            <a:endParaRPr lang="en-CA" dirty="0"/>
-          </a:p>
-        </p:txBody>
-      </p:sp>
-      <p:sp>
-        <p:nvSpPr>
-          <p:cNvPr id="16" name="Rectangle 15">
-            <a:extLst>
-              <a:ext uri="{FF2B5EF4-FFF2-40B4-BE49-F238E27FC236}">
-                <a16:creationId xmlns:a16="http://schemas.microsoft.com/office/drawing/2014/main" id="{7F06D67F-959C-0F62-5772-E33911A62049}"/>
-              </a:ext>
-            </a:extLst>
-          </p:cNvPr>
-          <p:cNvSpPr/>
-          <p:nvPr/>
-        </p:nvSpPr>
-        <p:spPr>
-          <a:xfrm>
-            <a:off x="4101354" y="2750847"/>
-            <a:ext cx="1183341" cy="558053"/>
-          </a:xfrm>
-          <a:prstGeom prst="rect">
-            <a:avLst/>
-          </a:prstGeom>
-        </p:spPr>
-        <p:style>
-          <a:lnRef idx="2">
-            <a:schemeClr val="accent1">
-              <a:shade val="50000"/>
-            </a:schemeClr>
-          </a:lnRef>
-          <a:fillRef idx="1">
-            <a:schemeClr val="accent1"/>
-          </a:fillRef>
-          <a:effectRef idx="0">
-            <a:schemeClr val="accent1"/>
-          </a:effectRef>
-          <a:fontRef idx="minor">
-            <a:schemeClr val="lt1"/>
-          </a:fontRef>
-        </p:style>
-        <p:txBody>
-          <a:bodyPr rtlCol="0" anchor="ctr"/>
-          <a:lstStyle/>
-          <a:p>
-            <a:pPr algn="ctr"/>
-            <a:r>
-              <a:rPr lang="en-US" sz="1200" dirty="0"/>
-              <a:t>Existing</a:t>
-            </a:r>
-          </a:p>
-          <a:p>
-            <a:pPr algn="ctr"/>
-            <a:r>
-              <a:rPr lang="en-US" sz="1200" dirty="0"/>
-              <a:t>Connections Continue</a:t>
-            </a:r>
-            <a:endParaRPr lang="en-CA" sz="1200" dirty="0"/>
           </a:p>
         </p:txBody>
       </p:sp>
     </p:spTree>
     <p:extLst>
       <p:ext uri="{BB962C8B-B14F-4D97-AF65-F5344CB8AC3E}">
-        <p14:creationId xmlns:p14="http://schemas.microsoft.com/office/powerpoint/2010/main" val="3057700457"/>
+        <p14:creationId xmlns:p14="http://schemas.microsoft.com/office/powerpoint/2010/main" val="2273865740"/>
       </p:ext>
     </p:extLst>
   </p:cSld>
@@ -10077,22 +12179,7 @@
           <a:p>
             <a:r>
               <a:rPr lang="en-US" dirty="0"/>
-              <a:t>Deployment:</a:t>
-            </a:r>
-            <a:br>
-              <a:rPr lang="en-US" dirty="0"/>
-            </a:br>
-            <a:r>
-              <a:rPr lang="en-US" dirty="0" err="1"/>
-              <a:t>LatestVersion</a:t>
-            </a:r>
-            <a:r>
-              <a:rPr lang="en-US" dirty="0"/>
-              <a:t>/</a:t>
-            </a:r>
-            <a:r>
-              <a:rPr lang="en-US" dirty="0" err="1"/>
-              <a:t>BackwardsCompatible</a:t>
+              <a:t>Deployment Strategy</a:t>
             </a:r>
             <a:endParaRPr lang="en-CA" dirty="0"/>
           </a:p>
@@ -10121,14 +12208,18 @@
           <a:p>
             <a:r>
               <a:rPr lang="en-US" dirty="0"/>
-              <a:t>Quiesce and drain blue front end</a:t>
-            </a:r>
-          </a:p>
-          <a:p>
-            <a:r>
-              <a:rPr lang="en-US" dirty="0"/>
-              <a:t>Basically: force reconnection</a:t>
-            </a:r>
+              <a:t>New ACA revision w/ green version</a:t>
+            </a:r>
+          </a:p>
+          <a:p>
+            <a:r>
+              <a:rPr lang="en-US" dirty="0"/>
+              <a:t>Route 100% to Green Front End</a:t>
+            </a:r>
+            <a:endParaRPr lang="en-CA" dirty="0"/>
+          </a:p>
+          <a:p>
+            <a:endParaRPr lang="en-CA" dirty="0"/>
           </a:p>
         </p:txBody>
       </p:sp>
@@ -10181,6 +12272,101 @@
       </p:sp>
       <p:sp>
         <p:nvSpPr>
+          <p:cNvPr id="9" name="Rectangle 8">
+            <a:extLst>
+              <a:ext uri="{FF2B5EF4-FFF2-40B4-BE49-F238E27FC236}">
+                <a16:creationId xmlns:a16="http://schemas.microsoft.com/office/drawing/2014/main" id="{D2F179C2-AEB1-09CB-89DF-BFA38072676D}"/>
+              </a:ext>
+            </a:extLst>
+          </p:cNvPr>
+          <p:cNvSpPr/>
+          <p:nvPr/>
+        </p:nvSpPr>
+        <p:spPr>
+          <a:xfrm>
+            <a:off x="838200" y="2988475"/>
+            <a:ext cx="4905936" cy="907945"/>
+          </a:xfrm>
+          <a:prstGeom prst="rect">
+            <a:avLst/>
+          </a:prstGeom>
+        </p:spPr>
+        <p:style>
+          <a:lnRef idx="1">
+            <a:schemeClr val="accent4"/>
+          </a:lnRef>
+          <a:fillRef idx="2">
+            <a:schemeClr val="accent4"/>
+          </a:fillRef>
+          <a:effectRef idx="1">
+            <a:schemeClr val="accent4"/>
+          </a:effectRef>
+          <a:fontRef idx="minor">
+            <a:schemeClr val="dk1"/>
+          </a:fontRef>
+        </p:style>
+        <p:txBody>
+          <a:bodyPr rtlCol="0" anchor="b"/>
+          <a:lstStyle/>
+          <a:p>
+            <a:r>
+              <a:rPr lang="en-US" dirty="0"/>
+              <a:t>Front End (ACA)</a:t>
+            </a:r>
+            <a:endParaRPr lang="en-CA" dirty="0"/>
+          </a:p>
+        </p:txBody>
+      </p:sp>
+      <p:sp>
+        <p:nvSpPr>
+          <p:cNvPr id="3" name="Rectangle 2">
+            <a:extLst>
+              <a:ext uri="{FF2B5EF4-FFF2-40B4-BE49-F238E27FC236}">
+                <a16:creationId xmlns:a16="http://schemas.microsoft.com/office/drawing/2014/main" id="{727CF7AF-4002-CAF8-2125-C9A99543406F}"/>
+              </a:ext>
+            </a:extLst>
+          </p:cNvPr>
+          <p:cNvSpPr/>
+          <p:nvPr/>
+        </p:nvSpPr>
+        <p:spPr>
+          <a:xfrm>
+            <a:off x="1062318" y="3117519"/>
+            <a:ext cx="4417360" cy="410135"/>
+          </a:xfrm>
+          <a:prstGeom prst="rect">
+            <a:avLst/>
+          </a:prstGeom>
+        </p:spPr>
+        <p:style>
+          <a:lnRef idx="1">
+            <a:schemeClr val="accent5"/>
+          </a:lnRef>
+          <a:fillRef idx="2">
+            <a:schemeClr val="accent5"/>
+          </a:fillRef>
+          <a:effectRef idx="1">
+            <a:schemeClr val="accent5"/>
+          </a:effectRef>
+          <a:fontRef idx="minor">
+            <a:schemeClr val="dk1"/>
+          </a:fontRef>
+        </p:style>
+        <p:txBody>
+          <a:bodyPr rtlCol="0" anchor="ctr"/>
+          <a:lstStyle/>
+          <a:p>
+            <a:pPr algn="ctr"/>
+            <a:r>
+              <a:rPr lang="en-US" dirty="0"/>
+              <a:t>Blue Clients</a:t>
+            </a:r>
+            <a:endParaRPr lang="en-CA" dirty="0"/>
+          </a:p>
+        </p:txBody>
+      </p:sp>
+      <p:sp>
+        <p:nvSpPr>
           <p:cNvPr id="18" name="Rectangle 17">
             <a:extLst>
               <a:ext uri="{FF2B5EF4-FFF2-40B4-BE49-F238E27FC236}">
@@ -10293,6 +12479,156 @@
             <a:ext cx="1548654" cy="731767"/>
           </a:xfrm>
           <a:prstGeom prst="downArrow">
+            <a:avLst/>
+          </a:prstGeom>
+        </p:spPr>
+        <p:style>
+          <a:lnRef idx="1">
+            <a:schemeClr val="accent2"/>
+          </a:lnRef>
+          <a:fillRef idx="2">
+            <a:schemeClr val="accent2"/>
+          </a:fillRef>
+          <a:effectRef idx="1">
+            <a:schemeClr val="accent2"/>
+          </a:effectRef>
+          <a:fontRef idx="minor">
+            <a:schemeClr val="dk1"/>
+          </a:fontRef>
+        </p:style>
+        <p:txBody>
+          <a:bodyPr rtlCol="0" anchor="ctr"/>
+          <a:lstStyle/>
+          <a:p>
+            <a:pPr algn="ctr"/>
+            <a:r>
+              <a:rPr lang="en-US" sz="1400" dirty="0"/>
+              <a:t>100%</a:t>
+            </a:r>
+          </a:p>
+          <a:p>
+            <a:pPr algn="ctr"/>
+            <a:r>
+              <a:rPr lang="en-US" sz="1400" dirty="0"/>
+              <a:t>of New</a:t>
+            </a:r>
+            <a:endParaRPr lang="en-CA" sz="1400" dirty="0"/>
+          </a:p>
+        </p:txBody>
+      </p:sp>
+      <p:sp>
+        <p:nvSpPr>
+          <p:cNvPr id="13" name="Rectangle 12">
+            <a:extLst>
+              <a:ext uri="{FF2B5EF4-FFF2-40B4-BE49-F238E27FC236}">
+                <a16:creationId xmlns:a16="http://schemas.microsoft.com/office/drawing/2014/main" id="{AEB2E9E3-3B7C-3C69-D5B0-4FDCE1D9E301}"/>
+              </a:ext>
+            </a:extLst>
+          </p:cNvPr>
+          <p:cNvSpPr/>
+          <p:nvPr/>
+        </p:nvSpPr>
+        <p:spPr>
+          <a:xfrm>
+            <a:off x="6223746" y="2986153"/>
+            <a:ext cx="4905936" cy="907945"/>
+          </a:xfrm>
+          <a:prstGeom prst="rect">
+            <a:avLst/>
+          </a:prstGeom>
+        </p:spPr>
+        <p:style>
+          <a:lnRef idx="1">
+            <a:schemeClr val="accent4"/>
+          </a:lnRef>
+          <a:fillRef idx="2">
+            <a:schemeClr val="accent4"/>
+          </a:fillRef>
+          <a:effectRef idx="1">
+            <a:schemeClr val="accent4"/>
+          </a:effectRef>
+          <a:fontRef idx="minor">
+            <a:schemeClr val="dk1"/>
+          </a:fontRef>
+        </p:style>
+        <p:txBody>
+          <a:bodyPr rtlCol="0" anchor="b"/>
+          <a:lstStyle/>
+          <a:p>
+            <a:r>
+              <a:rPr lang="en-US" dirty="0"/>
+              <a:t>New Front End (ACA)</a:t>
+            </a:r>
+            <a:endParaRPr lang="en-CA" dirty="0"/>
+          </a:p>
+        </p:txBody>
+      </p:sp>
+      <p:sp>
+        <p:nvSpPr>
+          <p:cNvPr id="14" name="Rectangle 13">
+            <a:extLst>
+              <a:ext uri="{FF2B5EF4-FFF2-40B4-BE49-F238E27FC236}">
+                <a16:creationId xmlns:a16="http://schemas.microsoft.com/office/drawing/2014/main" id="{542AF063-CBF6-01D4-8747-CEE32FB49769}"/>
+              </a:ext>
+            </a:extLst>
+          </p:cNvPr>
+          <p:cNvSpPr/>
+          <p:nvPr/>
+        </p:nvSpPr>
+        <p:spPr>
+          <a:xfrm>
+            <a:off x="6447864" y="3115197"/>
+            <a:ext cx="4417360" cy="410135"/>
+          </a:xfrm>
+          <a:prstGeom prst="rect">
+            <a:avLst/>
+          </a:prstGeom>
+        </p:spPr>
+        <p:style>
+          <a:lnRef idx="1">
+            <a:schemeClr val="accent6"/>
+          </a:lnRef>
+          <a:fillRef idx="2">
+            <a:schemeClr val="accent6"/>
+          </a:fillRef>
+          <a:effectRef idx="1">
+            <a:schemeClr val="accent6"/>
+          </a:effectRef>
+          <a:fontRef idx="minor">
+            <a:schemeClr val="dk1"/>
+          </a:fontRef>
+        </p:style>
+        <p:txBody>
+          <a:bodyPr rtlCol="0" anchor="ctr"/>
+          <a:lstStyle/>
+          <a:p>
+            <a:pPr algn="ctr"/>
+            <a:r>
+              <a:rPr lang="en-US" dirty="0"/>
+              <a:t>Green Clients</a:t>
+            </a:r>
+            <a:endParaRPr lang="en-CA" dirty="0"/>
+          </a:p>
+        </p:txBody>
+      </p:sp>
+      <p:sp>
+        <p:nvSpPr>
+          <p:cNvPr id="16" name="Rectangle 15">
+            <a:extLst>
+              <a:ext uri="{FF2B5EF4-FFF2-40B4-BE49-F238E27FC236}">
+                <a16:creationId xmlns:a16="http://schemas.microsoft.com/office/drawing/2014/main" id="{7F06D67F-959C-0F62-5772-E33911A62049}"/>
+              </a:ext>
+            </a:extLst>
+          </p:cNvPr>
+          <p:cNvSpPr/>
+          <p:nvPr/>
+        </p:nvSpPr>
+        <p:spPr>
+          <a:xfrm>
+            <a:off x="4101354" y="2750847"/>
+            <a:ext cx="1183341" cy="558053"/>
+          </a:xfrm>
+          <a:prstGeom prst="rect">
             <a:avLst/>
           </a:prstGeom>
         </p:spPr>
@@ -10310,6 +12646,391 @@
           </a:effectRef>
           <a:fontRef idx="minor">
             <a:schemeClr val="lt1"/>
+          </a:fontRef>
+        </p:style>
+        <p:txBody>
+          <a:bodyPr rtlCol="0" anchor="ctr"/>
+          <a:lstStyle/>
+          <a:p>
+            <a:pPr algn="ctr"/>
+            <a:r>
+              <a:rPr lang="en-US" sz="1200" dirty="0"/>
+              <a:t>Existing</a:t>
+            </a:r>
+          </a:p>
+          <a:p>
+            <a:pPr algn="ctr"/>
+            <a:r>
+              <a:rPr lang="en-US" sz="1200" dirty="0"/>
+              <a:t>Connections Continue</a:t>
+            </a:r>
+            <a:endParaRPr lang="en-CA" sz="1200" dirty="0"/>
+          </a:p>
+        </p:txBody>
+      </p:sp>
+    </p:spTree>
+    <p:extLst>
+      <p:ext uri="{BB962C8B-B14F-4D97-AF65-F5344CB8AC3E}">
+        <p14:creationId xmlns:p14="http://schemas.microsoft.com/office/powerpoint/2010/main" val="3057700457"/>
+      </p:ext>
+    </p:extLst>
+  </p:cSld>
+  <p:clrMapOvr>
+    <a:masterClrMapping/>
+  </p:clrMapOvr>
+</p:sld>
+</file>
+
+<file path=ppt/slides/slide9.xml><?xml version="1.0" encoding="utf-8"?>
+<p:sld xmlns:a="http://schemas.openxmlformats.org/drawingml/2006/main" xmlns:r="http://schemas.openxmlformats.org/officeDocument/2006/relationships" xmlns:p="http://schemas.openxmlformats.org/presentationml/2006/main">
+  <p:cSld>
+    <p:spTree>
+      <p:nvGrpSpPr>
+        <p:cNvPr id="1" name=""/>
+        <p:cNvGrpSpPr/>
+        <p:nvPr/>
+      </p:nvGrpSpPr>
+      <p:grpSpPr>
+        <a:xfrm>
+          <a:off x="0" y="0"/>
+          <a:ext cx="0" cy="0"/>
+          <a:chOff x="0" y="0"/>
+          <a:chExt cx="0" cy="0"/>
+        </a:xfrm>
+      </p:grpSpPr>
+      <p:sp>
+        <p:nvSpPr>
+          <p:cNvPr id="6" name="Rectangle 5">
+            <a:extLst>
+              <a:ext uri="{FF2B5EF4-FFF2-40B4-BE49-F238E27FC236}">
+                <a16:creationId xmlns:a16="http://schemas.microsoft.com/office/drawing/2014/main" id="{15FD35EE-0D94-8E09-F319-CBB133C471EA}"/>
+              </a:ext>
+            </a:extLst>
+          </p:cNvPr>
+          <p:cNvSpPr/>
+          <p:nvPr/>
+        </p:nvSpPr>
+        <p:spPr>
+          <a:xfrm>
+            <a:off x="6223746" y="4093726"/>
+            <a:ext cx="4905936" cy="1995592"/>
+          </a:xfrm>
+          <a:prstGeom prst="rect">
+            <a:avLst/>
+          </a:prstGeom>
+        </p:spPr>
+        <p:style>
+          <a:lnRef idx="1">
+            <a:schemeClr val="accent4"/>
+          </a:lnRef>
+          <a:fillRef idx="2">
+            <a:schemeClr val="accent4"/>
+          </a:fillRef>
+          <a:effectRef idx="1">
+            <a:schemeClr val="accent4"/>
+          </a:effectRef>
+          <a:fontRef idx="minor">
+            <a:schemeClr val="dk1"/>
+          </a:fontRef>
+        </p:style>
+        <p:txBody>
+          <a:bodyPr rtlCol="0" anchor="b"/>
+          <a:lstStyle/>
+          <a:p>
+            <a:r>
+              <a:rPr lang="en-US" dirty="0"/>
+              <a:t>New VMSS</a:t>
+            </a:r>
+            <a:endParaRPr lang="en-CA" dirty="0"/>
+          </a:p>
+        </p:txBody>
+      </p:sp>
+      <p:sp>
+        <p:nvSpPr>
+          <p:cNvPr id="5" name="Rectangle 4">
+            <a:extLst>
+              <a:ext uri="{FF2B5EF4-FFF2-40B4-BE49-F238E27FC236}">
+                <a16:creationId xmlns:a16="http://schemas.microsoft.com/office/drawing/2014/main" id="{6CADE1B2-547E-9932-CAA2-72A848036510}"/>
+              </a:ext>
+            </a:extLst>
+          </p:cNvPr>
+          <p:cNvSpPr/>
+          <p:nvPr/>
+        </p:nvSpPr>
+        <p:spPr>
+          <a:xfrm>
+            <a:off x="838200" y="4093726"/>
+            <a:ext cx="4905936" cy="1995592"/>
+          </a:xfrm>
+          <a:prstGeom prst="rect">
+            <a:avLst/>
+          </a:prstGeom>
+        </p:spPr>
+        <p:style>
+          <a:lnRef idx="1">
+            <a:schemeClr val="accent4"/>
+          </a:lnRef>
+          <a:fillRef idx="2">
+            <a:schemeClr val="accent4"/>
+          </a:fillRef>
+          <a:effectRef idx="1">
+            <a:schemeClr val="accent4"/>
+          </a:effectRef>
+          <a:fontRef idx="minor">
+            <a:schemeClr val="dk1"/>
+          </a:fontRef>
+        </p:style>
+        <p:txBody>
+          <a:bodyPr rtlCol="0" anchor="b"/>
+          <a:lstStyle/>
+          <a:p>
+            <a:r>
+              <a:rPr lang="en-US" dirty="0"/>
+              <a:t>VMSS</a:t>
+            </a:r>
+            <a:endParaRPr lang="en-CA" dirty="0"/>
+          </a:p>
+        </p:txBody>
+      </p:sp>
+      <p:sp>
+        <p:nvSpPr>
+          <p:cNvPr id="2" name="Title 1">
+            <a:extLst>
+              <a:ext uri="{FF2B5EF4-FFF2-40B4-BE49-F238E27FC236}">
+                <a16:creationId xmlns:a16="http://schemas.microsoft.com/office/drawing/2014/main" id="{918D0562-36AA-F218-20A3-83A2FB8CE8EA}"/>
+              </a:ext>
+            </a:extLst>
+          </p:cNvPr>
+          <p:cNvSpPr>
+            <a:spLocks noGrp="1"/>
+          </p:cNvSpPr>
+          <p:nvPr>
+            <p:ph type="title"/>
+          </p:nvPr>
+        </p:nvSpPr>
+        <p:spPr/>
+        <p:txBody>
+          <a:bodyPr/>
+          <a:lstStyle/>
+          <a:p>
+            <a:r>
+              <a:rPr lang="en-US" dirty="0"/>
+              <a:t>Deployment Strategy</a:t>
+            </a:r>
+            <a:endParaRPr lang="en-CA" dirty="0"/>
+          </a:p>
+        </p:txBody>
+      </p:sp>
+      <p:sp>
+        <p:nvSpPr>
+          <p:cNvPr id="17" name="Content Placeholder 16">
+            <a:extLst>
+              <a:ext uri="{FF2B5EF4-FFF2-40B4-BE49-F238E27FC236}">
+                <a16:creationId xmlns:a16="http://schemas.microsoft.com/office/drawing/2014/main" id="{3E9BFECA-4FE8-8956-3D6F-C32F5ED7075A}"/>
+              </a:ext>
+            </a:extLst>
+          </p:cNvPr>
+          <p:cNvSpPr>
+            <a:spLocks noGrp="1"/>
+          </p:cNvSpPr>
+          <p:nvPr>
+            <p:ph idx="1"/>
+          </p:nvPr>
+        </p:nvSpPr>
+        <p:spPr/>
+        <p:txBody>
+          <a:bodyPr/>
+          <a:lstStyle/>
+          <a:p>
+            <a:r>
+              <a:rPr lang="en-US" dirty="0"/>
+              <a:t>Quiesce and drain blue front end</a:t>
+            </a:r>
+          </a:p>
+          <a:p>
+            <a:r>
+              <a:rPr lang="en-US" dirty="0"/>
+              <a:t>Basically: force reconnection</a:t>
+            </a:r>
+          </a:p>
+        </p:txBody>
+      </p:sp>
+      <p:sp>
+        <p:nvSpPr>
+          <p:cNvPr id="4" name="Rectangle 3">
+            <a:extLst>
+              <a:ext uri="{FF2B5EF4-FFF2-40B4-BE49-F238E27FC236}">
+                <a16:creationId xmlns:a16="http://schemas.microsoft.com/office/drawing/2014/main" id="{4C531F83-495A-8365-D35E-8E9A699BA105}"/>
+              </a:ext>
+            </a:extLst>
+          </p:cNvPr>
+          <p:cNvSpPr/>
+          <p:nvPr/>
+        </p:nvSpPr>
+        <p:spPr>
+          <a:xfrm>
+            <a:off x="1062318" y="4427310"/>
+            <a:ext cx="9843246" cy="1325563"/>
+          </a:xfrm>
+          <a:prstGeom prst="rect">
+            <a:avLst/>
+          </a:prstGeom>
+        </p:spPr>
+        <p:style>
+          <a:lnRef idx="1">
+            <a:schemeClr val="accent3"/>
+          </a:lnRef>
+          <a:fillRef idx="2">
+            <a:schemeClr val="accent3"/>
+          </a:fillRef>
+          <a:effectRef idx="1">
+            <a:schemeClr val="accent3"/>
+          </a:effectRef>
+          <a:fontRef idx="minor">
+            <a:schemeClr val="dk1"/>
+          </a:fontRef>
+        </p:style>
+        <p:txBody>
+          <a:bodyPr rtlCol="0" anchor="b"/>
+          <a:lstStyle/>
+          <a:p>
+            <a:r>
+              <a:rPr lang="en-US" dirty="0"/>
+              <a:t>Heterogenous Cluster</a:t>
+            </a:r>
+            <a:endParaRPr lang="en-CA" dirty="0"/>
+          </a:p>
+        </p:txBody>
+      </p:sp>
+      <p:sp>
+        <p:nvSpPr>
+          <p:cNvPr id="18" name="Rectangle 17">
+            <a:extLst>
+              <a:ext uri="{FF2B5EF4-FFF2-40B4-BE49-F238E27FC236}">
+                <a16:creationId xmlns:a16="http://schemas.microsoft.com/office/drawing/2014/main" id="{C0E6C395-EE88-3B93-375E-53CAAAB04216}"/>
+              </a:ext>
+            </a:extLst>
+          </p:cNvPr>
+          <p:cNvSpPr/>
+          <p:nvPr/>
+        </p:nvSpPr>
+        <p:spPr>
+          <a:xfrm>
+            <a:off x="1286436" y="4679956"/>
+            <a:ext cx="3973607" cy="703392"/>
+          </a:xfrm>
+          <a:prstGeom prst="rect">
+            <a:avLst/>
+          </a:prstGeom>
+        </p:spPr>
+        <p:style>
+          <a:lnRef idx="1">
+            <a:schemeClr val="accent5"/>
+          </a:lnRef>
+          <a:fillRef idx="2">
+            <a:schemeClr val="accent5"/>
+          </a:fillRef>
+          <a:effectRef idx="1">
+            <a:schemeClr val="accent5"/>
+          </a:effectRef>
+          <a:fontRef idx="minor">
+            <a:schemeClr val="dk1"/>
+          </a:fontRef>
+        </p:style>
+        <p:txBody>
+          <a:bodyPr rtlCol="0" anchor="ctr"/>
+          <a:lstStyle/>
+          <a:p>
+            <a:pPr algn="ctr"/>
+            <a:r>
+              <a:rPr lang="en-US" dirty="0"/>
+              <a:t>Blue Nodes</a:t>
+            </a:r>
+            <a:endParaRPr lang="en-CA" dirty="0"/>
+          </a:p>
+        </p:txBody>
+      </p:sp>
+      <p:sp>
+        <p:nvSpPr>
+          <p:cNvPr id="8" name="Rectangle 7">
+            <a:extLst>
+              <a:ext uri="{FF2B5EF4-FFF2-40B4-BE49-F238E27FC236}">
+                <a16:creationId xmlns:a16="http://schemas.microsoft.com/office/drawing/2014/main" id="{8369D81B-A1DB-74D6-3609-2868B4D490EC}"/>
+              </a:ext>
+            </a:extLst>
+          </p:cNvPr>
+          <p:cNvSpPr/>
+          <p:nvPr/>
+        </p:nvSpPr>
+        <p:spPr>
+          <a:xfrm>
+            <a:off x="6671982" y="4679956"/>
+            <a:ext cx="3973607" cy="703392"/>
+          </a:xfrm>
+          <a:prstGeom prst="rect">
+            <a:avLst/>
+          </a:prstGeom>
+        </p:spPr>
+        <p:style>
+          <a:lnRef idx="1">
+            <a:schemeClr val="accent6"/>
+          </a:lnRef>
+          <a:fillRef idx="2">
+            <a:schemeClr val="accent6"/>
+          </a:fillRef>
+          <a:effectRef idx="1">
+            <a:schemeClr val="accent6"/>
+          </a:effectRef>
+          <a:fontRef idx="minor">
+            <a:schemeClr val="dk1"/>
+          </a:fontRef>
+        </p:style>
+        <p:txBody>
+          <a:bodyPr rtlCol="0" anchor="ctr"/>
+          <a:lstStyle/>
+          <a:p>
+            <a:pPr algn="ctr"/>
+            <a:r>
+              <a:rPr lang="en-US" dirty="0"/>
+              <a:t>Green Nodes</a:t>
+            </a:r>
+            <a:endParaRPr lang="en-CA" dirty="0"/>
+          </a:p>
+        </p:txBody>
+      </p:sp>
+      <p:sp>
+        <p:nvSpPr>
+          <p:cNvPr id="11" name="Arrow: Down 10">
+            <a:extLst>
+              <a:ext uri="{FF2B5EF4-FFF2-40B4-BE49-F238E27FC236}">
+                <a16:creationId xmlns:a16="http://schemas.microsoft.com/office/drawing/2014/main" id="{EA20916E-5CFF-F498-6DC8-C8FF85A5F84D}"/>
+              </a:ext>
+            </a:extLst>
+          </p:cNvPr>
+          <p:cNvSpPr/>
+          <p:nvPr/>
+        </p:nvSpPr>
+        <p:spPr>
+          <a:xfrm>
+            <a:off x="7882217" y="2216638"/>
+            <a:ext cx="1548654" cy="731767"/>
+          </a:xfrm>
+          <a:prstGeom prst="downArrow">
+            <a:avLst/>
+          </a:prstGeom>
+        </p:spPr>
+        <p:style>
+          <a:lnRef idx="1">
+            <a:schemeClr val="accent2"/>
+          </a:lnRef>
+          <a:fillRef idx="2">
+            <a:schemeClr val="accent2"/>
+          </a:fillRef>
+          <a:effectRef idx="1">
+            <a:schemeClr val="accent2"/>
+          </a:effectRef>
+          <a:fontRef idx="minor">
+            <a:schemeClr val="dk1"/>
           </a:fontRef>
         </p:style>
         <p:txBody>
@@ -10689,583 +13410,6 @@
     <p:extLst>
       <p:ext uri="{BB962C8B-B14F-4D97-AF65-F5344CB8AC3E}">
         <p14:creationId xmlns:p14="http://schemas.microsoft.com/office/powerpoint/2010/main" val="2221269306"/>
-      </p:ext>
-    </p:extLst>
-  </p:cSld>
-  <p:clrMapOvr>
-    <a:masterClrMapping/>
-  </p:clrMapOvr>
-</p:sld>
-</file>
-
-<file path=ppt/slides/slide9.xml><?xml version="1.0" encoding="utf-8"?>
-<p:sld xmlns:a="http://schemas.openxmlformats.org/drawingml/2006/main" xmlns:r="http://schemas.openxmlformats.org/officeDocument/2006/relationships" xmlns:p="http://schemas.openxmlformats.org/presentationml/2006/main">
-  <p:cSld>
-    <p:spTree>
-      <p:nvGrpSpPr>
-        <p:cNvPr id="1" name=""/>
-        <p:cNvGrpSpPr/>
-        <p:nvPr/>
-      </p:nvGrpSpPr>
-      <p:grpSpPr>
-        <a:xfrm>
-          <a:off x="0" y="0"/>
-          <a:ext cx="0" cy="0"/>
-          <a:chOff x="0" y="0"/>
-          <a:chExt cx="0" cy="0"/>
-        </a:xfrm>
-      </p:grpSpPr>
-      <p:sp>
-        <p:nvSpPr>
-          <p:cNvPr id="6" name="Rectangle 5">
-            <a:extLst>
-              <a:ext uri="{FF2B5EF4-FFF2-40B4-BE49-F238E27FC236}">
-                <a16:creationId xmlns:a16="http://schemas.microsoft.com/office/drawing/2014/main" id="{15FD35EE-0D94-8E09-F319-CBB133C471EA}"/>
-              </a:ext>
-            </a:extLst>
-          </p:cNvPr>
-          <p:cNvSpPr/>
-          <p:nvPr/>
-        </p:nvSpPr>
-        <p:spPr>
-          <a:xfrm>
-            <a:off x="6223746" y="4093726"/>
-            <a:ext cx="4905936" cy="1995592"/>
-          </a:xfrm>
-          <a:prstGeom prst="rect">
-            <a:avLst/>
-          </a:prstGeom>
-        </p:spPr>
-        <p:style>
-          <a:lnRef idx="1">
-            <a:schemeClr val="accent4"/>
-          </a:lnRef>
-          <a:fillRef idx="2">
-            <a:schemeClr val="accent4"/>
-          </a:fillRef>
-          <a:effectRef idx="1">
-            <a:schemeClr val="accent4"/>
-          </a:effectRef>
-          <a:fontRef idx="minor">
-            <a:schemeClr val="dk1"/>
-          </a:fontRef>
-        </p:style>
-        <p:txBody>
-          <a:bodyPr rtlCol="0" anchor="b"/>
-          <a:lstStyle/>
-          <a:p>
-            <a:r>
-              <a:rPr lang="en-US" dirty="0"/>
-              <a:t>New VMSS</a:t>
-            </a:r>
-            <a:endParaRPr lang="en-CA" dirty="0"/>
-          </a:p>
-        </p:txBody>
-      </p:sp>
-      <p:sp>
-        <p:nvSpPr>
-          <p:cNvPr id="5" name="Rectangle 4">
-            <a:extLst>
-              <a:ext uri="{FF2B5EF4-FFF2-40B4-BE49-F238E27FC236}">
-                <a16:creationId xmlns:a16="http://schemas.microsoft.com/office/drawing/2014/main" id="{6CADE1B2-547E-9932-CAA2-72A848036510}"/>
-              </a:ext>
-            </a:extLst>
-          </p:cNvPr>
-          <p:cNvSpPr/>
-          <p:nvPr/>
-        </p:nvSpPr>
-        <p:spPr>
-          <a:xfrm>
-            <a:off x="838200" y="4093726"/>
-            <a:ext cx="4905936" cy="1995592"/>
-          </a:xfrm>
-          <a:prstGeom prst="rect">
-            <a:avLst/>
-          </a:prstGeom>
-          <a:gradFill>
-            <a:gsLst>
-              <a:gs pos="0">
-                <a:schemeClr val="accent4">
-                  <a:lumMod val="110000"/>
-                  <a:satMod val="105000"/>
-                  <a:tint val="67000"/>
-                  <a:alpha val="50000"/>
-                </a:schemeClr>
-              </a:gs>
-              <a:gs pos="50000">
-                <a:schemeClr val="accent4">
-                  <a:lumMod val="105000"/>
-                  <a:satMod val="103000"/>
-                  <a:tint val="73000"/>
-                  <a:alpha val="50000"/>
-                </a:schemeClr>
-              </a:gs>
-              <a:gs pos="100000">
-                <a:schemeClr val="accent4">
-                  <a:lumMod val="105000"/>
-                  <a:satMod val="109000"/>
-                  <a:tint val="81000"/>
-                  <a:alpha val="50000"/>
-                </a:schemeClr>
-              </a:gs>
-            </a:gsLst>
-          </a:gradFill>
-        </p:spPr>
-        <p:style>
-          <a:lnRef idx="1">
-            <a:schemeClr val="accent4"/>
-          </a:lnRef>
-          <a:fillRef idx="2">
-            <a:schemeClr val="accent4"/>
-          </a:fillRef>
-          <a:effectRef idx="1">
-            <a:schemeClr val="accent4"/>
-          </a:effectRef>
-          <a:fontRef idx="minor">
-            <a:schemeClr val="dk1"/>
-          </a:fontRef>
-        </p:style>
-        <p:txBody>
-          <a:bodyPr rtlCol="0" anchor="b"/>
-          <a:lstStyle/>
-          <a:p>
-            <a:r>
-              <a:rPr lang="en-US" dirty="0">
-                <a:solidFill>
-                  <a:schemeClr val="dk1">
-                    <a:alpha val="50000"/>
-                  </a:schemeClr>
-                </a:solidFill>
-              </a:rPr>
-              <a:t>Old VMSS</a:t>
-            </a:r>
-            <a:endParaRPr lang="en-CA" dirty="0">
-              <a:solidFill>
-                <a:schemeClr val="dk1">
-                  <a:alpha val="50000"/>
-                </a:schemeClr>
-              </a:solidFill>
-            </a:endParaRPr>
-          </a:p>
-        </p:txBody>
-      </p:sp>
-      <p:sp>
-        <p:nvSpPr>
-          <p:cNvPr id="2" name="Title 1">
-            <a:extLst>
-              <a:ext uri="{FF2B5EF4-FFF2-40B4-BE49-F238E27FC236}">
-                <a16:creationId xmlns:a16="http://schemas.microsoft.com/office/drawing/2014/main" id="{918D0562-36AA-F218-20A3-83A2FB8CE8EA}"/>
-              </a:ext>
-            </a:extLst>
-          </p:cNvPr>
-          <p:cNvSpPr>
-            <a:spLocks noGrp="1"/>
-          </p:cNvSpPr>
-          <p:nvPr>
-            <p:ph type="title"/>
-          </p:nvPr>
-        </p:nvSpPr>
-        <p:spPr/>
-        <p:txBody>
-          <a:bodyPr/>
-          <a:lstStyle/>
-          <a:p>
-            <a:r>
-              <a:rPr lang="en-US" dirty="0"/>
-              <a:t>Deployment:</a:t>
-            </a:r>
-            <a:br>
-              <a:rPr lang="en-US" dirty="0"/>
-            </a:br>
-            <a:r>
-              <a:rPr lang="en-US" dirty="0" err="1"/>
-              <a:t>LatestVersion</a:t>
-            </a:r>
-            <a:r>
-              <a:rPr lang="en-US" dirty="0"/>
-              <a:t>/</a:t>
-            </a:r>
-            <a:r>
-              <a:rPr lang="en-US" dirty="0" err="1"/>
-              <a:t>BackwardsCompatible</a:t>
-            </a:r>
-            <a:endParaRPr lang="en-CA" dirty="0"/>
-          </a:p>
-        </p:txBody>
-      </p:sp>
-      <p:sp>
-        <p:nvSpPr>
-          <p:cNvPr id="17" name="Content Placeholder 16">
-            <a:extLst>
-              <a:ext uri="{FF2B5EF4-FFF2-40B4-BE49-F238E27FC236}">
-                <a16:creationId xmlns:a16="http://schemas.microsoft.com/office/drawing/2014/main" id="{3E9BFECA-4FE8-8956-3D6F-C32F5ED7075A}"/>
-              </a:ext>
-            </a:extLst>
-          </p:cNvPr>
-          <p:cNvSpPr>
-            <a:spLocks noGrp="1"/>
-          </p:cNvSpPr>
-          <p:nvPr>
-            <p:ph idx="1"/>
-          </p:nvPr>
-        </p:nvSpPr>
-        <p:spPr/>
-        <p:txBody>
-          <a:bodyPr/>
-          <a:lstStyle/>
-          <a:p>
-            <a:r>
-              <a:rPr lang="en-US" dirty="0"/>
-              <a:t>Blue nodes end up idle except for streams</a:t>
-            </a:r>
-          </a:p>
-          <a:p>
-            <a:r>
-              <a:rPr lang="en-US" dirty="0"/>
-              <a:t>Shutdown old VMSS</a:t>
-            </a:r>
-          </a:p>
-        </p:txBody>
-      </p:sp>
-      <p:sp>
-        <p:nvSpPr>
-          <p:cNvPr id="4" name="Rectangle 3">
-            <a:extLst>
-              <a:ext uri="{FF2B5EF4-FFF2-40B4-BE49-F238E27FC236}">
-                <a16:creationId xmlns:a16="http://schemas.microsoft.com/office/drawing/2014/main" id="{4C531F83-495A-8365-D35E-8E9A699BA105}"/>
-              </a:ext>
-            </a:extLst>
-          </p:cNvPr>
-          <p:cNvSpPr/>
-          <p:nvPr/>
-        </p:nvSpPr>
-        <p:spPr>
-          <a:xfrm>
-            <a:off x="6447864" y="4427310"/>
-            <a:ext cx="4457700" cy="1325563"/>
-          </a:xfrm>
-          <a:prstGeom prst="rect">
-            <a:avLst/>
-          </a:prstGeom>
-        </p:spPr>
-        <p:style>
-          <a:lnRef idx="1">
-            <a:schemeClr val="accent3"/>
-          </a:lnRef>
-          <a:fillRef idx="2">
-            <a:schemeClr val="accent3"/>
-          </a:fillRef>
-          <a:effectRef idx="1">
-            <a:schemeClr val="accent3"/>
-          </a:effectRef>
-          <a:fontRef idx="minor">
-            <a:schemeClr val="dk1"/>
-          </a:fontRef>
-        </p:style>
-        <p:txBody>
-          <a:bodyPr rtlCol="0" anchor="b"/>
-          <a:lstStyle/>
-          <a:p>
-            <a:r>
-              <a:rPr lang="en-US" dirty="0"/>
-              <a:t>Heterogenous Cluster</a:t>
-            </a:r>
-            <a:endParaRPr lang="en-CA" dirty="0"/>
-          </a:p>
-        </p:txBody>
-      </p:sp>
-      <p:sp>
-        <p:nvSpPr>
-          <p:cNvPr id="18" name="Rectangle 17">
-            <a:extLst>
-              <a:ext uri="{FF2B5EF4-FFF2-40B4-BE49-F238E27FC236}">
-                <a16:creationId xmlns:a16="http://schemas.microsoft.com/office/drawing/2014/main" id="{C0E6C395-EE88-3B93-375E-53CAAAB04216}"/>
-              </a:ext>
-            </a:extLst>
-          </p:cNvPr>
-          <p:cNvSpPr/>
-          <p:nvPr/>
-        </p:nvSpPr>
-        <p:spPr>
-          <a:xfrm>
-            <a:off x="1286436" y="4679956"/>
-            <a:ext cx="3973607" cy="703392"/>
-          </a:xfrm>
-          <a:prstGeom prst="rect">
-            <a:avLst/>
-          </a:prstGeom>
-          <a:gradFill>
-            <a:gsLst>
-              <a:gs pos="0">
-                <a:schemeClr val="accent5">
-                  <a:lumMod val="110000"/>
-                  <a:satMod val="105000"/>
-                  <a:tint val="67000"/>
-                  <a:alpha val="50000"/>
-                </a:schemeClr>
-              </a:gs>
-              <a:gs pos="50000">
-                <a:schemeClr val="accent5">
-                  <a:lumMod val="105000"/>
-                  <a:satMod val="103000"/>
-                  <a:tint val="73000"/>
-                  <a:alpha val="50000"/>
-                </a:schemeClr>
-              </a:gs>
-              <a:gs pos="100000">
-                <a:schemeClr val="accent5">
-                  <a:lumMod val="105000"/>
-                  <a:satMod val="109000"/>
-                  <a:tint val="81000"/>
-                  <a:alpha val="50000"/>
-                </a:schemeClr>
-              </a:gs>
-            </a:gsLst>
-          </a:gradFill>
-        </p:spPr>
-        <p:style>
-          <a:lnRef idx="1">
-            <a:schemeClr val="accent5"/>
-          </a:lnRef>
-          <a:fillRef idx="2">
-            <a:schemeClr val="accent5"/>
-          </a:fillRef>
-          <a:effectRef idx="1">
-            <a:schemeClr val="accent5"/>
-          </a:effectRef>
-          <a:fontRef idx="minor">
-            <a:schemeClr val="dk1"/>
-          </a:fontRef>
-        </p:style>
-        <p:txBody>
-          <a:bodyPr rtlCol="0" anchor="ctr"/>
-          <a:lstStyle/>
-          <a:p>
-            <a:pPr algn="ctr"/>
-            <a:r>
-              <a:rPr lang="en-US" dirty="0">
-                <a:solidFill>
-                  <a:schemeClr val="dk1">
-                    <a:alpha val="50000"/>
-                  </a:schemeClr>
-                </a:solidFill>
-              </a:rPr>
-              <a:t>Blue Nodes</a:t>
-            </a:r>
-            <a:endParaRPr lang="en-CA" dirty="0">
-              <a:solidFill>
-                <a:schemeClr val="dk1">
-                  <a:alpha val="50000"/>
-                </a:schemeClr>
-              </a:solidFill>
-            </a:endParaRPr>
-          </a:p>
-        </p:txBody>
-      </p:sp>
-      <p:sp>
-        <p:nvSpPr>
-          <p:cNvPr id="8" name="Rectangle 7">
-            <a:extLst>
-              <a:ext uri="{FF2B5EF4-FFF2-40B4-BE49-F238E27FC236}">
-                <a16:creationId xmlns:a16="http://schemas.microsoft.com/office/drawing/2014/main" id="{8369D81B-A1DB-74D6-3609-2868B4D490EC}"/>
-              </a:ext>
-            </a:extLst>
-          </p:cNvPr>
-          <p:cNvSpPr/>
-          <p:nvPr/>
-        </p:nvSpPr>
-        <p:spPr>
-          <a:xfrm>
-            <a:off x="6671982" y="4679956"/>
-            <a:ext cx="3973607" cy="703392"/>
-          </a:xfrm>
-          <a:prstGeom prst="rect">
-            <a:avLst/>
-          </a:prstGeom>
-        </p:spPr>
-        <p:style>
-          <a:lnRef idx="1">
-            <a:schemeClr val="accent6"/>
-          </a:lnRef>
-          <a:fillRef idx="2">
-            <a:schemeClr val="accent6"/>
-          </a:fillRef>
-          <a:effectRef idx="1">
-            <a:schemeClr val="accent6"/>
-          </a:effectRef>
-          <a:fontRef idx="minor">
-            <a:schemeClr val="dk1"/>
-          </a:fontRef>
-        </p:style>
-        <p:txBody>
-          <a:bodyPr rtlCol="0" anchor="ctr"/>
-          <a:lstStyle/>
-          <a:p>
-            <a:pPr algn="ctr"/>
-            <a:r>
-              <a:rPr lang="en-US" dirty="0"/>
-              <a:t>Green Nodes</a:t>
-            </a:r>
-            <a:endParaRPr lang="en-CA" dirty="0"/>
-          </a:p>
-        </p:txBody>
-      </p:sp>
-      <p:sp>
-        <p:nvSpPr>
-          <p:cNvPr id="11" name="Arrow: Down 10">
-            <a:extLst>
-              <a:ext uri="{FF2B5EF4-FFF2-40B4-BE49-F238E27FC236}">
-                <a16:creationId xmlns:a16="http://schemas.microsoft.com/office/drawing/2014/main" id="{EA20916E-5CFF-F498-6DC8-C8FF85A5F84D}"/>
-              </a:ext>
-            </a:extLst>
-          </p:cNvPr>
-          <p:cNvSpPr/>
-          <p:nvPr/>
-        </p:nvSpPr>
-        <p:spPr>
-          <a:xfrm>
-            <a:off x="7882217" y="2216638"/>
-            <a:ext cx="1548654" cy="731767"/>
-          </a:xfrm>
-          <a:prstGeom prst="downArrow">
-            <a:avLst/>
-          </a:prstGeom>
-        </p:spPr>
-        <p:style>
-          <a:lnRef idx="2">
-            <a:schemeClr val="accent1">
-              <a:shade val="50000"/>
-            </a:schemeClr>
-          </a:lnRef>
-          <a:fillRef idx="1">
-            <a:schemeClr val="accent1"/>
-          </a:fillRef>
-          <a:effectRef idx="0">
-            <a:schemeClr val="accent1"/>
-          </a:effectRef>
-          <a:fontRef idx="minor">
-            <a:schemeClr val="lt1"/>
-          </a:fontRef>
-        </p:style>
-        <p:txBody>
-          <a:bodyPr rtlCol="0" anchor="ctr"/>
-          <a:lstStyle/>
-          <a:p>
-            <a:pPr algn="ctr"/>
-            <a:r>
-              <a:rPr lang="en-US" sz="1400" dirty="0"/>
-              <a:t>100%</a:t>
-            </a:r>
-          </a:p>
-          <a:p>
-            <a:pPr algn="ctr"/>
-            <a:r>
-              <a:rPr lang="en-US" sz="1400" dirty="0"/>
-              <a:t>of New</a:t>
-            </a:r>
-            <a:endParaRPr lang="en-CA" sz="1400" dirty="0"/>
-          </a:p>
-        </p:txBody>
-      </p:sp>
-      <p:sp>
-        <p:nvSpPr>
-          <p:cNvPr id="13" name="Rectangle 12">
-            <a:extLst>
-              <a:ext uri="{FF2B5EF4-FFF2-40B4-BE49-F238E27FC236}">
-                <a16:creationId xmlns:a16="http://schemas.microsoft.com/office/drawing/2014/main" id="{AEB2E9E3-3B7C-3C69-D5B0-4FDCE1D9E301}"/>
-              </a:ext>
-            </a:extLst>
-          </p:cNvPr>
-          <p:cNvSpPr/>
-          <p:nvPr/>
-        </p:nvSpPr>
-        <p:spPr>
-          <a:xfrm>
-            <a:off x="6223746" y="2986153"/>
-            <a:ext cx="4905936" cy="907945"/>
-          </a:xfrm>
-          <a:prstGeom prst="rect">
-            <a:avLst/>
-          </a:prstGeom>
-        </p:spPr>
-        <p:style>
-          <a:lnRef idx="1">
-            <a:schemeClr val="accent4"/>
-          </a:lnRef>
-          <a:fillRef idx="2">
-            <a:schemeClr val="accent4"/>
-          </a:fillRef>
-          <a:effectRef idx="1">
-            <a:schemeClr val="accent4"/>
-          </a:effectRef>
-          <a:fontRef idx="minor">
-            <a:schemeClr val="dk1"/>
-          </a:fontRef>
-        </p:style>
-        <p:txBody>
-          <a:bodyPr rtlCol="0" anchor="b"/>
-          <a:lstStyle/>
-          <a:p>
-            <a:r>
-              <a:rPr lang="en-US" dirty="0"/>
-              <a:t>New Front End (ACA)</a:t>
-            </a:r>
-            <a:endParaRPr lang="en-CA" dirty="0"/>
-          </a:p>
-        </p:txBody>
-      </p:sp>
-      <p:sp>
-        <p:nvSpPr>
-          <p:cNvPr id="14" name="Rectangle 13">
-            <a:extLst>
-              <a:ext uri="{FF2B5EF4-FFF2-40B4-BE49-F238E27FC236}">
-                <a16:creationId xmlns:a16="http://schemas.microsoft.com/office/drawing/2014/main" id="{542AF063-CBF6-01D4-8747-CEE32FB49769}"/>
-              </a:ext>
-            </a:extLst>
-          </p:cNvPr>
-          <p:cNvSpPr/>
-          <p:nvPr/>
-        </p:nvSpPr>
-        <p:spPr>
-          <a:xfrm>
-            <a:off x="6447864" y="3115197"/>
-            <a:ext cx="4417360" cy="410135"/>
-          </a:xfrm>
-          <a:prstGeom prst="rect">
-            <a:avLst/>
-          </a:prstGeom>
-        </p:spPr>
-        <p:style>
-          <a:lnRef idx="1">
-            <a:schemeClr val="accent6"/>
-          </a:lnRef>
-          <a:fillRef idx="2">
-            <a:schemeClr val="accent6"/>
-          </a:fillRef>
-          <a:effectRef idx="1">
-            <a:schemeClr val="accent6"/>
-          </a:effectRef>
-          <a:fontRef idx="minor">
-            <a:schemeClr val="dk1"/>
-          </a:fontRef>
-        </p:style>
-        <p:txBody>
-          <a:bodyPr rtlCol="0" anchor="ctr"/>
-          <a:lstStyle/>
-          <a:p>
-            <a:pPr algn="ctr"/>
-            <a:r>
-              <a:rPr lang="en-US" dirty="0"/>
-              <a:t>Green Clients</a:t>
-            </a:r>
-            <a:endParaRPr lang="en-CA" dirty="0"/>
-          </a:p>
-        </p:txBody>
-      </p:sp>
-    </p:spTree>
-    <p:extLst>
-      <p:ext uri="{BB962C8B-B14F-4D97-AF65-F5344CB8AC3E}">
-        <p14:creationId xmlns:p14="http://schemas.microsoft.com/office/powerpoint/2010/main" val="677043800"/>
       </p:ext>
     </p:extLst>
   </p:cSld>

--- a/Orleans Versioning and Deployment.pptx
+++ b/Orleans Versioning and Deployment.pptx
@@ -16,6 +16,9 @@
     <p:sldId id="268" r:id="rId10"/>
     <p:sldId id="269" r:id="rId11"/>
     <p:sldId id="270" r:id="rId12"/>
+    <p:sldId id="272" r:id="rId13"/>
+    <p:sldId id="273" r:id="rId14"/>
+    <p:sldId id="274" r:id="rId15"/>
   </p:sldIdLst>
   <p:sldSz cx="12192000" cy="6858000"/>
   <p:notesSz cx="6858000" cy="9144000"/>
@@ -4380,6 +4383,2427 @@
 </p:sld>
 </file>
 
+<file path=ppt/slides/slide12.xml><?xml version="1.0" encoding="utf-8"?>
+<p:sld xmlns:a="http://schemas.openxmlformats.org/drawingml/2006/main" xmlns:r="http://schemas.openxmlformats.org/officeDocument/2006/relationships" xmlns:p="http://schemas.openxmlformats.org/presentationml/2006/main">
+  <p:cSld>
+    <p:spTree>
+      <p:nvGrpSpPr>
+        <p:cNvPr id="1" name=""/>
+        <p:cNvGrpSpPr/>
+        <p:nvPr/>
+      </p:nvGrpSpPr>
+      <p:grpSpPr>
+        <a:xfrm>
+          <a:off x="0" y="0"/>
+          <a:ext cx="0" cy="0"/>
+          <a:chOff x="0" y="0"/>
+          <a:chExt cx="0" cy="0"/>
+        </a:xfrm>
+      </p:grpSpPr>
+      <p:sp>
+        <p:nvSpPr>
+          <p:cNvPr id="2" name="Title 1">
+            <a:extLst>
+              <a:ext uri="{FF2B5EF4-FFF2-40B4-BE49-F238E27FC236}">
+                <a16:creationId xmlns:a16="http://schemas.microsoft.com/office/drawing/2014/main" id="{569970D1-F1FB-EDE6-F773-E3A3718D532F}"/>
+              </a:ext>
+            </a:extLst>
+          </p:cNvPr>
+          <p:cNvSpPr>
+            <a:spLocks noGrp="1"/>
+          </p:cNvSpPr>
+          <p:nvPr>
+            <p:ph type="title"/>
+          </p:nvPr>
+        </p:nvSpPr>
+        <p:spPr/>
+        <p:txBody>
+          <a:bodyPr/>
+          <a:lstStyle/>
+          <a:p>
+            <a:r>
+              <a:rPr lang="en-US" dirty="0"/>
+              <a:t>Cluster-only Ephemeral State Transition</a:t>
+            </a:r>
+          </a:p>
+        </p:txBody>
+      </p:sp>
+      <p:sp>
+        <p:nvSpPr>
+          <p:cNvPr id="3" name="Content Placeholder 2">
+            <a:extLst>
+              <a:ext uri="{FF2B5EF4-FFF2-40B4-BE49-F238E27FC236}">
+                <a16:creationId xmlns:a16="http://schemas.microsoft.com/office/drawing/2014/main" id="{ADD39C8C-8E7C-A5AB-21D4-FA922E268495}"/>
+              </a:ext>
+            </a:extLst>
+          </p:cNvPr>
+          <p:cNvSpPr>
+            <a:spLocks noGrp="1"/>
+          </p:cNvSpPr>
+          <p:nvPr>
+            <p:ph idx="1"/>
+          </p:nvPr>
+        </p:nvSpPr>
+        <p:spPr/>
+        <p:txBody>
+          <a:bodyPr/>
+          <a:lstStyle/>
+          <a:p>
+            <a:r>
+              <a:rPr lang="en-US" dirty="0"/>
+              <a:t>Good example: Lease</a:t>
+            </a:r>
+          </a:p>
+          <a:p>
+            <a:r>
+              <a:rPr lang="en-US" dirty="0"/>
+              <a:t>Starting point:</a:t>
+            </a:r>
+          </a:p>
+        </p:txBody>
+      </p:sp>
+      <p:sp>
+        <p:nvSpPr>
+          <p:cNvPr id="15" name="Rectangle 14">
+            <a:extLst>
+              <a:ext uri="{FF2B5EF4-FFF2-40B4-BE49-F238E27FC236}">
+                <a16:creationId xmlns:a16="http://schemas.microsoft.com/office/drawing/2014/main" id="{E6511AB4-9DDD-71D9-4030-90A2C0C6D712}"/>
+              </a:ext>
+            </a:extLst>
+          </p:cNvPr>
+          <p:cNvSpPr/>
+          <p:nvPr/>
+        </p:nvSpPr>
+        <p:spPr>
+          <a:xfrm>
+            <a:off x="838200" y="4089202"/>
+            <a:ext cx="4905936" cy="1995592"/>
+          </a:xfrm>
+          <a:prstGeom prst="rect">
+            <a:avLst/>
+          </a:prstGeom>
+        </p:spPr>
+        <p:style>
+          <a:lnRef idx="1">
+            <a:schemeClr val="accent4"/>
+          </a:lnRef>
+          <a:fillRef idx="2">
+            <a:schemeClr val="accent4"/>
+          </a:fillRef>
+          <a:effectRef idx="1">
+            <a:schemeClr val="accent4"/>
+          </a:effectRef>
+          <a:fontRef idx="minor">
+            <a:schemeClr val="dk1"/>
+          </a:fontRef>
+        </p:style>
+        <p:txBody>
+          <a:bodyPr rtlCol="0" anchor="b"/>
+          <a:lstStyle/>
+          <a:p>
+            <a:r>
+              <a:rPr lang="en-US" dirty="0"/>
+              <a:t>VMSS</a:t>
+            </a:r>
+            <a:endParaRPr lang="en-CA" dirty="0"/>
+          </a:p>
+        </p:txBody>
+      </p:sp>
+      <p:sp>
+        <p:nvSpPr>
+          <p:cNvPr id="16" name="Rectangle 15">
+            <a:extLst>
+              <a:ext uri="{FF2B5EF4-FFF2-40B4-BE49-F238E27FC236}">
+                <a16:creationId xmlns:a16="http://schemas.microsoft.com/office/drawing/2014/main" id="{7C3715DF-4918-FE78-854F-06E7FF614921}"/>
+              </a:ext>
+            </a:extLst>
+          </p:cNvPr>
+          <p:cNvSpPr/>
+          <p:nvPr/>
+        </p:nvSpPr>
+        <p:spPr>
+          <a:xfrm>
+            <a:off x="1062318" y="4422786"/>
+            <a:ext cx="4417360" cy="1325563"/>
+          </a:xfrm>
+          <a:prstGeom prst="rect">
+            <a:avLst/>
+          </a:prstGeom>
+        </p:spPr>
+        <p:style>
+          <a:lnRef idx="1">
+            <a:schemeClr val="accent3"/>
+          </a:lnRef>
+          <a:fillRef idx="2">
+            <a:schemeClr val="accent3"/>
+          </a:fillRef>
+          <a:effectRef idx="1">
+            <a:schemeClr val="accent3"/>
+          </a:effectRef>
+          <a:fontRef idx="minor">
+            <a:schemeClr val="dk1"/>
+          </a:fontRef>
+        </p:style>
+        <p:txBody>
+          <a:bodyPr rtlCol="0" anchor="b"/>
+          <a:lstStyle/>
+          <a:p>
+            <a:r>
+              <a:rPr lang="en-US" dirty="0"/>
+              <a:t>Heterogenous Cluster</a:t>
+            </a:r>
+            <a:endParaRPr lang="en-CA" dirty="0"/>
+          </a:p>
+        </p:txBody>
+      </p:sp>
+      <p:sp>
+        <p:nvSpPr>
+          <p:cNvPr id="17" name="Rectangle 16">
+            <a:extLst>
+              <a:ext uri="{FF2B5EF4-FFF2-40B4-BE49-F238E27FC236}">
+                <a16:creationId xmlns:a16="http://schemas.microsoft.com/office/drawing/2014/main" id="{6715B45E-8F14-0705-954A-1F316176486F}"/>
+              </a:ext>
+            </a:extLst>
+          </p:cNvPr>
+          <p:cNvSpPr/>
+          <p:nvPr/>
+        </p:nvSpPr>
+        <p:spPr>
+          <a:xfrm>
+            <a:off x="838200" y="2983951"/>
+            <a:ext cx="4905936" cy="907945"/>
+          </a:xfrm>
+          <a:prstGeom prst="rect">
+            <a:avLst/>
+          </a:prstGeom>
+        </p:spPr>
+        <p:style>
+          <a:lnRef idx="1">
+            <a:schemeClr val="accent4"/>
+          </a:lnRef>
+          <a:fillRef idx="2">
+            <a:schemeClr val="accent4"/>
+          </a:fillRef>
+          <a:effectRef idx="1">
+            <a:schemeClr val="accent4"/>
+          </a:effectRef>
+          <a:fontRef idx="minor">
+            <a:schemeClr val="dk1"/>
+          </a:fontRef>
+        </p:style>
+        <p:txBody>
+          <a:bodyPr rtlCol="0" anchor="b"/>
+          <a:lstStyle/>
+          <a:p>
+            <a:r>
+              <a:rPr lang="en-US" dirty="0"/>
+              <a:t>Frontend (ACA)</a:t>
+            </a:r>
+            <a:endParaRPr lang="en-CA" dirty="0"/>
+          </a:p>
+        </p:txBody>
+      </p:sp>
+      <p:sp>
+        <p:nvSpPr>
+          <p:cNvPr id="18" name="Rectangle 17">
+            <a:extLst>
+              <a:ext uri="{FF2B5EF4-FFF2-40B4-BE49-F238E27FC236}">
+                <a16:creationId xmlns:a16="http://schemas.microsoft.com/office/drawing/2014/main" id="{EF0994C8-793F-6160-2E04-D1931C208765}"/>
+              </a:ext>
+            </a:extLst>
+          </p:cNvPr>
+          <p:cNvSpPr/>
+          <p:nvPr/>
+        </p:nvSpPr>
+        <p:spPr>
+          <a:xfrm>
+            <a:off x="1062318" y="3112995"/>
+            <a:ext cx="4417360" cy="410135"/>
+          </a:xfrm>
+          <a:prstGeom prst="rect">
+            <a:avLst/>
+          </a:prstGeom>
+        </p:spPr>
+        <p:style>
+          <a:lnRef idx="1">
+            <a:schemeClr val="accent5"/>
+          </a:lnRef>
+          <a:fillRef idx="2">
+            <a:schemeClr val="accent5"/>
+          </a:fillRef>
+          <a:effectRef idx="1">
+            <a:schemeClr val="accent5"/>
+          </a:effectRef>
+          <a:fontRef idx="minor">
+            <a:schemeClr val="dk1"/>
+          </a:fontRef>
+        </p:style>
+        <p:txBody>
+          <a:bodyPr rtlCol="0" anchor="ctr"/>
+          <a:lstStyle/>
+          <a:p>
+            <a:pPr algn="ctr"/>
+            <a:r>
+              <a:rPr lang="en-US" dirty="0"/>
+              <a:t>Blue Clients</a:t>
+            </a:r>
+            <a:endParaRPr lang="en-CA" dirty="0"/>
+          </a:p>
+        </p:txBody>
+      </p:sp>
+      <p:sp>
+        <p:nvSpPr>
+          <p:cNvPr id="19" name="Rectangle 18">
+            <a:extLst>
+              <a:ext uri="{FF2B5EF4-FFF2-40B4-BE49-F238E27FC236}">
+                <a16:creationId xmlns:a16="http://schemas.microsoft.com/office/drawing/2014/main" id="{CC3674DC-3053-4D13-1D48-BAAECC6C640B}"/>
+              </a:ext>
+            </a:extLst>
+          </p:cNvPr>
+          <p:cNvSpPr/>
+          <p:nvPr/>
+        </p:nvSpPr>
+        <p:spPr>
+          <a:xfrm>
+            <a:off x="1286436" y="4675432"/>
+            <a:ext cx="3973607" cy="703392"/>
+          </a:xfrm>
+          <a:prstGeom prst="rect">
+            <a:avLst/>
+          </a:prstGeom>
+        </p:spPr>
+        <p:style>
+          <a:lnRef idx="1">
+            <a:schemeClr val="accent5"/>
+          </a:lnRef>
+          <a:fillRef idx="2">
+            <a:schemeClr val="accent5"/>
+          </a:fillRef>
+          <a:effectRef idx="1">
+            <a:schemeClr val="accent5"/>
+          </a:effectRef>
+          <a:fontRef idx="minor">
+            <a:schemeClr val="dk1"/>
+          </a:fontRef>
+        </p:style>
+        <p:txBody>
+          <a:bodyPr rtlCol="0" anchor="ctr"/>
+          <a:lstStyle/>
+          <a:p>
+            <a:pPr algn="ctr"/>
+            <a:r>
+              <a:rPr lang="en-US" dirty="0"/>
+              <a:t>Blue Nodes</a:t>
+            </a:r>
+            <a:endParaRPr lang="en-CA" dirty="0"/>
+          </a:p>
+        </p:txBody>
+      </p:sp>
+      <p:sp>
+        <p:nvSpPr>
+          <p:cNvPr id="20" name="Rectangle 19">
+            <a:extLst>
+              <a:ext uri="{FF2B5EF4-FFF2-40B4-BE49-F238E27FC236}">
+                <a16:creationId xmlns:a16="http://schemas.microsoft.com/office/drawing/2014/main" id="{3FB4C9BE-5725-CF04-024B-0619875866D9}"/>
+              </a:ext>
+            </a:extLst>
+          </p:cNvPr>
+          <p:cNvSpPr/>
+          <p:nvPr/>
+        </p:nvSpPr>
+        <p:spPr>
+          <a:xfrm>
+            <a:off x="3958388" y="4854642"/>
+            <a:ext cx="1143002" cy="344972"/>
+          </a:xfrm>
+          <a:prstGeom prst="rect">
+            <a:avLst/>
+          </a:prstGeom>
+        </p:spPr>
+        <p:style>
+          <a:lnRef idx="1">
+            <a:schemeClr val="accent2"/>
+          </a:lnRef>
+          <a:fillRef idx="2">
+            <a:schemeClr val="accent2"/>
+          </a:fillRef>
+          <a:effectRef idx="1">
+            <a:schemeClr val="accent2"/>
+          </a:effectRef>
+          <a:fontRef idx="minor">
+            <a:schemeClr val="dk1"/>
+          </a:fontRef>
+        </p:style>
+        <p:txBody>
+          <a:bodyPr rtlCol="0" anchor="ctr"/>
+          <a:lstStyle/>
+          <a:p>
+            <a:pPr algn="ctr"/>
+            <a:r>
+              <a:rPr lang="en-US" sz="1000" dirty="0" err="1"/>
+              <a:t>ILease</a:t>
+            </a:r>
+            <a:endParaRPr lang="en-US" sz="1000" dirty="0"/>
+          </a:p>
+          <a:p>
+            <a:pPr algn="ctr"/>
+            <a:r>
+              <a:rPr lang="en-US" sz="1000" dirty="0"/>
+              <a:t>(V1, Key)</a:t>
+            </a:r>
+          </a:p>
+        </p:txBody>
+      </p:sp>
+    </p:spTree>
+    <p:extLst>
+      <p:ext uri="{BB962C8B-B14F-4D97-AF65-F5344CB8AC3E}">
+        <p14:creationId xmlns:p14="http://schemas.microsoft.com/office/powerpoint/2010/main" val="3686702330"/>
+      </p:ext>
+    </p:extLst>
+  </p:cSld>
+  <p:clrMapOvr>
+    <a:masterClrMapping/>
+  </p:clrMapOvr>
+</p:sld>
+</file>
+
+<file path=ppt/slides/slide13.xml><?xml version="1.0" encoding="utf-8"?>
+<p:sld xmlns:a="http://schemas.openxmlformats.org/drawingml/2006/main" xmlns:r="http://schemas.openxmlformats.org/officeDocument/2006/relationships" xmlns:p="http://schemas.openxmlformats.org/presentationml/2006/main">
+  <p:cSld>
+    <p:spTree>
+      <p:nvGrpSpPr>
+        <p:cNvPr id="1" name=""/>
+        <p:cNvGrpSpPr/>
+        <p:nvPr/>
+      </p:nvGrpSpPr>
+      <p:grpSpPr>
+        <a:xfrm>
+          <a:off x="0" y="0"/>
+          <a:ext cx="0" cy="0"/>
+          <a:chOff x="0" y="0"/>
+          <a:chExt cx="0" cy="0"/>
+        </a:xfrm>
+      </p:grpSpPr>
+      <p:sp>
+        <p:nvSpPr>
+          <p:cNvPr id="2" name="Title 1">
+            <a:extLst>
+              <a:ext uri="{FF2B5EF4-FFF2-40B4-BE49-F238E27FC236}">
+                <a16:creationId xmlns:a16="http://schemas.microsoft.com/office/drawing/2014/main" id="{40C455E0-9D82-505C-54B2-0F4A8E0FE2D7}"/>
+              </a:ext>
+            </a:extLst>
+          </p:cNvPr>
+          <p:cNvSpPr>
+            <a:spLocks noGrp="1"/>
+          </p:cNvSpPr>
+          <p:nvPr>
+            <p:ph type="title"/>
+          </p:nvPr>
+        </p:nvSpPr>
+        <p:spPr/>
+        <p:txBody>
+          <a:bodyPr/>
+          <a:lstStyle/>
+          <a:p>
+            <a:r>
+              <a:rPr lang="en-US" dirty="0"/>
+              <a:t>Cluster-only Ephemeral State Transition</a:t>
+            </a:r>
+          </a:p>
+        </p:txBody>
+      </p:sp>
+      <p:sp>
+        <p:nvSpPr>
+          <p:cNvPr id="3" name="Content Placeholder 2">
+            <a:extLst>
+              <a:ext uri="{FF2B5EF4-FFF2-40B4-BE49-F238E27FC236}">
+                <a16:creationId xmlns:a16="http://schemas.microsoft.com/office/drawing/2014/main" id="{0B4C2BE6-77FA-F30B-2B6B-0E20B95797EA}"/>
+              </a:ext>
+            </a:extLst>
+          </p:cNvPr>
+          <p:cNvSpPr>
+            <a:spLocks noGrp="1"/>
+          </p:cNvSpPr>
+          <p:nvPr>
+            <p:ph idx="1"/>
+          </p:nvPr>
+        </p:nvSpPr>
+        <p:spPr/>
+        <p:txBody>
+          <a:bodyPr/>
+          <a:lstStyle/>
+          <a:p>
+            <a:r>
+              <a:rPr lang="en-US" dirty="0"/>
+              <a:t>Once green nodes join cluster any request for </a:t>
+            </a:r>
+            <a:r>
+              <a:rPr lang="en-US" dirty="0" err="1"/>
+              <a:t>ILease</a:t>
+            </a:r>
+            <a:r>
+              <a:rPr lang="en-US" dirty="0"/>
+              <a:t>(V2, Key) will cause re-activation on green nodes</a:t>
+            </a:r>
+          </a:p>
+        </p:txBody>
+      </p:sp>
+      <p:sp>
+        <p:nvSpPr>
+          <p:cNvPr id="4" name="Rectangle 3">
+            <a:extLst>
+              <a:ext uri="{FF2B5EF4-FFF2-40B4-BE49-F238E27FC236}">
+                <a16:creationId xmlns:a16="http://schemas.microsoft.com/office/drawing/2014/main" id="{C4B67C25-8DBD-B025-FEE2-DEFB7278FA77}"/>
+              </a:ext>
+            </a:extLst>
+          </p:cNvPr>
+          <p:cNvSpPr/>
+          <p:nvPr/>
+        </p:nvSpPr>
+        <p:spPr>
+          <a:xfrm>
+            <a:off x="6223746" y="4093726"/>
+            <a:ext cx="4905936" cy="1995592"/>
+          </a:xfrm>
+          <a:prstGeom prst="rect">
+            <a:avLst/>
+          </a:prstGeom>
+        </p:spPr>
+        <p:style>
+          <a:lnRef idx="1">
+            <a:schemeClr val="accent4"/>
+          </a:lnRef>
+          <a:fillRef idx="2">
+            <a:schemeClr val="accent4"/>
+          </a:fillRef>
+          <a:effectRef idx="1">
+            <a:schemeClr val="accent4"/>
+          </a:effectRef>
+          <a:fontRef idx="minor">
+            <a:schemeClr val="dk1"/>
+          </a:fontRef>
+        </p:style>
+        <p:txBody>
+          <a:bodyPr rtlCol="0" anchor="b"/>
+          <a:lstStyle/>
+          <a:p>
+            <a:r>
+              <a:rPr lang="en-US" dirty="0"/>
+              <a:t>New VMSS</a:t>
+            </a:r>
+            <a:endParaRPr lang="en-CA" dirty="0"/>
+          </a:p>
+        </p:txBody>
+      </p:sp>
+      <p:sp>
+        <p:nvSpPr>
+          <p:cNvPr id="5" name="Rectangle 4">
+            <a:extLst>
+              <a:ext uri="{FF2B5EF4-FFF2-40B4-BE49-F238E27FC236}">
+                <a16:creationId xmlns:a16="http://schemas.microsoft.com/office/drawing/2014/main" id="{65034DF5-F9A2-5ED4-EA69-A034C682FDA1}"/>
+              </a:ext>
+            </a:extLst>
+          </p:cNvPr>
+          <p:cNvSpPr/>
+          <p:nvPr/>
+        </p:nvSpPr>
+        <p:spPr>
+          <a:xfrm>
+            <a:off x="838200" y="4093726"/>
+            <a:ext cx="4905936" cy="1995592"/>
+          </a:xfrm>
+          <a:prstGeom prst="rect">
+            <a:avLst/>
+          </a:prstGeom>
+        </p:spPr>
+        <p:style>
+          <a:lnRef idx="1">
+            <a:schemeClr val="accent4"/>
+          </a:lnRef>
+          <a:fillRef idx="2">
+            <a:schemeClr val="accent4"/>
+          </a:fillRef>
+          <a:effectRef idx="1">
+            <a:schemeClr val="accent4"/>
+          </a:effectRef>
+          <a:fontRef idx="minor">
+            <a:schemeClr val="dk1"/>
+          </a:fontRef>
+        </p:style>
+        <p:txBody>
+          <a:bodyPr rtlCol="0" anchor="b"/>
+          <a:lstStyle/>
+          <a:p>
+            <a:r>
+              <a:rPr lang="en-US" dirty="0"/>
+              <a:t>VMSS</a:t>
+            </a:r>
+            <a:endParaRPr lang="en-CA" dirty="0"/>
+          </a:p>
+        </p:txBody>
+      </p:sp>
+      <p:sp>
+        <p:nvSpPr>
+          <p:cNvPr id="6" name="Rectangle 5">
+            <a:extLst>
+              <a:ext uri="{FF2B5EF4-FFF2-40B4-BE49-F238E27FC236}">
+                <a16:creationId xmlns:a16="http://schemas.microsoft.com/office/drawing/2014/main" id="{1CDFC3B5-E7BD-230C-778F-DD58DCECC3EE}"/>
+              </a:ext>
+            </a:extLst>
+          </p:cNvPr>
+          <p:cNvSpPr/>
+          <p:nvPr/>
+        </p:nvSpPr>
+        <p:spPr>
+          <a:xfrm>
+            <a:off x="1062318" y="4427310"/>
+            <a:ext cx="9843246" cy="1325563"/>
+          </a:xfrm>
+          <a:prstGeom prst="rect">
+            <a:avLst/>
+          </a:prstGeom>
+        </p:spPr>
+        <p:style>
+          <a:lnRef idx="1">
+            <a:schemeClr val="accent3"/>
+          </a:lnRef>
+          <a:fillRef idx="2">
+            <a:schemeClr val="accent3"/>
+          </a:fillRef>
+          <a:effectRef idx="1">
+            <a:schemeClr val="accent3"/>
+          </a:effectRef>
+          <a:fontRef idx="minor">
+            <a:schemeClr val="dk1"/>
+          </a:fontRef>
+        </p:style>
+        <p:txBody>
+          <a:bodyPr rtlCol="0" anchor="b"/>
+          <a:lstStyle/>
+          <a:p>
+            <a:r>
+              <a:rPr lang="en-US" dirty="0"/>
+              <a:t>Heterogenous Cluster</a:t>
+            </a:r>
+            <a:endParaRPr lang="en-CA" dirty="0"/>
+          </a:p>
+        </p:txBody>
+      </p:sp>
+      <p:sp>
+        <p:nvSpPr>
+          <p:cNvPr id="7" name="Rectangle 6">
+            <a:extLst>
+              <a:ext uri="{FF2B5EF4-FFF2-40B4-BE49-F238E27FC236}">
+                <a16:creationId xmlns:a16="http://schemas.microsoft.com/office/drawing/2014/main" id="{2A570C64-11B6-C810-4524-8169645EE152}"/>
+              </a:ext>
+            </a:extLst>
+          </p:cNvPr>
+          <p:cNvSpPr/>
+          <p:nvPr/>
+        </p:nvSpPr>
+        <p:spPr>
+          <a:xfrm>
+            <a:off x="838200" y="2988475"/>
+            <a:ext cx="4905936" cy="907945"/>
+          </a:xfrm>
+          <a:prstGeom prst="rect">
+            <a:avLst/>
+          </a:prstGeom>
+        </p:spPr>
+        <p:style>
+          <a:lnRef idx="1">
+            <a:schemeClr val="accent4"/>
+          </a:lnRef>
+          <a:fillRef idx="2">
+            <a:schemeClr val="accent4"/>
+          </a:fillRef>
+          <a:effectRef idx="1">
+            <a:schemeClr val="accent4"/>
+          </a:effectRef>
+          <a:fontRef idx="minor">
+            <a:schemeClr val="dk1"/>
+          </a:fontRef>
+        </p:style>
+        <p:txBody>
+          <a:bodyPr rtlCol="0" anchor="b"/>
+          <a:lstStyle/>
+          <a:p>
+            <a:r>
+              <a:rPr lang="en-US" dirty="0"/>
+              <a:t>Front End (ACA)</a:t>
+            </a:r>
+            <a:endParaRPr lang="en-CA" dirty="0"/>
+          </a:p>
+        </p:txBody>
+      </p:sp>
+      <p:sp>
+        <p:nvSpPr>
+          <p:cNvPr id="8" name="Rectangle 7">
+            <a:extLst>
+              <a:ext uri="{FF2B5EF4-FFF2-40B4-BE49-F238E27FC236}">
+                <a16:creationId xmlns:a16="http://schemas.microsoft.com/office/drawing/2014/main" id="{E1426990-3685-016E-3FAA-3E55815C6009}"/>
+              </a:ext>
+            </a:extLst>
+          </p:cNvPr>
+          <p:cNvSpPr/>
+          <p:nvPr/>
+        </p:nvSpPr>
+        <p:spPr>
+          <a:xfrm>
+            <a:off x="1062318" y="3117519"/>
+            <a:ext cx="4417360" cy="410135"/>
+          </a:xfrm>
+          <a:prstGeom prst="rect">
+            <a:avLst/>
+          </a:prstGeom>
+        </p:spPr>
+        <p:style>
+          <a:lnRef idx="1">
+            <a:schemeClr val="accent5"/>
+          </a:lnRef>
+          <a:fillRef idx="2">
+            <a:schemeClr val="accent5"/>
+          </a:fillRef>
+          <a:effectRef idx="1">
+            <a:schemeClr val="accent5"/>
+          </a:effectRef>
+          <a:fontRef idx="minor">
+            <a:schemeClr val="dk1"/>
+          </a:fontRef>
+        </p:style>
+        <p:txBody>
+          <a:bodyPr rtlCol="0" anchor="ctr"/>
+          <a:lstStyle/>
+          <a:p>
+            <a:pPr algn="ctr"/>
+            <a:r>
+              <a:rPr lang="en-US" dirty="0"/>
+              <a:t>Blue Clients</a:t>
+            </a:r>
+            <a:endParaRPr lang="en-CA" dirty="0"/>
+          </a:p>
+        </p:txBody>
+      </p:sp>
+      <p:sp>
+        <p:nvSpPr>
+          <p:cNvPr id="9" name="Rectangle 8">
+            <a:extLst>
+              <a:ext uri="{FF2B5EF4-FFF2-40B4-BE49-F238E27FC236}">
+                <a16:creationId xmlns:a16="http://schemas.microsoft.com/office/drawing/2014/main" id="{8F7E3255-EE7E-E18E-F13A-0C13C4C27D8B}"/>
+              </a:ext>
+            </a:extLst>
+          </p:cNvPr>
+          <p:cNvSpPr/>
+          <p:nvPr/>
+        </p:nvSpPr>
+        <p:spPr>
+          <a:xfrm>
+            <a:off x="1286436" y="4679956"/>
+            <a:ext cx="3973607" cy="703392"/>
+          </a:xfrm>
+          <a:prstGeom prst="rect">
+            <a:avLst/>
+          </a:prstGeom>
+        </p:spPr>
+        <p:style>
+          <a:lnRef idx="1">
+            <a:schemeClr val="accent5"/>
+          </a:lnRef>
+          <a:fillRef idx="2">
+            <a:schemeClr val="accent5"/>
+          </a:fillRef>
+          <a:effectRef idx="1">
+            <a:schemeClr val="accent5"/>
+          </a:effectRef>
+          <a:fontRef idx="minor">
+            <a:schemeClr val="dk1"/>
+          </a:fontRef>
+        </p:style>
+        <p:txBody>
+          <a:bodyPr rtlCol="0" anchor="ctr"/>
+          <a:lstStyle/>
+          <a:p>
+            <a:pPr algn="ctr"/>
+            <a:r>
+              <a:rPr lang="en-US" dirty="0"/>
+              <a:t>Blue Nodes</a:t>
+            </a:r>
+            <a:endParaRPr lang="en-CA" dirty="0"/>
+          </a:p>
+        </p:txBody>
+      </p:sp>
+      <p:sp>
+        <p:nvSpPr>
+          <p:cNvPr id="10" name="Rectangle 9">
+            <a:extLst>
+              <a:ext uri="{FF2B5EF4-FFF2-40B4-BE49-F238E27FC236}">
+                <a16:creationId xmlns:a16="http://schemas.microsoft.com/office/drawing/2014/main" id="{C6023FDE-BDC2-1C3C-0944-9498F407E482}"/>
+              </a:ext>
+            </a:extLst>
+          </p:cNvPr>
+          <p:cNvSpPr/>
+          <p:nvPr/>
+        </p:nvSpPr>
+        <p:spPr>
+          <a:xfrm>
+            <a:off x="6671982" y="4679956"/>
+            <a:ext cx="3973607" cy="703392"/>
+          </a:xfrm>
+          <a:prstGeom prst="rect">
+            <a:avLst/>
+          </a:prstGeom>
+        </p:spPr>
+        <p:style>
+          <a:lnRef idx="1">
+            <a:schemeClr val="accent6"/>
+          </a:lnRef>
+          <a:fillRef idx="2">
+            <a:schemeClr val="accent6"/>
+          </a:fillRef>
+          <a:effectRef idx="1">
+            <a:schemeClr val="accent6"/>
+          </a:effectRef>
+          <a:fontRef idx="minor">
+            <a:schemeClr val="dk1"/>
+          </a:fontRef>
+        </p:style>
+        <p:txBody>
+          <a:bodyPr rtlCol="0" anchor="ctr"/>
+          <a:lstStyle/>
+          <a:p>
+            <a:pPr algn="ctr"/>
+            <a:r>
+              <a:rPr lang="en-US" dirty="0"/>
+              <a:t>Green Nodes</a:t>
+            </a:r>
+            <a:endParaRPr lang="en-CA" dirty="0"/>
+          </a:p>
+        </p:txBody>
+      </p:sp>
+      <p:sp>
+        <p:nvSpPr>
+          <p:cNvPr id="12" name="Rectangle 11">
+            <a:extLst>
+              <a:ext uri="{FF2B5EF4-FFF2-40B4-BE49-F238E27FC236}">
+                <a16:creationId xmlns:a16="http://schemas.microsoft.com/office/drawing/2014/main" id="{2A65F9B1-7A7C-4076-E0A5-7A8F8285012B}"/>
+              </a:ext>
+            </a:extLst>
+          </p:cNvPr>
+          <p:cNvSpPr/>
+          <p:nvPr/>
+        </p:nvSpPr>
+        <p:spPr>
+          <a:xfrm>
+            <a:off x="6223746" y="2986153"/>
+            <a:ext cx="4905936" cy="907945"/>
+          </a:xfrm>
+          <a:prstGeom prst="rect">
+            <a:avLst/>
+          </a:prstGeom>
+        </p:spPr>
+        <p:style>
+          <a:lnRef idx="1">
+            <a:schemeClr val="accent4"/>
+          </a:lnRef>
+          <a:fillRef idx="2">
+            <a:schemeClr val="accent4"/>
+          </a:fillRef>
+          <a:effectRef idx="1">
+            <a:schemeClr val="accent4"/>
+          </a:effectRef>
+          <a:fontRef idx="minor">
+            <a:schemeClr val="dk1"/>
+          </a:fontRef>
+        </p:style>
+        <p:txBody>
+          <a:bodyPr rtlCol="0" anchor="b"/>
+          <a:lstStyle/>
+          <a:p>
+            <a:r>
+              <a:rPr lang="en-US" dirty="0"/>
+              <a:t>New Front End (ACA)</a:t>
+            </a:r>
+            <a:endParaRPr lang="en-CA" dirty="0"/>
+          </a:p>
+        </p:txBody>
+      </p:sp>
+      <p:sp>
+        <p:nvSpPr>
+          <p:cNvPr id="13" name="Rectangle 12">
+            <a:extLst>
+              <a:ext uri="{FF2B5EF4-FFF2-40B4-BE49-F238E27FC236}">
+                <a16:creationId xmlns:a16="http://schemas.microsoft.com/office/drawing/2014/main" id="{869D5D7B-F563-D628-6820-E391FD85D882}"/>
+              </a:ext>
+            </a:extLst>
+          </p:cNvPr>
+          <p:cNvSpPr/>
+          <p:nvPr/>
+        </p:nvSpPr>
+        <p:spPr>
+          <a:xfrm>
+            <a:off x="6447864" y="3115197"/>
+            <a:ext cx="4417360" cy="410135"/>
+          </a:xfrm>
+          <a:prstGeom prst="rect">
+            <a:avLst/>
+          </a:prstGeom>
+        </p:spPr>
+        <p:style>
+          <a:lnRef idx="1">
+            <a:schemeClr val="accent6"/>
+          </a:lnRef>
+          <a:fillRef idx="2">
+            <a:schemeClr val="accent6"/>
+          </a:fillRef>
+          <a:effectRef idx="1">
+            <a:schemeClr val="accent6"/>
+          </a:effectRef>
+          <a:fontRef idx="minor">
+            <a:schemeClr val="dk1"/>
+          </a:fontRef>
+        </p:style>
+        <p:txBody>
+          <a:bodyPr rtlCol="0" anchor="ctr"/>
+          <a:lstStyle/>
+          <a:p>
+            <a:pPr algn="ctr"/>
+            <a:r>
+              <a:rPr lang="en-US" dirty="0"/>
+              <a:t>Green Clients</a:t>
+            </a:r>
+            <a:endParaRPr lang="en-CA" dirty="0"/>
+          </a:p>
+        </p:txBody>
+      </p:sp>
+      <p:sp>
+        <p:nvSpPr>
+          <p:cNvPr id="15" name="Rectangle 14">
+            <a:extLst>
+              <a:ext uri="{FF2B5EF4-FFF2-40B4-BE49-F238E27FC236}">
+                <a16:creationId xmlns:a16="http://schemas.microsoft.com/office/drawing/2014/main" id="{392978DE-8AFB-3E44-9640-1CCD1B71537B}"/>
+              </a:ext>
+            </a:extLst>
+          </p:cNvPr>
+          <p:cNvSpPr/>
+          <p:nvPr/>
+        </p:nvSpPr>
+        <p:spPr>
+          <a:xfrm>
+            <a:off x="3958388" y="4854642"/>
+            <a:ext cx="1143002" cy="344972"/>
+          </a:xfrm>
+          <a:prstGeom prst="rect">
+            <a:avLst/>
+          </a:prstGeom>
+        </p:spPr>
+        <p:style>
+          <a:lnRef idx="1">
+            <a:schemeClr val="accent2"/>
+          </a:lnRef>
+          <a:fillRef idx="2">
+            <a:schemeClr val="accent2"/>
+          </a:fillRef>
+          <a:effectRef idx="1">
+            <a:schemeClr val="accent2"/>
+          </a:effectRef>
+          <a:fontRef idx="minor">
+            <a:schemeClr val="dk1"/>
+          </a:fontRef>
+        </p:style>
+        <p:txBody>
+          <a:bodyPr rtlCol="0" anchor="ctr"/>
+          <a:lstStyle/>
+          <a:p>
+            <a:pPr algn="ctr"/>
+            <a:r>
+              <a:rPr lang="en-US" sz="1000" dirty="0" err="1"/>
+              <a:t>ILease</a:t>
+            </a:r>
+            <a:endParaRPr lang="en-US" sz="1000" dirty="0"/>
+          </a:p>
+          <a:p>
+            <a:pPr algn="ctr"/>
+            <a:r>
+              <a:rPr lang="en-US" sz="1000" dirty="0"/>
+              <a:t>(V1, Key)</a:t>
+            </a:r>
+          </a:p>
+        </p:txBody>
+      </p:sp>
+      <p:sp>
+        <p:nvSpPr>
+          <p:cNvPr id="16" name="Rectangle 15">
+            <a:extLst>
+              <a:ext uri="{FF2B5EF4-FFF2-40B4-BE49-F238E27FC236}">
+                <a16:creationId xmlns:a16="http://schemas.microsoft.com/office/drawing/2014/main" id="{C8743DCE-D9E3-EB09-1FDD-E8049CCAB234}"/>
+              </a:ext>
+            </a:extLst>
+          </p:cNvPr>
+          <p:cNvSpPr/>
+          <p:nvPr/>
+        </p:nvSpPr>
+        <p:spPr>
+          <a:xfrm>
+            <a:off x="9345113" y="4854642"/>
+            <a:ext cx="1143002" cy="344972"/>
+          </a:xfrm>
+          <a:prstGeom prst="rect">
+            <a:avLst/>
+          </a:prstGeom>
+          <a:ln>
+            <a:prstDash val="dash"/>
+          </a:ln>
+        </p:spPr>
+        <p:style>
+          <a:lnRef idx="1">
+            <a:schemeClr val="accent3"/>
+          </a:lnRef>
+          <a:fillRef idx="2">
+            <a:schemeClr val="accent3"/>
+          </a:fillRef>
+          <a:effectRef idx="1">
+            <a:schemeClr val="accent3"/>
+          </a:effectRef>
+          <a:fontRef idx="minor">
+            <a:schemeClr val="dk1"/>
+          </a:fontRef>
+        </p:style>
+        <p:txBody>
+          <a:bodyPr rtlCol="0" anchor="ctr"/>
+          <a:lstStyle/>
+          <a:p>
+            <a:pPr algn="ctr"/>
+            <a:r>
+              <a:rPr lang="en-US" sz="1000" dirty="0" err="1"/>
+              <a:t>ILease</a:t>
+            </a:r>
+            <a:endParaRPr lang="en-US" sz="1000" dirty="0"/>
+          </a:p>
+          <a:p>
+            <a:pPr algn="ctr"/>
+            <a:r>
+              <a:rPr lang="en-US" sz="1000" dirty="0"/>
+              <a:t>(V2, Key)</a:t>
+            </a:r>
+          </a:p>
+        </p:txBody>
+      </p:sp>
+      <p:cxnSp>
+        <p:nvCxnSpPr>
+          <p:cNvPr id="18" name="Connector: Curved 17">
+            <a:extLst>
+              <a:ext uri="{FF2B5EF4-FFF2-40B4-BE49-F238E27FC236}">
+                <a16:creationId xmlns:a16="http://schemas.microsoft.com/office/drawing/2014/main" id="{82CB2AD6-16A5-F6F4-CD82-27BF9FFABE77}"/>
+              </a:ext>
+            </a:extLst>
+          </p:cNvPr>
+          <p:cNvCxnSpPr>
+            <a:cxnSpLocks/>
+            <a:stCxn id="15" idx="2"/>
+            <a:endCxn id="16" idx="2"/>
+          </p:cNvCxnSpPr>
+          <p:nvPr/>
+        </p:nvCxnSpPr>
+        <p:spPr>
+          <a:xfrm rot="16200000" flipH="1">
+            <a:off x="7223251" y="2506251"/>
+            <a:ext cx="12700" cy="5386725"/>
+          </a:xfrm>
+          <a:prstGeom prst="curvedConnector3">
+            <a:avLst>
+              <a:gd name="adj1" fmla="val 3552630"/>
+            </a:avLst>
+          </a:prstGeom>
+          <a:ln w="28575">
+            <a:solidFill>
+              <a:schemeClr val="accent4">
+                <a:lumMod val="75000"/>
+              </a:schemeClr>
+            </a:solidFill>
+            <a:prstDash val="dash"/>
+            <a:tailEnd type="triangle"/>
+          </a:ln>
+        </p:spPr>
+        <p:style>
+          <a:lnRef idx="1">
+            <a:schemeClr val="accent1"/>
+          </a:lnRef>
+          <a:fillRef idx="0">
+            <a:schemeClr val="accent1"/>
+          </a:fillRef>
+          <a:effectRef idx="0">
+            <a:schemeClr val="accent1"/>
+          </a:effectRef>
+          <a:fontRef idx="minor">
+            <a:schemeClr val="tx1"/>
+          </a:fontRef>
+        </p:style>
+      </p:cxnSp>
+      <p:sp>
+        <p:nvSpPr>
+          <p:cNvPr id="24" name="Rectangle 23">
+            <a:extLst>
+              <a:ext uri="{FF2B5EF4-FFF2-40B4-BE49-F238E27FC236}">
+                <a16:creationId xmlns:a16="http://schemas.microsoft.com/office/drawing/2014/main" id="{9EB717C9-1701-19A9-644A-D2E20AFC80F6}"/>
+              </a:ext>
+            </a:extLst>
+          </p:cNvPr>
+          <p:cNvSpPr/>
+          <p:nvPr/>
+        </p:nvSpPr>
+        <p:spPr>
+          <a:xfrm>
+            <a:off x="8071103" y="5635994"/>
+            <a:ext cx="2946519" cy="621546"/>
+          </a:xfrm>
+          <a:prstGeom prst="rect">
+            <a:avLst/>
+          </a:prstGeom>
+        </p:spPr>
+        <p:style>
+          <a:lnRef idx="1">
+            <a:schemeClr val="accent2"/>
+          </a:lnRef>
+          <a:fillRef idx="2">
+            <a:schemeClr val="accent2"/>
+          </a:fillRef>
+          <a:effectRef idx="1">
+            <a:schemeClr val="accent2"/>
+          </a:effectRef>
+          <a:fontRef idx="minor">
+            <a:schemeClr val="dk1"/>
+          </a:fontRef>
+        </p:style>
+        <p:txBody>
+          <a:bodyPr rtlCol="0" anchor="ctr"/>
+          <a:lstStyle/>
+          <a:p>
+            <a:pPr algn="ctr"/>
+            <a:r>
+              <a:rPr lang="en-US" sz="1400" dirty="0"/>
+              <a:t>First request to green node for V2 results in deactivation of V1 and activation of V2</a:t>
+            </a:r>
+          </a:p>
+        </p:txBody>
+      </p:sp>
+    </p:spTree>
+    <p:extLst>
+      <p:ext uri="{BB962C8B-B14F-4D97-AF65-F5344CB8AC3E}">
+        <p14:creationId xmlns:p14="http://schemas.microsoft.com/office/powerpoint/2010/main" val="3533167206"/>
+      </p:ext>
+    </p:extLst>
+  </p:cSld>
+  <p:clrMapOvr>
+    <a:masterClrMapping/>
+  </p:clrMapOvr>
+</p:sld>
+</file>
+
+<file path=ppt/slides/slide14.xml><?xml version="1.0" encoding="utf-8"?>
+<p:sld xmlns:a="http://schemas.openxmlformats.org/drawingml/2006/main" xmlns:r="http://schemas.openxmlformats.org/officeDocument/2006/relationships" xmlns:p="http://schemas.openxmlformats.org/presentationml/2006/main">
+  <p:cSld>
+    <p:spTree>
+      <p:nvGrpSpPr>
+        <p:cNvPr id="1" name=""/>
+        <p:cNvGrpSpPr/>
+        <p:nvPr/>
+      </p:nvGrpSpPr>
+      <p:grpSpPr>
+        <a:xfrm>
+          <a:off x="0" y="0"/>
+          <a:ext cx="0" cy="0"/>
+          <a:chOff x="0" y="0"/>
+          <a:chExt cx="0" cy="0"/>
+        </a:xfrm>
+      </p:grpSpPr>
+      <p:sp>
+        <p:nvSpPr>
+          <p:cNvPr id="2" name="Title 1">
+            <a:extLst>
+              <a:ext uri="{FF2B5EF4-FFF2-40B4-BE49-F238E27FC236}">
+                <a16:creationId xmlns:a16="http://schemas.microsoft.com/office/drawing/2014/main" id="{40C455E0-9D82-505C-54B2-0F4A8E0FE2D7}"/>
+              </a:ext>
+            </a:extLst>
+          </p:cNvPr>
+          <p:cNvSpPr>
+            <a:spLocks noGrp="1"/>
+          </p:cNvSpPr>
+          <p:nvPr>
+            <p:ph type="title"/>
+          </p:nvPr>
+        </p:nvSpPr>
+        <p:spPr/>
+        <p:txBody>
+          <a:bodyPr/>
+          <a:lstStyle/>
+          <a:p>
+            <a:r>
+              <a:rPr lang="en-US" dirty="0"/>
+              <a:t>Cluster-only Ephemeral State Transition</a:t>
+            </a:r>
+          </a:p>
+        </p:txBody>
+      </p:sp>
+      <p:sp>
+        <p:nvSpPr>
+          <p:cNvPr id="3" name="Content Placeholder 2">
+            <a:extLst>
+              <a:ext uri="{FF2B5EF4-FFF2-40B4-BE49-F238E27FC236}">
+                <a16:creationId xmlns:a16="http://schemas.microsoft.com/office/drawing/2014/main" id="{0B4C2BE6-77FA-F30B-2B6B-0E20B95797EA}"/>
+              </a:ext>
+            </a:extLst>
+          </p:cNvPr>
+          <p:cNvSpPr>
+            <a:spLocks noGrp="1"/>
+          </p:cNvSpPr>
+          <p:nvPr>
+            <p:ph idx="1"/>
+          </p:nvPr>
+        </p:nvSpPr>
+        <p:spPr/>
+        <p:txBody>
+          <a:bodyPr/>
+          <a:lstStyle/>
+          <a:p>
+            <a:r>
+              <a:rPr lang="en-US" dirty="0"/>
+              <a:t>Solution: Use deactivation reason to create a memento grain</a:t>
+            </a:r>
+          </a:p>
+          <a:p>
+            <a:r>
+              <a:rPr lang="en-US" dirty="0"/>
+              <a:t>Assumption: </a:t>
+            </a:r>
+            <a:r>
+              <a:rPr lang="en-US" dirty="0" err="1"/>
+              <a:t>IMemento</a:t>
+            </a:r>
+            <a:r>
+              <a:rPr lang="en-US" dirty="0"/>
+              <a:t> is also versioned so it activates on green</a:t>
+            </a:r>
+          </a:p>
+        </p:txBody>
+      </p:sp>
+      <p:sp>
+        <p:nvSpPr>
+          <p:cNvPr id="4" name="Rectangle 3">
+            <a:extLst>
+              <a:ext uri="{FF2B5EF4-FFF2-40B4-BE49-F238E27FC236}">
+                <a16:creationId xmlns:a16="http://schemas.microsoft.com/office/drawing/2014/main" id="{C4B67C25-8DBD-B025-FEE2-DEFB7278FA77}"/>
+              </a:ext>
+            </a:extLst>
+          </p:cNvPr>
+          <p:cNvSpPr/>
+          <p:nvPr/>
+        </p:nvSpPr>
+        <p:spPr>
+          <a:xfrm>
+            <a:off x="6223746" y="4093726"/>
+            <a:ext cx="4905936" cy="1995592"/>
+          </a:xfrm>
+          <a:prstGeom prst="rect">
+            <a:avLst/>
+          </a:prstGeom>
+        </p:spPr>
+        <p:style>
+          <a:lnRef idx="1">
+            <a:schemeClr val="accent4"/>
+          </a:lnRef>
+          <a:fillRef idx="2">
+            <a:schemeClr val="accent4"/>
+          </a:fillRef>
+          <a:effectRef idx="1">
+            <a:schemeClr val="accent4"/>
+          </a:effectRef>
+          <a:fontRef idx="minor">
+            <a:schemeClr val="dk1"/>
+          </a:fontRef>
+        </p:style>
+        <p:txBody>
+          <a:bodyPr rtlCol="0" anchor="b"/>
+          <a:lstStyle/>
+          <a:p>
+            <a:r>
+              <a:rPr lang="en-US" dirty="0"/>
+              <a:t>New VMSS</a:t>
+            </a:r>
+            <a:endParaRPr lang="en-CA" dirty="0"/>
+          </a:p>
+        </p:txBody>
+      </p:sp>
+      <p:sp>
+        <p:nvSpPr>
+          <p:cNvPr id="5" name="Rectangle 4">
+            <a:extLst>
+              <a:ext uri="{FF2B5EF4-FFF2-40B4-BE49-F238E27FC236}">
+                <a16:creationId xmlns:a16="http://schemas.microsoft.com/office/drawing/2014/main" id="{65034DF5-F9A2-5ED4-EA69-A034C682FDA1}"/>
+              </a:ext>
+            </a:extLst>
+          </p:cNvPr>
+          <p:cNvSpPr/>
+          <p:nvPr/>
+        </p:nvSpPr>
+        <p:spPr>
+          <a:xfrm>
+            <a:off x="838200" y="4093726"/>
+            <a:ext cx="4905936" cy="1995592"/>
+          </a:xfrm>
+          <a:prstGeom prst="rect">
+            <a:avLst/>
+          </a:prstGeom>
+        </p:spPr>
+        <p:style>
+          <a:lnRef idx="1">
+            <a:schemeClr val="accent4"/>
+          </a:lnRef>
+          <a:fillRef idx="2">
+            <a:schemeClr val="accent4"/>
+          </a:fillRef>
+          <a:effectRef idx="1">
+            <a:schemeClr val="accent4"/>
+          </a:effectRef>
+          <a:fontRef idx="minor">
+            <a:schemeClr val="dk1"/>
+          </a:fontRef>
+        </p:style>
+        <p:txBody>
+          <a:bodyPr rtlCol="0" anchor="b"/>
+          <a:lstStyle/>
+          <a:p>
+            <a:r>
+              <a:rPr lang="en-US" dirty="0"/>
+              <a:t>VMSS</a:t>
+            </a:r>
+            <a:endParaRPr lang="en-CA" dirty="0"/>
+          </a:p>
+        </p:txBody>
+      </p:sp>
+      <p:sp>
+        <p:nvSpPr>
+          <p:cNvPr id="6" name="Rectangle 5">
+            <a:extLst>
+              <a:ext uri="{FF2B5EF4-FFF2-40B4-BE49-F238E27FC236}">
+                <a16:creationId xmlns:a16="http://schemas.microsoft.com/office/drawing/2014/main" id="{1CDFC3B5-E7BD-230C-778F-DD58DCECC3EE}"/>
+              </a:ext>
+            </a:extLst>
+          </p:cNvPr>
+          <p:cNvSpPr/>
+          <p:nvPr/>
+        </p:nvSpPr>
+        <p:spPr>
+          <a:xfrm>
+            <a:off x="1062318" y="4427310"/>
+            <a:ext cx="9843246" cy="1325563"/>
+          </a:xfrm>
+          <a:prstGeom prst="rect">
+            <a:avLst/>
+          </a:prstGeom>
+        </p:spPr>
+        <p:style>
+          <a:lnRef idx="1">
+            <a:schemeClr val="accent3"/>
+          </a:lnRef>
+          <a:fillRef idx="2">
+            <a:schemeClr val="accent3"/>
+          </a:fillRef>
+          <a:effectRef idx="1">
+            <a:schemeClr val="accent3"/>
+          </a:effectRef>
+          <a:fontRef idx="minor">
+            <a:schemeClr val="dk1"/>
+          </a:fontRef>
+        </p:style>
+        <p:txBody>
+          <a:bodyPr rtlCol="0" anchor="b"/>
+          <a:lstStyle/>
+          <a:p>
+            <a:r>
+              <a:rPr lang="en-US" dirty="0"/>
+              <a:t>Heterogenous Cluster</a:t>
+            </a:r>
+            <a:endParaRPr lang="en-CA" dirty="0"/>
+          </a:p>
+        </p:txBody>
+      </p:sp>
+      <p:sp>
+        <p:nvSpPr>
+          <p:cNvPr id="7" name="Rectangle 6">
+            <a:extLst>
+              <a:ext uri="{FF2B5EF4-FFF2-40B4-BE49-F238E27FC236}">
+                <a16:creationId xmlns:a16="http://schemas.microsoft.com/office/drawing/2014/main" id="{2A570C64-11B6-C810-4524-8169645EE152}"/>
+              </a:ext>
+            </a:extLst>
+          </p:cNvPr>
+          <p:cNvSpPr/>
+          <p:nvPr/>
+        </p:nvSpPr>
+        <p:spPr>
+          <a:xfrm>
+            <a:off x="838200" y="2988475"/>
+            <a:ext cx="4905936" cy="907945"/>
+          </a:xfrm>
+          <a:prstGeom prst="rect">
+            <a:avLst/>
+          </a:prstGeom>
+        </p:spPr>
+        <p:style>
+          <a:lnRef idx="1">
+            <a:schemeClr val="accent4"/>
+          </a:lnRef>
+          <a:fillRef idx="2">
+            <a:schemeClr val="accent4"/>
+          </a:fillRef>
+          <a:effectRef idx="1">
+            <a:schemeClr val="accent4"/>
+          </a:effectRef>
+          <a:fontRef idx="minor">
+            <a:schemeClr val="dk1"/>
+          </a:fontRef>
+        </p:style>
+        <p:txBody>
+          <a:bodyPr rtlCol="0" anchor="b"/>
+          <a:lstStyle/>
+          <a:p>
+            <a:r>
+              <a:rPr lang="en-US" dirty="0"/>
+              <a:t>Front End (ACA)</a:t>
+            </a:r>
+            <a:endParaRPr lang="en-CA" dirty="0"/>
+          </a:p>
+        </p:txBody>
+      </p:sp>
+      <p:sp>
+        <p:nvSpPr>
+          <p:cNvPr id="8" name="Rectangle 7">
+            <a:extLst>
+              <a:ext uri="{FF2B5EF4-FFF2-40B4-BE49-F238E27FC236}">
+                <a16:creationId xmlns:a16="http://schemas.microsoft.com/office/drawing/2014/main" id="{E1426990-3685-016E-3FAA-3E55815C6009}"/>
+              </a:ext>
+            </a:extLst>
+          </p:cNvPr>
+          <p:cNvSpPr/>
+          <p:nvPr/>
+        </p:nvSpPr>
+        <p:spPr>
+          <a:xfrm>
+            <a:off x="1062318" y="3117519"/>
+            <a:ext cx="4417360" cy="410135"/>
+          </a:xfrm>
+          <a:prstGeom prst="rect">
+            <a:avLst/>
+          </a:prstGeom>
+        </p:spPr>
+        <p:style>
+          <a:lnRef idx="1">
+            <a:schemeClr val="accent5"/>
+          </a:lnRef>
+          <a:fillRef idx="2">
+            <a:schemeClr val="accent5"/>
+          </a:fillRef>
+          <a:effectRef idx="1">
+            <a:schemeClr val="accent5"/>
+          </a:effectRef>
+          <a:fontRef idx="minor">
+            <a:schemeClr val="dk1"/>
+          </a:fontRef>
+        </p:style>
+        <p:txBody>
+          <a:bodyPr rtlCol="0" anchor="ctr"/>
+          <a:lstStyle/>
+          <a:p>
+            <a:pPr algn="ctr"/>
+            <a:r>
+              <a:rPr lang="en-US" dirty="0"/>
+              <a:t>Blue Clients</a:t>
+            </a:r>
+            <a:endParaRPr lang="en-CA" dirty="0"/>
+          </a:p>
+        </p:txBody>
+      </p:sp>
+      <p:sp>
+        <p:nvSpPr>
+          <p:cNvPr id="9" name="Rectangle 8">
+            <a:extLst>
+              <a:ext uri="{FF2B5EF4-FFF2-40B4-BE49-F238E27FC236}">
+                <a16:creationId xmlns:a16="http://schemas.microsoft.com/office/drawing/2014/main" id="{8F7E3255-EE7E-E18E-F13A-0C13C4C27D8B}"/>
+              </a:ext>
+            </a:extLst>
+          </p:cNvPr>
+          <p:cNvSpPr/>
+          <p:nvPr/>
+        </p:nvSpPr>
+        <p:spPr>
+          <a:xfrm>
+            <a:off x="1286436" y="4679956"/>
+            <a:ext cx="3973607" cy="703392"/>
+          </a:xfrm>
+          <a:prstGeom prst="rect">
+            <a:avLst/>
+          </a:prstGeom>
+        </p:spPr>
+        <p:style>
+          <a:lnRef idx="1">
+            <a:schemeClr val="accent5"/>
+          </a:lnRef>
+          <a:fillRef idx="2">
+            <a:schemeClr val="accent5"/>
+          </a:fillRef>
+          <a:effectRef idx="1">
+            <a:schemeClr val="accent5"/>
+          </a:effectRef>
+          <a:fontRef idx="minor">
+            <a:schemeClr val="dk1"/>
+          </a:fontRef>
+        </p:style>
+        <p:txBody>
+          <a:bodyPr rtlCol="0" anchor="ctr"/>
+          <a:lstStyle/>
+          <a:p>
+            <a:pPr algn="ctr"/>
+            <a:r>
+              <a:rPr lang="en-US" dirty="0"/>
+              <a:t>Blue Nodes</a:t>
+            </a:r>
+            <a:endParaRPr lang="en-CA" dirty="0"/>
+          </a:p>
+        </p:txBody>
+      </p:sp>
+      <p:sp>
+        <p:nvSpPr>
+          <p:cNvPr id="10" name="Rectangle 9">
+            <a:extLst>
+              <a:ext uri="{FF2B5EF4-FFF2-40B4-BE49-F238E27FC236}">
+                <a16:creationId xmlns:a16="http://schemas.microsoft.com/office/drawing/2014/main" id="{C6023FDE-BDC2-1C3C-0944-9498F407E482}"/>
+              </a:ext>
+            </a:extLst>
+          </p:cNvPr>
+          <p:cNvSpPr/>
+          <p:nvPr/>
+        </p:nvSpPr>
+        <p:spPr>
+          <a:xfrm>
+            <a:off x="6671982" y="4679956"/>
+            <a:ext cx="3973607" cy="703392"/>
+          </a:xfrm>
+          <a:prstGeom prst="rect">
+            <a:avLst/>
+          </a:prstGeom>
+        </p:spPr>
+        <p:style>
+          <a:lnRef idx="1">
+            <a:schemeClr val="accent6"/>
+          </a:lnRef>
+          <a:fillRef idx="2">
+            <a:schemeClr val="accent6"/>
+          </a:fillRef>
+          <a:effectRef idx="1">
+            <a:schemeClr val="accent6"/>
+          </a:effectRef>
+          <a:fontRef idx="minor">
+            <a:schemeClr val="dk1"/>
+          </a:fontRef>
+        </p:style>
+        <p:txBody>
+          <a:bodyPr rtlCol="0" anchor="ctr"/>
+          <a:lstStyle/>
+          <a:p>
+            <a:pPr algn="ctr"/>
+            <a:r>
+              <a:rPr lang="en-US" dirty="0"/>
+              <a:t>Green Nodes</a:t>
+            </a:r>
+            <a:endParaRPr lang="en-CA" dirty="0"/>
+          </a:p>
+        </p:txBody>
+      </p:sp>
+      <p:sp>
+        <p:nvSpPr>
+          <p:cNvPr id="12" name="Rectangle 11">
+            <a:extLst>
+              <a:ext uri="{FF2B5EF4-FFF2-40B4-BE49-F238E27FC236}">
+                <a16:creationId xmlns:a16="http://schemas.microsoft.com/office/drawing/2014/main" id="{2A65F9B1-7A7C-4076-E0A5-7A8F8285012B}"/>
+              </a:ext>
+            </a:extLst>
+          </p:cNvPr>
+          <p:cNvSpPr/>
+          <p:nvPr/>
+        </p:nvSpPr>
+        <p:spPr>
+          <a:xfrm>
+            <a:off x="6223746" y="2986153"/>
+            <a:ext cx="4905936" cy="907945"/>
+          </a:xfrm>
+          <a:prstGeom prst="rect">
+            <a:avLst/>
+          </a:prstGeom>
+        </p:spPr>
+        <p:style>
+          <a:lnRef idx="1">
+            <a:schemeClr val="accent4"/>
+          </a:lnRef>
+          <a:fillRef idx="2">
+            <a:schemeClr val="accent4"/>
+          </a:fillRef>
+          <a:effectRef idx="1">
+            <a:schemeClr val="accent4"/>
+          </a:effectRef>
+          <a:fontRef idx="minor">
+            <a:schemeClr val="dk1"/>
+          </a:fontRef>
+        </p:style>
+        <p:txBody>
+          <a:bodyPr rtlCol="0" anchor="b"/>
+          <a:lstStyle/>
+          <a:p>
+            <a:r>
+              <a:rPr lang="en-US" dirty="0"/>
+              <a:t>New Front End (ACA)</a:t>
+            </a:r>
+            <a:endParaRPr lang="en-CA" dirty="0"/>
+          </a:p>
+        </p:txBody>
+      </p:sp>
+      <p:sp>
+        <p:nvSpPr>
+          <p:cNvPr id="13" name="Rectangle 12">
+            <a:extLst>
+              <a:ext uri="{FF2B5EF4-FFF2-40B4-BE49-F238E27FC236}">
+                <a16:creationId xmlns:a16="http://schemas.microsoft.com/office/drawing/2014/main" id="{869D5D7B-F563-D628-6820-E391FD85D882}"/>
+              </a:ext>
+            </a:extLst>
+          </p:cNvPr>
+          <p:cNvSpPr/>
+          <p:nvPr/>
+        </p:nvSpPr>
+        <p:spPr>
+          <a:xfrm>
+            <a:off x="6447864" y="3115197"/>
+            <a:ext cx="4417360" cy="410135"/>
+          </a:xfrm>
+          <a:prstGeom prst="rect">
+            <a:avLst/>
+          </a:prstGeom>
+        </p:spPr>
+        <p:style>
+          <a:lnRef idx="1">
+            <a:schemeClr val="accent6"/>
+          </a:lnRef>
+          <a:fillRef idx="2">
+            <a:schemeClr val="accent6"/>
+          </a:fillRef>
+          <a:effectRef idx="1">
+            <a:schemeClr val="accent6"/>
+          </a:effectRef>
+          <a:fontRef idx="minor">
+            <a:schemeClr val="dk1"/>
+          </a:fontRef>
+        </p:style>
+        <p:txBody>
+          <a:bodyPr rtlCol="0" anchor="ctr"/>
+          <a:lstStyle/>
+          <a:p>
+            <a:pPr algn="ctr"/>
+            <a:r>
+              <a:rPr lang="en-US" dirty="0"/>
+              <a:t>Green Clients</a:t>
+            </a:r>
+            <a:endParaRPr lang="en-CA" dirty="0"/>
+          </a:p>
+        </p:txBody>
+      </p:sp>
+      <p:sp>
+        <p:nvSpPr>
+          <p:cNvPr id="15" name="Rectangle 14">
+            <a:extLst>
+              <a:ext uri="{FF2B5EF4-FFF2-40B4-BE49-F238E27FC236}">
+                <a16:creationId xmlns:a16="http://schemas.microsoft.com/office/drawing/2014/main" id="{392978DE-8AFB-3E44-9640-1CCD1B71537B}"/>
+              </a:ext>
+            </a:extLst>
+          </p:cNvPr>
+          <p:cNvSpPr/>
+          <p:nvPr/>
+        </p:nvSpPr>
+        <p:spPr>
+          <a:xfrm>
+            <a:off x="3958388" y="4854642"/>
+            <a:ext cx="1143002" cy="344972"/>
+          </a:xfrm>
+          <a:prstGeom prst="rect">
+            <a:avLst/>
+          </a:prstGeom>
+        </p:spPr>
+        <p:style>
+          <a:lnRef idx="1">
+            <a:schemeClr val="accent2"/>
+          </a:lnRef>
+          <a:fillRef idx="2">
+            <a:schemeClr val="accent2"/>
+          </a:fillRef>
+          <a:effectRef idx="1">
+            <a:schemeClr val="accent2"/>
+          </a:effectRef>
+          <a:fontRef idx="minor">
+            <a:schemeClr val="dk1"/>
+          </a:fontRef>
+        </p:style>
+        <p:txBody>
+          <a:bodyPr rtlCol="0" anchor="ctr"/>
+          <a:lstStyle/>
+          <a:p>
+            <a:pPr algn="ctr"/>
+            <a:r>
+              <a:rPr lang="en-US" sz="1000" dirty="0" err="1"/>
+              <a:t>ILease</a:t>
+            </a:r>
+            <a:endParaRPr lang="en-US" sz="1000" dirty="0"/>
+          </a:p>
+          <a:p>
+            <a:pPr algn="ctr"/>
+            <a:r>
+              <a:rPr lang="en-US" sz="1000" dirty="0"/>
+              <a:t>(V1, Key)</a:t>
+            </a:r>
+          </a:p>
+        </p:txBody>
+      </p:sp>
+      <p:sp>
+        <p:nvSpPr>
+          <p:cNvPr id="16" name="Rectangle 15">
+            <a:extLst>
+              <a:ext uri="{FF2B5EF4-FFF2-40B4-BE49-F238E27FC236}">
+                <a16:creationId xmlns:a16="http://schemas.microsoft.com/office/drawing/2014/main" id="{C8743DCE-D9E3-EB09-1FDD-E8049CCAB234}"/>
+              </a:ext>
+            </a:extLst>
+          </p:cNvPr>
+          <p:cNvSpPr/>
+          <p:nvPr/>
+        </p:nvSpPr>
+        <p:spPr>
+          <a:xfrm>
+            <a:off x="9345113" y="4854642"/>
+            <a:ext cx="1143002" cy="344972"/>
+          </a:xfrm>
+          <a:prstGeom prst="rect">
+            <a:avLst/>
+          </a:prstGeom>
+        </p:spPr>
+        <p:style>
+          <a:lnRef idx="1">
+            <a:schemeClr val="accent2"/>
+          </a:lnRef>
+          <a:fillRef idx="2">
+            <a:schemeClr val="accent2"/>
+          </a:fillRef>
+          <a:effectRef idx="1">
+            <a:schemeClr val="accent2"/>
+          </a:effectRef>
+          <a:fontRef idx="minor">
+            <a:schemeClr val="dk1"/>
+          </a:fontRef>
+        </p:style>
+        <p:txBody>
+          <a:bodyPr rtlCol="0" anchor="ctr"/>
+          <a:lstStyle/>
+          <a:p>
+            <a:pPr algn="ctr"/>
+            <a:r>
+              <a:rPr lang="en-US" sz="1000" dirty="0" err="1"/>
+              <a:t>ILease</a:t>
+            </a:r>
+            <a:endParaRPr lang="en-US" sz="1000" dirty="0"/>
+          </a:p>
+          <a:p>
+            <a:pPr algn="ctr"/>
+            <a:r>
+              <a:rPr lang="en-US" sz="1000" dirty="0"/>
+              <a:t>(V2, Key)</a:t>
+            </a:r>
+          </a:p>
+        </p:txBody>
+      </p:sp>
+      <p:sp>
+        <p:nvSpPr>
+          <p:cNvPr id="17" name="Rectangle 16">
+            <a:extLst>
+              <a:ext uri="{FF2B5EF4-FFF2-40B4-BE49-F238E27FC236}">
+                <a16:creationId xmlns:a16="http://schemas.microsoft.com/office/drawing/2014/main" id="{FF31F7B4-F4AA-B02C-A06C-A3F71B0694D0}"/>
+              </a:ext>
+            </a:extLst>
+          </p:cNvPr>
+          <p:cNvSpPr/>
+          <p:nvPr/>
+        </p:nvSpPr>
+        <p:spPr>
+          <a:xfrm>
+            <a:off x="4164406" y="5183059"/>
+            <a:ext cx="1543873" cy="457200"/>
+          </a:xfrm>
+          <a:prstGeom prst="rect">
+            <a:avLst/>
+          </a:prstGeom>
+        </p:spPr>
+        <p:style>
+          <a:lnRef idx="2">
+            <a:schemeClr val="accent1">
+              <a:shade val="50000"/>
+            </a:schemeClr>
+          </a:lnRef>
+          <a:fillRef idx="1">
+            <a:schemeClr val="accent1"/>
+          </a:fillRef>
+          <a:effectRef idx="0">
+            <a:schemeClr val="accent1"/>
+          </a:effectRef>
+          <a:fontRef idx="minor">
+            <a:schemeClr val="lt1"/>
+          </a:fontRef>
+        </p:style>
+        <p:txBody>
+          <a:bodyPr rtlCol="0" anchor="ctr"/>
+          <a:lstStyle/>
+          <a:p>
+            <a:r>
+              <a:rPr lang="en-US" sz="1000" b="0" i="0" dirty="0" err="1">
+                <a:effectLst/>
+                <a:latin typeface="Whitney"/>
+              </a:rPr>
+              <a:t>DeactivateAsync</a:t>
+            </a:r>
+            <a:r>
+              <a:rPr lang="en-US" sz="1000" b="0" i="0" dirty="0">
+                <a:effectLst/>
+                <a:latin typeface="Whitney"/>
+              </a:rPr>
+              <a:t> w/</a:t>
+            </a:r>
+          </a:p>
+          <a:p>
+            <a:r>
+              <a:rPr lang="en-US" sz="1000" b="0" i="0" dirty="0" err="1">
+                <a:effectLst/>
+                <a:latin typeface="Whitney"/>
+              </a:rPr>
+              <a:t>DeactivationReasonCode</a:t>
+            </a:r>
+            <a:r>
+              <a:rPr lang="en-US" sz="1000" b="0" i="0" dirty="0">
+                <a:effectLst/>
+                <a:latin typeface="Whitney"/>
+              </a:rPr>
+              <a:t>:</a:t>
+            </a:r>
+          </a:p>
+          <a:p>
+            <a:r>
+              <a:rPr lang="en-US" sz="1000" b="0" i="0" dirty="0" err="1">
+                <a:effectLst/>
+                <a:latin typeface="Whitney"/>
+              </a:rPr>
+              <a:t>IncompatibleRequest</a:t>
+            </a:r>
+            <a:endParaRPr lang="en-US" sz="1000" dirty="0"/>
+          </a:p>
+        </p:txBody>
+      </p:sp>
+      <p:sp>
+        <p:nvSpPr>
+          <p:cNvPr id="19" name="Rectangle 18">
+            <a:extLst>
+              <a:ext uri="{FF2B5EF4-FFF2-40B4-BE49-F238E27FC236}">
+                <a16:creationId xmlns:a16="http://schemas.microsoft.com/office/drawing/2014/main" id="{C1F27C34-521D-35BE-4DD6-923B59AF00C3}"/>
+              </a:ext>
+            </a:extLst>
+          </p:cNvPr>
+          <p:cNvSpPr/>
+          <p:nvPr/>
+        </p:nvSpPr>
+        <p:spPr>
+          <a:xfrm>
+            <a:off x="6788993" y="4854642"/>
+            <a:ext cx="1143002" cy="344972"/>
+          </a:xfrm>
+          <a:prstGeom prst="rect">
+            <a:avLst/>
+          </a:prstGeom>
+        </p:spPr>
+        <p:style>
+          <a:lnRef idx="1">
+            <a:schemeClr val="accent2"/>
+          </a:lnRef>
+          <a:fillRef idx="2">
+            <a:schemeClr val="accent2"/>
+          </a:fillRef>
+          <a:effectRef idx="1">
+            <a:schemeClr val="accent2"/>
+          </a:effectRef>
+          <a:fontRef idx="minor">
+            <a:schemeClr val="dk1"/>
+          </a:fontRef>
+        </p:style>
+        <p:txBody>
+          <a:bodyPr rtlCol="0" anchor="ctr"/>
+          <a:lstStyle/>
+          <a:p>
+            <a:pPr algn="ctr"/>
+            <a:r>
+              <a:rPr lang="en-US" sz="1000" dirty="0" err="1"/>
+              <a:t>IMemento</a:t>
+            </a:r>
+            <a:endParaRPr lang="en-US" sz="1000" dirty="0"/>
+          </a:p>
+          <a:p>
+            <a:pPr algn="ctr"/>
+            <a:r>
+              <a:rPr lang="en-US" sz="1000" dirty="0"/>
+              <a:t>(V2, Key)</a:t>
+            </a:r>
+          </a:p>
+        </p:txBody>
+      </p:sp>
+      <p:cxnSp>
+        <p:nvCxnSpPr>
+          <p:cNvPr id="21" name="Straight Arrow Connector 20">
+            <a:extLst>
+              <a:ext uri="{FF2B5EF4-FFF2-40B4-BE49-F238E27FC236}">
+                <a16:creationId xmlns:a16="http://schemas.microsoft.com/office/drawing/2014/main" id="{D02C8605-3569-4CE8-6EF4-115BFBCE0D14}"/>
+              </a:ext>
+            </a:extLst>
+          </p:cNvPr>
+          <p:cNvCxnSpPr>
+            <a:stCxn id="17" idx="3"/>
+            <a:endCxn id="19" idx="1"/>
+          </p:cNvCxnSpPr>
+          <p:nvPr/>
+        </p:nvCxnSpPr>
+        <p:spPr>
+          <a:xfrm flipV="1">
+            <a:off x="5708279" y="5027128"/>
+            <a:ext cx="1080714" cy="384531"/>
+          </a:xfrm>
+          <a:prstGeom prst="straightConnector1">
+            <a:avLst/>
+          </a:prstGeom>
+          <a:ln>
+            <a:tailEnd type="triangle"/>
+          </a:ln>
+        </p:spPr>
+        <p:style>
+          <a:lnRef idx="1">
+            <a:schemeClr val="accent1"/>
+          </a:lnRef>
+          <a:fillRef idx="0">
+            <a:schemeClr val="accent1"/>
+          </a:fillRef>
+          <a:effectRef idx="0">
+            <a:schemeClr val="accent1"/>
+          </a:effectRef>
+          <a:fontRef idx="minor">
+            <a:schemeClr val="tx1"/>
+          </a:fontRef>
+        </p:style>
+      </p:cxnSp>
+      <p:sp>
+        <p:nvSpPr>
+          <p:cNvPr id="22" name="Oval 21">
+            <a:extLst>
+              <a:ext uri="{FF2B5EF4-FFF2-40B4-BE49-F238E27FC236}">
+                <a16:creationId xmlns:a16="http://schemas.microsoft.com/office/drawing/2014/main" id="{CC8268F3-4888-74F2-1C46-2DF1B08D40C8}"/>
+              </a:ext>
+            </a:extLst>
+          </p:cNvPr>
+          <p:cNvSpPr/>
+          <p:nvPr/>
+        </p:nvSpPr>
+        <p:spPr>
+          <a:xfrm>
+            <a:off x="9398550" y="3999082"/>
+            <a:ext cx="457200" cy="457200"/>
+          </a:xfrm>
+          <a:prstGeom prst="ellipse">
+            <a:avLst/>
+          </a:prstGeom>
+          <a:solidFill>
+            <a:schemeClr val="bg1"/>
+          </a:solidFill>
+          <a:ln w="28575">
+            <a:solidFill>
+              <a:srgbClr val="FF0000"/>
+            </a:solidFill>
+          </a:ln>
+        </p:spPr>
+        <p:style>
+          <a:lnRef idx="2">
+            <a:schemeClr val="accent1">
+              <a:shade val="50000"/>
+            </a:schemeClr>
+          </a:lnRef>
+          <a:fillRef idx="1">
+            <a:schemeClr val="accent1"/>
+          </a:fillRef>
+          <a:effectRef idx="0">
+            <a:schemeClr val="accent1"/>
+          </a:effectRef>
+          <a:fontRef idx="minor">
+            <a:schemeClr val="lt1"/>
+          </a:fontRef>
+        </p:style>
+        <p:txBody>
+          <a:bodyPr rtlCol="0" anchor="ctr"/>
+          <a:lstStyle/>
+          <a:p>
+            <a:pPr algn="ctr"/>
+            <a:r>
+              <a:rPr lang="en-US" dirty="0">
+                <a:solidFill>
+                  <a:srgbClr val="FF0000"/>
+                </a:solidFill>
+              </a:rPr>
+              <a:t>1</a:t>
+            </a:r>
+          </a:p>
+        </p:txBody>
+      </p:sp>
+      <p:cxnSp>
+        <p:nvCxnSpPr>
+          <p:cNvPr id="25" name="Straight Arrow Connector 24">
+            <a:extLst>
+              <a:ext uri="{FF2B5EF4-FFF2-40B4-BE49-F238E27FC236}">
+                <a16:creationId xmlns:a16="http://schemas.microsoft.com/office/drawing/2014/main" id="{A12242A1-260C-9360-C45F-AEE827349C8E}"/>
+              </a:ext>
+            </a:extLst>
+          </p:cNvPr>
+          <p:cNvCxnSpPr>
+            <a:cxnSpLocks/>
+          </p:cNvCxnSpPr>
+          <p:nvPr/>
+        </p:nvCxnSpPr>
+        <p:spPr>
+          <a:xfrm>
+            <a:off x="9750414" y="3729789"/>
+            <a:ext cx="0" cy="497893"/>
+          </a:xfrm>
+          <a:prstGeom prst="straightConnector1">
+            <a:avLst/>
+          </a:prstGeom>
+          <a:ln>
+            <a:tailEnd type="triangle"/>
+          </a:ln>
+        </p:spPr>
+        <p:style>
+          <a:lnRef idx="1">
+            <a:schemeClr val="accent1"/>
+          </a:lnRef>
+          <a:fillRef idx="0">
+            <a:schemeClr val="accent1"/>
+          </a:fillRef>
+          <a:effectRef idx="0">
+            <a:schemeClr val="accent1"/>
+          </a:effectRef>
+          <a:fontRef idx="minor">
+            <a:schemeClr val="tx1"/>
+          </a:fontRef>
+        </p:style>
+      </p:cxnSp>
+      <p:sp>
+        <p:nvSpPr>
+          <p:cNvPr id="27" name="Rectangle 26">
+            <a:extLst>
+              <a:ext uri="{FF2B5EF4-FFF2-40B4-BE49-F238E27FC236}">
+                <a16:creationId xmlns:a16="http://schemas.microsoft.com/office/drawing/2014/main" id="{B293CED9-525E-0AA7-D705-A994EBB4BB27}"/>
+              </a:ext>
+            </a:extLst>
+          </p:cNvPr>
+          <p:cNvSpPr/>
+          <p:nvPr/>
+        </p:nvSpPr>
+        <p:spPr>
+          <a:xfrm>
+            <a:off x="9929830" y="3874786"/>
+            <a:ext cx="1252520" cy="457200"/>
+          </a:xfrm>
+          <a:prstGeom prst="rect">
+            <a:avLst/>
+          </a:prstGeom>
+        </p:spPr>
+        <p:style>
+          <a:lnRef idx="2">
+            <a:schemeClr val="accent1">
+              <a:shade val="50000"/>
+            </a:schemeClr>
+          </a:lnRef>
+          <a:fillRef idx="1">
+            <a:schemeClr val="accent1"/>
+          </a:fillRef>
+          <a:effectRef idx="0">
+            <a:schemeClr val="accent1"/>
+          </a:effectRef>
+          <a:fontRef idx="minor">
+            <a:schemeClr val="lt1"/>
+          </a:fontRef>
+        </p:style>
+        <p:txBody>
+          <a:bodyPr rtlCol="0" anchor="ctr"/>
+          <a:lstStyle/>
+          <a:p>
+            <a:r>
+              <a:rPr lang="en-US" sz="1000" b="0" i="0" dirty="0">
+                <a:effectLst/>
+                <a:latin typeface="Whitney"/>
+              </a:rPr>
+              <a:t>First </a:t>
+            </a:r>
+            <a:r>
+              <a:rPr lang="en-US" sz="1000" b="0" i="0" dirty="0" err="1">
+                <a:effectLst/>
+                <a:latin typeface="Whitney"/>
+              </a:rPr>
+              <a:t>Ilease</a:t>
+            </a:r>
+            <a:r>
+              <a:rPr lang="en-US" sz="1000" b="0" i="0" dirty="0">
+                <a:effectLst/>
+                <a:latin typeface="Whitney"/>
+              </a:rPr>
+              <a:t>(V2,key) request</a:t>
+            </a:r>
+            <a:endParaRPr lang="en-US" sz="1000" dirty="0"/>
+          </a:p>
+        </p:txBody>
+      </p:sp>
+      <p:sp>
+        <p:nvSpPr>
+          <p:cNvPr id="28" name="Oval 27">
+            <a:extLst>
+              <a:ext uri="{FF2B5EF4-FFF2-40B4-BE49-F238E27FC236}">
+                <a16:creationId xmlns:a16="http://schemas.microsoft.com/office/drawing/2014/main" id="{69C81F15-4D33-F3A1-4A78-C0C16495BDBA}"/>
+              </a:ext>
+            </a:extLst>
+          </p:cNvPr>
+          <p:cNvSpPr/>
+          <p:nvPr/>
+        </p:nvSpPr>
+        <p:spPr>
+          <a:xfrm>
+            <a:off x="5013279" y="4798528"/>
+            <a:ext cx="457200" cy="457200"/>
+          </a:xfrm>
+          <a:prstGeom prst="ellipse">
+            <a:avLst/>
+          </a:prstGeom>
+          <a:solidFill>
+            <a:schemeClr val="bg1"/>
+          </a:solidFill>
+          <a:ln w="28575">
+            <a:solidFill>
+              <a:srgbClr val="FF0000"/>
+            </a:solidFill>
+          </a:ln>
+        </p:spPr>
+        <p:style>
+          <a:lnRef idx="2">
+            <a:schemeClr val="accent1">
+              <a:shade val="50000"/>
+            </a:schemeClr>
+          </a:lnRef>
+          <a:fillRef idx="1">
+            <a:schemeClr val="accent1"/>
+          </a:fillRef>
+          <a:effectRef idx="0">
+            <a:schemeClr val="accent1"/>
+          </a:effectRef>
+          <a:fontRef idx="minor">
+            <a:schemeClr val="lt1"/>
+          </a:fontRef>
+        </p:style>
+        <p:txBody>
+          <a:bodyPr rtlCol="0" anchor="ctr"/>
+          <a:lstStyle/>
+          <a:p>
+            <a:pPr algn="ctr"/>
+            <a:r>
+              <a:rPr lang="en-US" dirty="0">
+                <a:solidFill>
+                  <a:srgbClr val="FF0000"/>
+                </a:solidFill>
+              </a:rPr>
+              <a:t>2</a:t>
+            </a:r>
+          </a:p>
+        </p:txBody>
+      </p:sp>
+      <p:sp>
+        <p:nvSpPr>
+          <p:cNvPr id="29" name="Oval 28">
+            <a:extLst>
+              <a:ext uri="{FF2B5EF4-FFF2-40B4-BE49-F238E27FC236}">
+                <a16:creationId xmlns:a16="http://schemas.microsoft.com/office/drawing/2014/main" id="{4F07843D-91BE-E1E8-CA8C-98C9387719C6}"/>
+              </a:ext>
+            </a:extLst>
+          </p:cNvPr>
+          <p:cNvSpPr/>
+          <p:nvPr/>
+        </p:nvSpPr>
+        <p:spPr>
+          <a:xfrm>
+            <a:off x="6517220" y="4403136"/>
+            <a:ext cx="457200" cy="457200"/>
+          </a:xfrm>
+          <a:prstGeom prst="ellipse">
+            <a:avLst/>
+          </a:prstGeom>
+          <a:solidFill>
+            <a:schemeClr val="bg1"/>
+          </a:solidFill>
+          <a:ln w="28575">
+            <a:solidFill>
+              <a:srgbClr val="FF0000"/>
+            </a:solidFill>
+          </a:ln>
+        </p:spPr>
+        <p:style>
+          <a:lnRef idx="2">
+            <a:schemeClr val="accent1">
+              <a:shade val="50000"/>
+            </a:schemeClr>
+          </a:lnRef>
+          <a:fillRef idx="1">
+            <a:schemeClr val="accent1"/>
+          </a:fillRef>
+          <a:effectRef idx="0">
+            <a:schemeClr val="accent1"/>
+          </a:effectRef>
+          <a:fontRef idx="minor">
+            <a:schemeClr val="lt1"/>
+          </a:fontRef>
+        </p:style>
+        <p:txBody>
+          <a:bodyPr rtlCol="0" anchor="ctr"/>
+          <a:lstStyle/>
+          <a:p>
+            <a:pPr algn="ctr"/>
+            <a:r>
+              <a:rPr lang="en-US" dirty="0">
+                <a:solidFill>
+                  <a:srgbClr val="FF0000"/>
+                </a:solidFill>
+              </a:rPr>
+              <a:t>3</a:t>
+            </a:r>
+          </a:p>
+        </p:txBody>
+      </p:sp>
+      <p:sp>
+        <p:nvSpPr>
+          <p:cNvPr id="30" name="Rectangle 29">
+            <a:extLst>
+              <a:ext uri="{FF2B5EF4-FFF2-40B4-BE49-F238E27FC236}">
+                <a16:creationId xmlns:a16="http://schemas.microsoft.com/office/drawing/2014/main" id="{79FA684A-9B88-3666-AD42-E02C31412C14}"/>
+              </a:ext>
+            </a:extLst>
+          </p:cNvPr>
+          <p:cNvSpPr/>
+          <p:nvPr/>
+        </p:nvSpPr>
+        <p:spPr>
+          <a:xfrm>
+            <a:off x="7030219" y="4156755"/>
+            <a:ext cx="742181" cy="457200"/>
+          </a:xfrm>
+          <a:prstGeom prst="rect">
+            <a:avLst/>
+          </a:prstGeom>
+        </p:spPr>
+        <p:style>
+          <a:lnRef idx="2">
+            <a:schemeClr val="accent1">
+              <a:shade val="50000"/>
+            </a:schemeClr>
+          </a:lnRef>
+          <a:fillRef idx="1">
+            <a:schemeClr val="accent1"/>
+          </a:fillRef>
+          <a:effectRef idx="0">
+            <a:schemeClr val="accent1"/>
+          </a:effectRef>
+          <a:fontRef idx="minor">
+            <a:schemeClr val="lt1"/>
+          </a:fontRef>
+        </p:style>
+        <p:txBody>
+          <a:bodyPr rtlCol="0" anchor="ctr"/>
+          <a:lstStyle/>
+          <a:p>
+            <a:r>
+              <a:rPr lang="en-US" sz="1000" b="0" i="0" dirty="0">
+                <a:effectLst/>
+                <a:latin typeface="Whitney"/>
+              </a:rPr>
+              <a:t>Create</a:t>
+            </a:r>
+          </a:p>
+          <a:p>
+            <a:r>
+              <a:rPr lang="en-US" sz="1000" dirty="0" err="1">
+                <a:latin typeface="Whitney"/>
+              </a:rPr>
+              <a:t>IMemento</a:t>
+            </a:r>
+            <a:endParaRPr lang="en-US" sz="1000" dirty="0"/>
+          </a:p>
+        </p:txBody>
+      </p:sp>
+      <p:sp>
+        <p:nvSpPr>
+          <p:cNvPr id="31" name="Oval 30">
+            <a:extLst>
+              <a:ext uri="{FF2B5EF4-FFF2-40B4-BE49-F238E27FC236}">
+                <a16:creationId xmlns:a16="http://schemas.microsoft.com/office/drawing/2014/main" id="{D035A475-3076-A0CA-B19B-340F56750ED9}"/>
+              </a:ext>
+            </a:extLst>
+          </p:cNvPr>
+          <p:cNvSpPr/>
+          <p:nvPr/>
+        </p:nvSpPr>
+        <p:spPr>
+          <a:xfrm>
+            <a:off x="9242379" y="5118016"/>
+            <a:ext cx="457200" cy="457200"/>
+          </a:xfrm>
+          <a:prstGeom prst="ellipse">
+            <a:avLst/>
+          </a:prstGeom>
+          <a:solidFill>
+            <a:schemeClr val="bg1"/>
+          </a:solidFill>
+          <a:ln w="28575">
+            <a:solidFill>
+              <a:srgbClr val="FF0000"/>
+            </a:solidFill>
+          </a:ln>
+        </p:spPr>
+        <p:style>
+          <a:lnRef idx="2">
+            <a:schemeClr val="accent1">
+              <a:shade val="50000"/>
+            </a:schemeClr>
+          </a:lnRef>
+          <a:fillRef idx="1">
+            <a:schemeClr val="accent1"/>
+          </a:fillRef>
+          <a:effectRef idx="0">
+            <a:schemeClr val="accent1"/>
+          </a:effectRef>
+          <a:fontRef idx="minor">
+            <a:schemeClr val="lt1"/>
+          </a:fontRef>
+        </p:style>
+        <p:txBody>
+          <a:bodyPr rtlCol="0" anchor="ctr"/>
+          <a:lstStyle/>
+          <a:p>
+            <a:pPr algn="ctr"/>
+            <a:r>
+              <a:rPr lang="en-US" dirty="0">
+                <a:solidFill>
+                  <a:srgbClr val="FF0000"/>
+                </a:solidFill>
+              </a:rPr>
+              <a:t>4</a:t>
+            </a:r>
+          </a:p>
+        </p:txBody>
+      </p:sp>
+      <p:sp>
+        <p:nvSpPr>
+          <p:cNvPr id="32" name="Rectangle 31">
+            <a:extLst>
+              <a:ext uri="{FF2B5EF4-FFF2-40B4-BE49-F238E27FC236}">
+                <a16:creationId xmlns:a16="http://schemas.microsoft.com/office/drawing/2014/main" id="{B10B4E92-D0F2-BD04-9F16-F5A83A887ED4}"/>
+              </a:ext>
+            </a:extLst>
+          </p:cNvPr>
+          <p:cNvSpPr/>
+          <p:nvPr/>
+        </p:nvSpPr>
+        <p:spPr>
+          <a:xfrm>
+            <a:off x="9776724" y="5273304"/>
+            <a:ext cx="1233239" cy="457200"/>
+          </a:xfrm>
+          <a:prstGeom prst="rect">
+            <a:avLst/>
+          </a:prstGeom>
+        </p:spPr>
+        <p:style>
+          <a:lnRef idx="2">
+            <a:schemeClr val="accent1">
+              <a:shade val="50000"/>
+            </a:schemeClr>
+          </a:lnRef>
+          <a:fillRef idx="1">
+            <a:schemeClr val="accent1"/>
+          </a:fillRef>
+          <a:effectRef idx="0">
+            <a:schemeClr val="accent1"/>
+          </a:effectRef>
+          <a:fontRef idx="minor">
+            <a:schemeClr val="lt1"/>
+          </a:fontRef>
+        </p:style>
+        <p:txBody>
+          <a:bodyPr rtlCol="0" anchor="ctr"/>
+          <a:lstStyle/>
+          <a:p>
+            <a:r>
+              <a:rPr lang="en-US" sz="1000" b="0" i="0" dirty="0" err="1">
+                <a:effectLst/>
+                <a:latin typeface="Whitney"/>
+              </a:rPr>
+              <a:t>ActivateAsync</a:t>
+            </a:r>
+            <a:r>
+              <a:rPr lang="en-US" sz="1000" b="0" i="0" dirty="0">
+                <a:effectLst/>
+                <a:latin typeface="Whitney"/>
+              </a:rPr>
+              <a:t>:</a:t>
+            </a:r>
+          </a:p>
+          <a:p>
+            <a:r>
+              <a:rPr lang="en-US" sz="1000" b="0" i="0" dirty="0">
+                <a:effectLst/>
+                <a:latin typeface="Whitney"/>
+              </a:rPr>
+              <a:t>Read </a:t>
+            </a:r>
+            <a:r>
+              <a:rPr lang="en-US" sz="1000" dirty="0" err="1">
+                <a:latin typeface="Whitney"/>
+              </a:rPr>
+              <a:t>IMemento</a:t>
+            </a:r>
+            <a:endParaRPr lang="en-US" sz="1000" dirty="0">
+              <a:latin typeface="Whitney"/>
+            </a:endParaRPr>
+          </a:p>
+        </p:txBody>
+      </p:sp>
+    </p:spTree>
+    <p:extLst>
+      <p:ext uri="{BB962C8B-B14F-4D97-AF65-F5344CB8AC3E}">
+        <p14:creationId xmlns:p14="http://schemas.microsoft.com/office/powerpoint/2010/main" val="2182211657"/>
+      </p:ext>
+    </p:extLst>
+  </p:cSld>
+  <p:clrMapOvr>
+    <a:masterClrMapping/>
+  </p:clrMapOvr>
+</p:sld>
+</file>
+
 <file path=ppt/slides/slide2.xml><?xml version="1.0" encoding="utf-8"?>
 <p:sld xmlns:a="http://schemas.openxmlformats.org/drawingml/2006/main" xmlns:r="http://schemas.openxmlformats.org/officeDocument/2006/relationships" xmlns:p="http://schemas.openxmlformats.org/presentationml/2006/main">
   <p:cSld>

--- a/Orleans Versioning and Deployment.pptx
+++ b/Orleans Versioning and Deployment.pptx
@@ -19,6 +19,8 @@
     <p:sldId id="272" r:id="rId13"/>
     <p:sldId id="273" r:id="rId14"/>
     <p:sldId id="274" r:id="rId15"/>
+    <p:sldId id="275" r:id="rId16"/>
+    <p:sldId id="276" r:id="rId17"/>
   </p:sldIdLst>
   <p:sldSz cx="12192000" cy="6858000"/>
   <p:notesSz cx="6858000" cy="9144000"/>
@@ -274,7 +276,7 @@
           <a:p>
             <a:fld id="{C93F76B2-BB94-44C6-936C-77FCF313486D}" type="datetimeFigureOut">
               <a:rPr lang="en-CA" smtClean="0"/>
-              <a:t>2022-11-23</a:t>
+              <a:t>2022-11-25</a:t>
             </a:fld>
             <a:endParaRPr lang="en-CA"/>
           </a:p>
@@ -474,7 +476,7 @@
           <a:p>
             <a:fld id="{C93F76B2-BB94-44C6-936C-77FCF313486D}" type="datetimeFigureOut">
               <a:rPr lang="en-CA" smtClean="0"/>
-              <a:t>2022-11-23</a:t>
+              <a:t>2022-11-25</a:t>
             </a:fld>
             <a:endParaRPr lang="en-CA"/>
           </a:p>
@@ -684,7 +686,7 @@
           <a:p>
             <a:fld id="{C93F76B2-BB94-44C6-936C-77FCF313486D}" type="datetimeFigureOut">
               <a:rPr lang="en-CA" smtClean="0"/>
-              <a:t>2022-11-23</a:t>
+              <a:t>2022-11-25</a:t>
             </a:fld>
             <a:endParaRPr lang="en-CA"/>
           </a:p>
@@ -884,7 +886,7 @@
           <a:p>
             <a:fld id="{C93F76B2-BB94-44C6-936C-77FCF313486D}" type="datetimeFigureOut">
               <a:rPr lang="en-CA" smtClean="0"/>
-              <a:t>2022-11-23</a:t>
+              <a:t>2022-11-25</a:t>
             </a:fld>
             <a:endParaRPr lang="en-CA"/>
           </a:p>
@@ -1160,7 +1162,7 @@
           <a:p>
             <a:fld id="{C93F76B2-BB94-44C6-936C-77FCF313486D}" type="datetimeFigureOut">
               <a:rPr lang="en-CA" smtClean="0"/>
-              <a:t>2022-11-23</a:t>
+              <a:t>2022-11-25</a:t>
             </a:fld>
             <a:endParaRPr lang="en-CA"/>
           </a:p>
@@ -1428,7 +1430,7 @@
           <a:p>
             <a:fld id="{C93F76B2-BB94-44C6-936C-77FCF313486D}" type="datetimeFigureOut">
               <a:rPr lang="en-CA" smtClean="0"/>
-              <a:t>2022-11-23</a:t>
+              <a:t>2022-11-25</a:t>
             </a:fld>
             <a:endParaRPr lang="en-CA"/>
           </a:p>
@@ -1843,7 +1845,7 @@
           <a:p>
             <a:fld id="{C93F76B2-BB94-44C6-936C-77FCF313486D}" type="datetimeFigureOut">
               <a:rPr lang="en-CA" smtClean="0"/>
-              <a:t>2022-11-23</a:t>
+              <a:t>2022-11-25</a:t>
             </a:fld>
             <a:endParaRPr lang="en-CA"/>
           </a:p>
@@ -1985,7 +1987,7 @@
           <a:p>
             <a:fld id="{C93F76B2-BB94-44C6-936C-77FCF313486D}" type="datetimeFigureOut">
               <a:rPr lang="en-CA" smtClean="0"/>
-              <a:t>2022-11-23</a:t>
+              <a:t>2022-11-25</a:t>
             </a:fld>
             <a:endParaRPr lang="en-CA"/>
           </a:p>
@@ -2098,7 +2100,7 @@
           <a:p>
             <a:fld id="{C93F76B2-BB94-44C6-936C-77FCF313486D}" type="datetimeFigureOut">
               <a:rPr lang="en-CA" smtClean="0"/>
-              <a:t>2022-11-23</a:t>
+              <a:t>2022-11-25</a:t>
             </a:fld>
             <a:endParaRPr lang="en-CA"/>
           </a:p>
@@ -2411,7 +2413,7 @@
           <a:p>
             <a:fld id="{C93F76B2-BB94-44C6-936C-77FCF313486D}" type="datetimeFigureOut">
               <a:rPr lang="en-CA" smtClean="0"/>
-              <a:t>2022-11-23</a:t>
+              <a:t>2022-11-25</a:t>
             </a:fld>
             <a:endParaRPr lang="en-CA"/>
           </a:p>
@@ -2700,7 +2702,7 @@
           <a:p>
             <a:fld id="{C93F76B2-BB94-44C6-936C-77FCF313486D}" type="datetimeFigureOut">
               <a:rPr lang="en-CA" smtClean="0"/>
-              <a:t>2022-11-23</a:t>
+              <a:t>2022-11-25</a:t>
             </a:fld>
             <a:endParaRPr lang="en-CA"/>
           </a:p>
@@ -2943,7 +2945,7 @@
           <a:p>
             <a:fld id="{C93F76B2-BB94-44C6-936C-77FCF313486D}" type="datetimeFigureOut">
               <a:rPr lang="en-CA" smtClean="0"/>
-              <a:t>2022-11-23</a:t>
+              <a:t>2022-11-25</a:t>
             </a:fld>
             <a:endParaRPr lang="en-CA"/>
           </a:p>
@@ -4423,7 +4425,7 @@
           <a:p>
             <a:r>
               <a:rPr lang="en-US" dirty="0"/>
-              <a:t>Cluster-only Ephemeral State Transition</a:t>
+              <a:t>In-Memory Ephemeral State Transition</a:t>
             </a:r>
           </a:p>
         </p:txBody>
@@ -4451,7 +4453,7 @@
           <a:p>
             <a:r>
               <a:rPr lang="en-US" dirty="0"/>
-              <a:t>Good example: Lease</a:t>
+              <a:t>e.g. Leases, Quota tracking </a:t>
             </a:r>
           </a:p>
           <a:p>
@@ -4807,7 +4809,7 @@
           <a:p>
             <a:r>
               <a:rPr lang="en-US" dirty="0"/>
-              <a:t>Cluster-only Ephemeral State Transition</a:t>
+              <a:t>In-Memory Ephemeral State Transition</a:t>
             </a:r>
           </a:p>
         </p:txBody>
@@ -5539,7 +5541,7 @@
           <a:p>
             <a:r>
               <a:rPr lang="en-US" dirty="0"/>
-              <a:t>Cluster-only Ephemeral State Transition</a:t>
+              <a:t>In-Memory Ephemeral State Transition</a:t>
             </a:r>
           </a:p>
         </p:txBody>
@@ -6272,15 +6274,16 @@
             </a:extLst>
           </p:cNvPr>
           <p:cNvCxnSpPr>
-            <a:stCxn id="17" idx="3"/>
+            <a:cxnSpLocks/>
+            <a:stCxn id="30" idx="3"/>
             <a:endCxn id="19" idx="1"/>
           </p:cNvCxnSpPr>
           <p:nvPr/>
         </p:nvCxnSpPr>
         <p:spPr>
           <a:xfrm flipV="1">
-            <a:off x="5708279" y="5027128"/>
-            <a:ext cx="1080714" cy="384531"/>
+            <a:off x="6002224" y="5027128"/>
+            <a:ext cx="786769" cy="1010459"/>
           </a:xfrm>
           <a:prstGeom prst="straightConnector1">
             <a:avLst/>
@@ -6459,7 +6462,7 @@
                 <a:effectLst/>
                 <a:latin typeface="Whitney"/>
               </a:rPr>
-              <a:t>Ilease</a:t>
+              <a:t>ILease</a:t>
             </a:r>
             <a:r>
               <a:rPr lang="en-US" sz="1000" b="0" i="0" dirty="0">
@@ -6547,7 +6550,7 @@
         </p:nvSpPr>
         <p:spPr>
           <a:xfrm>
-            <a:off x="6517220" y="4403136"/>
+            <a:off x="4747044" y="6055368"/>
             <a:ext cx="457200" cy="457200"/>
           </a:xfrm>
           <a:prstGeom prst="ellipse">
@@ -6608,7 +6611,7 @@
         </p:nvSpPr>
         <p:spPr>
           <a:xfrm>
-            <a:off x="7030219" y="4156755"/>
+            <a:off x="5260043" y="5808987"/>
             <a:ext cx="742181" cy="457200"/>
           </a:xfrm>
           <a:prstGeom prst="rect">
@@ -6791,10 +6794,2216 @@
           </a:p>
         </p:txBody>
       </p:sp>
+      <p:cxnSp>
+        <p:nvCxnSpPr>
+          <p:cNvPr id="18" name="Straight Arrow Connector 17">
+            <a:extLst>
+              <a:ext uri="{FF2B5EF4-FFF2-40B4-BE49-F238E27FC236}">
+                <a16:creationId xmlns:a16="http://schemas.microsoft.com/office/drawing/2014/main" id="{ECB56093-BC02-7AE2-A7C8-BD3F2C880E1C}"/>
+              </a:ext>
+            </a:extLst>
+          </p:cNvPr>
+          <p:cNvCxnSpPr>
+            <a:stCxn id="17" idx="2"/>
+            <a:endCxn id="30" idx="1"/>
+          </p:cNvCxnSpPr>
+          <p:nvPr/>
+        </p:nvCxnSpPr>
+        <p:spPr>
+          <a:xfrm>
+            <a:off x="4936343" y="5640259"/>
+            <a:ext cx="323700" cy="397328"/>
+          </a:xfrm>
+          <a:prstGeom prst="straightConnector1">
+            <a:avLst/>
+          </a:prstGeom>
+          <a:ln>
+            <a:tailEnd type="triangle"/>
+          </a:ln>
+        </p:spPr>
+        <p:style>
+          <a:lnRef idx="1">
+            <a:schemeClr val="accent1"/>
+          </a:lnRef>
+          <a:fillRef idx="0">
+            <a:schemeClr val="accent1"/>
+          </a:fillRef>
+          <a:effectRef idx="0">
+            <a:schemeClr val="accent1"/>
+          </a:effectRef>
+          <a:fontRef idx="minor">
+            <a:schemeClr val="tx1"/>
+          </a:fontRef>
+        </p:style>
+      </p:cxnSp>
     </p:spTree>
     <p:extLst>
       <p:ext uri="{BB962C8B-B14F-4D97-AF65-F5344CB8AC3E}">
         <p14:creationId xmlns:p14="http://schemas.microsoft.com/office/powerpoint/2010/main" val="2182211657"/>
+      </p:ext>
+    </p:extLst>
+  </p:cSld>
+  <p:clrMapOvr>
+    <a:masterClrMapping/>
+  </p:clrMapOvr>
+</p:sld>
+</file>
+
+<file path=ppt/slides/slide15.xml><?xml version="1.0" encoding="utf-8"?>
+<p:sld xmlns:a="http://schemas.openxmlformats.org/drawingml/2006/main" xmlns:r="http://schemas.openxmlformats.org/officeDocument/2006/relationships" xmlns:p="http://schemas.openxmlformats.org/presentationml/2006/main">
+  <p:cSld>
+    <p:spTree>
+      <p:nvGrpSpPr>
+        <p:cNvPr id="1" name=""/>
+        <p:cNvGrpSpPr/>
+        <p:nvPr/>
+      </p:nvGrpSpPr>
+      <p:grpSpPr>
+        <a:xfrm>
+          <a:off x="0" y="0"/>
+          <a:ext cx="0" cy="0"/>
+          <a:chOff x="0" y="0"/>
+          <a:chExt cx="0" cy="0"/>
+        </a:xfrm>
+      </p:grpSpPr>
+      <p:sp>
+        <p:nvSpPr>
+          <p:cNvPr id="2" name="Title 1">
+            <a:extLst>
+              <a:ext uri="{FF2B5EF4-FFF2-40B4-BE49-F238E27FC236}">
+                <a16:creationId xmlns:a16="http://schemas.microsoft.com/office/drawing/2014/main" id="{369A7BF9-8F5B-5A00-7FFF-2F0FA2F75B29}"/>
+              </a:ext>
+            </a:extLst>
+          </p:cNvPr>
+          <p:cNvSpPr>
+            <a:spLocks noGrp="1"/>
+          </p:cNvSpPr>
+          <p:nvPr>
+            <p:ph type="title"/>
+          </p:nvPr>
+        </p:nvSpPr>
+        <p:spPr/>
+        <p:txBody>
+          <a:bodyPr/>
+          <a:lstStyle/>
+          <a:p>
+            <a:r>
+              <a:rPr lang="en-US" dirty="0" err="1"/>
+              <a:t>MemoryStream</a:t>
+            </a:r>
+            <a:r>
+              <a:rPr lang="en-US" dirty="0"/>
+              <a:t> State Transition</a:t>
+            </a:r>
+          </a:p>
+        </p:txBody>
+      </p:sp>
+      <p:sp>
+        <p:nvSpPr>
+          <p:cNvPr id="3" name="Content Placeholder 2">
+            <a:extLst>
+              <a:ext uri="{FF2B5EF4-FFF2-40B4-BE49-F238E27FC236}">
+                <a16:creationId xmlns:a16="http://schemas.microsoft.com/office/drawing/2014/main" id="{CD5920F0-112C-0244-DE20-1B8A876A160A}"/>
+              </a:ext>
+            </a:extLst>
+          </p:cNvPr>
+          <p:cNvSpPr>
+            <a:spLocks noGrp="1"/>
+          </p:cNvSpPr>
+          <p:nvPr>
+            <p:ph idx="1"/>
+          </p:nvPr>
+        </p:nvSpPr>
+        <p:spPr/>
+        <p:txBody>
+          <a:bodyPr/>
+          <a:lstStyle/>
+          <a:p>
+            <a:r>
+              <a:rPr lang="en-US" dirty="0"/>
+              <a:t>There is no perfect, one size fits all solution</a:t>
+            </a:r>
+          </a:p>
+          <a:p>
+            <a:r>
+              <a:rPr lang="en-US" dirty="0"/>
+              <a:t>I think in-cluster single publisher, in-cluster multi-consumer is doable</a:t>
+            </a:r>
+          </a:p>
+          <a:p>
+            <a:pPr lvl="1"/>
+            <a:r>
+              <a:rPr lang="en-US" dirty="0"/>
+              <a:t>e.g. unlikely to work for client-side streaming</a:t>
+            </a:r>
+          </a:p>
+          <a:p>
+            <a:r>
+              <a:rPr lang="en-US" dirty="0"/>
+              <a:t>Starting point</a:t>
+            </a:r>
+          </a:p>
+          <a:p>
+            <a:pPr lvl="1"/>
+            <a:endParaRPr lang="en-US" dirty="0"/>
+          </a:p>
+          <a:p>
+            <a:pPr lvl="1"/>
+            <a:endParaRPr lang="en-US" dirty="0"/>
+          </a:p>
+        </p:txBody>
+      </p:sp>
+      <p:sp>
+        <p:nvSpPr>
+          <p:cNvPr id="10" name="Rectangle 9">
+            <a:extLst>
+              <a:ext uri="{FF2B5EF4-FFF2-40B4-BE49-F238E27FC236}">
+                <a16:creationId xmlns:a16="http://schemas.microsoft.com/office/drawing/2014/main" id="{1A2EFCFA-22EF-12B9-A875-56F126EB3551}"/>
+              </a:ext>
+            </a:extLst>
+          </p:cNvPr>
+          <p:cNvSpPr/>
+          <p:nvPr/>
+        </p:nvSpPr>
+        <p:spPr>
+          <a:xfrm>
+            <a:off x="1205163" y="4796103"/>
+            <a:ext cx="4461711" cy="1179095"/>
+          </a:xfrm>
+          <a:prstGeom prst="rect">
+            <a:avLst/>
+          </a:prstGeom>
+        </p:spPr>
+        <p:style>
+          <a:lnRef idx="1">
+            <a:schemeClr val="accent4"/>
+          </a:lnRef>
+          <a:fillRef idx="2">
+            <a:schemeClr val="accent4"/>
+          </a:fillRef>
+          <a:effectRef idx="1">
+            <a:schemeClr val="accent4"/>
+          </a:effectRef>
+          <a:fontRef idx="minor">
+            <a:schemeClr val="dk1"/>
+          </a:fontRef>
+        </p:style>
+        <p:txBody>
+          <a:bodyPr rtlCol="0" anchor="b"/>
+          <a:lstStyle/>
+          <a:p>
+            <a:r>
+              <a:rPr lang="en-US" dirty="0"/>
+              <a:t>VMSS</a:t>
+            </a:r>
+            <a:endParaRPr lang="en-CA" dirty="0"/>
+          </a:p>
+        </p:txBody>
+      </p:sp>
+      <p:sp>
+        <p:nvSpPr>
+          <p:cNvPr id="11" name="Rectangle 10">
+            <a:extLst>
+              <a:ext uri="{FF2B5EF4-FFF2-40B4-BE49-F238E27FC236}">
+                <a16:creationId xmlns:a16="http://schemas.microsoft.com/office/drawing/2014/main" id="{DEC46DF3-2398-AACE-8BC2-BEE57765CBDB}"/>
+              </a:ext>
+            </a:extLst>
+          </p:cNvPr>
+          <p:cNvSpPr/>
+          <p:nvPr/>
+        </p:nvSpPr>
+        <p:spPr>
+          <a:xfrm>
+            <a:off x="1429281" y="4862278"/>
+            <a:ext cx="4183451" cy="816894"/>
+          </a:xfrm>
+          <a:prstGeom prst="rect">
+            <a:avLst/>
+          </a:prstGeom>
+        </p:spPr>
+        <p:style>
+          <a:lnRef idx="1">
+            <a:schemeClr val="accent3"/>
+          </a:lnRef>
+          <a:fillRef idx="2">
+            <a:schemeClr val="accent3"/>
+          </a:fillRef>
+          <a:effectRef idx="1">
+            <a:schemeClr val="accent3"/>
+          </a:effectRef>
+          <a:fontRef idx="minor">
+            <a:schemeClr val="dk1"/>
+          </a:fontRef>
+        </p:style>
+        <p:txBody>
+          <a:bodyPr rtlCol="0" anchor="b"/>
+          <a:lstStyle/>
+          <a:p>
+            <a:r>
+              <a:rPr lang="en-US" dirty="0"/>
+              <a:t>Heterogenous Cluster</a:t>
+            </a:r>
+            <a:endParaRPr lang="en-CA" dirty="0"/>
+          </a:p>
+        </p:txBody>
+      </p:sp>
+      <p:sp>
+        <p:nvSpPr>
+          <p:cNvPr id="12" name="Rectangle 11">
+            <a:extLst>
+              <a:ext uri="{FF2B5EF4-FFF2-40B4-BE49-F238E27FC236}">
+                <a16:creationId xmlns:a16="http://schemas.microsoft.com/office/drawing/2014/main" id="{C8695002-2659-6818-5779-58B292D8B6B5}"/>
+              </a:ext>
+            </a:extLst>
+          </p:cNvPr>
+          <p:cNvSpPr/>
+          <p:nvPr/>
+        </p:nvSpPr>
+        <p:spPr>
+          <a:xfrm>
+            <a:off x="1205163" y="3922295"/>
+            <a:ext cx="4461711" cy="781733"/>
+          </a:xfrm>
+          <a:prstGeom prst="rect">
+            <a:avLst/>
+          </a:prstGeom>
+        </p:spPr>
+        <p:style>
+          <a:lnRef idx="1">
+            <a:schemeClr val="accent4"/>
+          </a:lnRef>
+          <a:fillRef idx="2">
+            <a:schemeClr val="accent4"/>
+          </a:fillRef>
+          <a:effectRef idx="1">
+            <a:schemeClr val="accent4"/>
+          </a:effectRef>
+          <a:fontRef idx="minor">
+            <a:schemeClr val="dk1"/>
+          </a:fontRef>
+        </p:style>
+        <p:txBody>
+          <a:bodyPr rtlCol="0" anchor="b"/>
+          <a:lstStyle/>
+          <a:p>
+            <a:r>
+              <a:rPr lang="en-US" dirty="0"/>
+              <a:t>Frontend (ACA)</a:t>
+            </a:r>
+            <a:endParaRPr lang="en-CA" dirty="0"/>
+          </a:p>
+        </p:txBody>
+      </p:sp>
+      <p:sp>
+        <p:nvSpPr>
+          <p:cNvPr id="13" name="Rectangle 12">
+            <a:extLst>
+              <a:ext uri="{FF2B5EF4-FFF2-40B4-BE49-F238E27FC236}">
+                <a16:creationId xmlns:a16="http://schemas.microsoft.com/office/drawing/2014/main" id="{BB62A64A-3091-5A59-4725-B2C22CED8B86}"/>
+              </a:ext>
+            </a:extLst>
+          </p:cNvPr>
+          <p:cNvSpPr/>
+          <p:nvPr/>
+        </p:nvSpPr>
+        <p:spPr>
+          <a:xfrm>
+            <a:off x="1429281" y="4000500"/>
+            <a:ext cx="4129309" cy="334762"/>
+          </a:xfrm>
+          <a:prstGeom prst="rect">
+            <a:avLst/>
+          </a:prstGeom>
+        </p:spPr>
+        <p:style>
+          <a:lnRef idx="1">
+            <a:schemeClr val="accent5"/>
+          </a:lnRef>
+          <a:fillRef idx="2">
+            <a:schemeClr val="accent5"/>
+          </a:fillRef>
+          <a:effectRef idx="1">
+            <a:schemeClr val="accent5"/>
+          </a:effectRef>
+          <a:fontRef idx="minor">
+            <a:schemeClr val="dk1"/>
+          </a:fontRef>
+        </p:style>
+        <p:txBody>
+          <a:bodyPr rtlCol="0" anchor="ctr"/>
+          <a:lstStyle/>
+          <a:p>
+            <a:pPr algn="ctr"/>
+            <a:r>
+              <a:rPr lang="en-US" dirty="0"/>
+              <a:t>Blue Clients</a:t>
+            </a:r>
+            <a:endParaRPr lang="en-CA" dirty="0"/>
+          </a:p>
+        </p:txBody>
+      </p:sp>
+      <p:sp>
+        <p:nvSpPr>
+          <p:cNvPr id="14" name="Rectangle 13">
+            <a:extLst>
+              <a:ext uri="{FF2B5EF4-FFF2-40B4-BE49-F238E27FC236}">
+                <a16:creationId xmlns:a16="http://schemas.microsoft.com/office/drawing/2014/main" id="{85042937-A935-55BF-F316-8F19458B4EEC}"/>
+              </a:ext>
+            </a:extLst>
+          </p:cNvPr>
+          <p:cNvSpPr/>
+          <p:nvPr/>
+        </p:nvSpPr>
+        <p:spPr>
+          <a:xfrm>
+            <a:off x="1653399" y="4928449"/>
+            <a:ext cx="3905191" cy="445877"/>
+          </a:xfrm>
+          <a:prstGeom prst="rect">
+            <a:avLst/>
+          </a:prstGeom>
+        </p:spPr>
+        <p:style>
+          <a:lnRef idx="1">
+            <a:schemeClr val="accent5"/>
+          </a:lnRef>
+          <a:fillRef idx="2">
+            <a:schemeClr val="accent5"/>
+          </a:fillRef>
+          <a:effectRef idx="1">
+            <a:schemeClr val="accent5"/>
+          </a:effectRef>
+          <a:fontRef idx="minor">
+            <a:schemeClr val="dk1"/>
+          </a:fontRef>
+        </p:style>
+        <p:txBody>
+          <a:bodyPr rtlCol="0" anchor="ctr"/>
+          <a:lstStyle/>
+          <a:p>
+            <a:r>
+              <a:rPr lang="en-US" dirty="0"/>
+              <a:t>Blue Nodes</a:t>
+            </a:r>
+            <a:endParaRPr lang="en-CA" dirty="0"/>
+          </a:p>
+        </p:txBody>
+      </p:sp>
+      <p:sp>
+        <p:nvSpPr>
+          <p:cNvPr id="15" name="Rectangle 14">
+            <a:extLst>
+              <a:ext uri="{FF2B5EF4-FFF2-40B4-BE49-F238E27FC236}">
+                <a16:creationId xmlns:a16="http://schemas.microsoft.com/office/drawing/2014/main" id="{D681DCBE-6BB1-F27F-C572-9B509969EBE7}"/>
+              </a:ext>
+            </a:extLst>
+          </p:cNvPr>
+          <p:cNvSpPr/>
+          <p:nvPr/>
+        </p:nvSpPr>
+        <p:spPr>
+          <a:xfrm>
+            <a:off x="4361445" y="4978901"/>
+            <a:ext cx="1143002" cy="344972"/>
+          </a:xfrm>
+          <a:prstGeom prst="rect">
+            <a:avLst/>
+          </a:prstGeom>
+        </p:spPr>
+        <p:style>
+          <a:lnRef idx="1">
+            <a:schemeClr val="accent2"/>
+          </a:lnRef>
+          <a:fillRef idx="2">
+            <a:schemeClr val="accent2"/>
+          </a:fillRef>
+          <a:effectRef idx="1">
+            <a:schemeClr val="accent2"/>
+          </a:effectRef>
+          <a:fontRef idx="minor">
+            <a:schemeClr val="dk1"/>
+          </a:fontRef>
+        </p:style>
+        <p:txBody>
+          <a:bodyPr rtlCol="0" anchor="ctr"/>
+          <a:lstStyle/>
+          <a:p>
+            <a:pPr algn="ctr"/>
+            <a:r>
+              <a:rPr lang="en-US" sz="1000" dirty="0" err="1"/>
+              <a:t>MemoryStream</a:t>
+            </a:r>
+            <a:endParaRPr lang="en-US" sz="1000" dirty="0"/>
+          </a:p>
+        </p:txBody>
+      </p:sp>
+      <p:sp>
+        <p:nvSpPr>
+          <p:cNvPr id="16" name="Rectangle 15">
+            <a:extLst>
+              <a:ext uri="{FF2B5EF4-FFF2-40B4-BE49-F238E27FC236}">
+                <a16:creationId xmlns:a16="http://schemas.microsoft.com/office/drawing/2014/main" id="{DDF28505-B1C3-C9E3-3FFB-E84ADB0F0B2B}"/>
+              </a:ext>
+            </a:extLst>
+          </p:cNvPr>
+          <p:cNvSpPr/>
+          <p:nvPr/>
+        </p:nvSpPr>
+        <p:spPr>
+          <a:xfrm>
+            <a:off x="3386881" y="4978901"/>
+            <a:ext cx="920421" cy="344972"/>
+          </a:xfrm>
+          <a:prstGeom prst="rect">
+            <a:avLst/>
+          </a:prstGeom>
+        </p:spPr>
+        <p:style>
+          <a:lnRef idx="1">
+            <a:schemeClr val="accent2"/>
+          </a:lnRef>
+          <a:fillRef idx="2">
+            <a:schemeClr val="accent2"/>
+          </a:fillRef>
+          <a:effectRef idx="1">
+            <a:schemeClr val="accent2"/>
+          </a:effectRef>
+          <a:fontRef idx="minor">
+            <a:schemeClr val="dk1"/>
+          </a:fontRef>
+        </p:style>
+        <p:txBody>
+          <a:bodyPr rtlCol="0" anchor="ctr"/>
+          <a:lstStyle/>
+          <a:p>
+            <a:pPr algn="ctr"/>
+            <a:r>
+              <a:rPr lang="en-US" sz="1000" dirty="0" err="1"/>
+              <a:t>IPubGrain</a:t>
+            </a:r>
+            <a:r>
+              <a:rPr lang="en-US" sz="1000" dirty="0"/>
+              <a:t>(V1)</a:t>
+            </a:r>
+          </a:p>
+        </p:txBody>
+      </p:sp>
+      <p:cxnSp>
+        <p:nvCxnSpPr>
+          <p:cNvPr id="26" name="Straight Arrow Connector 25">
+            <a:extLst>
+              <a:ext uri="{FF2B5EF4-FFF2-40B4-BE49-F238E27FC236}">
+                <a16:creationId xmlns:a16="http://schemas.microsoft.com/office/drawing/2014/main" id="{4DF96B6A-6E49-6DA3-7816-F1C101741CEB}"/>
+              </a:ext>
+            </a:extLst>
+          </p:cNvPr>
+          <p:cNvCxnSpPr>
+            <a:cxnSpLocks/>
+            <a:endCxn id="16" idx="0"/>
+          </p:cNvCxnSpPr>
+          <p:nvPr/>
+        </p:nvCxnSpPr>
+        <p:spPr>
+          <a:xfrm>
+            <a:off x="3847092" y="4451684"/>
+            <a:ext cx="0" cy="527217"/>
+          </a:xfrm>
+          <a:prstGeom prst="straightConnector1">
+            <a:avLst/>
+          </a:prstGeom>
+          <a:ln w="28575">
+            <a:solidFill>
+              <a:srgbClr val="00B050"/>
+            </a:solidFill>
+            <a:prstDash val="dash"/>
+            <a:tailEnd type="triangle"/>
+          </a:ln>
+        </p:spPr>
+        <p:style>
+          <a:lnRef idx="1">
+            <a:schemeClr val="accent1"/>
+          </a:lnRef>
+          <a:fillRef idx="0">
+            <a:schemeClr val="accent1"/>
+          </a:fillRef>
+          <a:effectRef idx="0">
+            <a:schemeClr val="accent1"/>
+          </a:effectRef>
+          <a:fontRef idx="minor">
+            <a:schemeClr val="tx1"/>
+          </a:fontRef>
+        </p:style>
+      </p:cxnSp>
+      <p:cxnSp>
+        <p:nvCxnSpPr>
+          <p:cNvPr id="28" name="Straight Arrow Connector 27">
+            <a:extLst>
+              <a:ext uri="{FF2B5EF4-FFF2-40B4-BE49-F238E27FC236}">
+                <a16:creationId xmlns:a16="http://schemas.microsoft.com/office/drawing/2014/main" id="{ACBD8095-9B5A-1E2D-0A2F-E1A0EAE30541}"/>
+              </a:ext>
+            </a:extLst>
+          </p:cNvPr>
+          <p:cNvCxnSpPr>
+            <a:cxnSpLocks/>
+          </p:cNvCxnSpPr>
+          <p:nvPr/>
+        </p:nvCxnSpPr>
+        <p:spPr>
+          <a:xfrm>
+            <a:off x="4048623" y="5072662"/>
+            <a:ext cx="594555" cy="0"/>
+          </a:xfrm>
+          <a:prstGeom prst="straightConnector1">
+            <a:avLst/>
+          </a:prstGeom>
+          <a:ln w="28575">
+            <a:solidFill>
+              <a:srgbClr val="00B050"/>
+            </a:solidFill>
+            <a:prstDash val="dash"/>
+            <a:tailEnd type="triangle"/>
+          </a:ln>
+        </p:spPr>
+        <p:style>
+          <a:lnRef idx="1">
+            <a:schemeClr val="accent1"/>
+          </a:lnRef>
+          <a:fillRef idx="0">
+            <a:schemeClr val="accent1"/>
+          </a:fillRef>
+          <a:effectRef idx="0">
+            <a:schemeClr val="accent1"/>
+          </a:effectRef>
+          <a:fontRef idx="minor">
+            <a:schemeClr val="tx1"/>
+          </a:fontRef>
+        </p:style>
+      </p:cxnSp>
+    </p:spTree>
+    <p:extLst>
+      <p:ext uri="{BB962C8B-B14F-4D97-AF65-F5344CB8AC3E}">
+        <p14:creationId xmlns:p14="http://schemas.microsoft.com/office/powerpoint/2010/main" val="420796929"/>
+      </p:ext>
+    </p:extLst>
+  </p:cSld>
+  <p:clrMapOvr>
+    <a:masterClrMapping/>
+  </p:clrMapOvr>
+</p:sld>
+</file>
+
+<file path=ppt/slides/slide16.xml><?xml version="1.0" encoding="utf-8"?>
+<p:sld xmlns:a="http://schemas.openxmlformats.org/drawingml/2006/main" xmlns:r="http://schemas.openxmlformats.org/officeDocument/2006/relationships" xmlns:p="http://schemas.openxmlformats.org/presentationml/2006/main">
+  <p:cSld>
+    <p:spTree>
+      <p:nvGrpSpPr>
+        <p:cNvPr id="1" name=""/>
+        <p:cNvGrpSpPr/>
+        <p:nvPr/>
+      </p:nvGrpSpPr>
+      <p:grpSpPr>
+        <a:xfrm>
+          <a:off x="0" y="0"/>
+          <a:ext cx="0" cy="0"/>
+          <a:chOff x="0" y="0"/>
+          <a:chExt cx="0" cy="0"/>
+        </a:xfrm>
+      </p:grpSpPr>
+      <p:sp>
+        <p:nvSpPr>
+          <p:cNvPr id="2" name="Title 1">
+            <a:extLst>
+              <a:ext uri="{FF2B5EF4-FFF2-40B4-BE49-F238E27FC236}">
+                <a16:creationId xmlns:a16="http://schemas.microsoft.com/office/drawing/2014/main" id="{369A7BF9-8F5B-5A00-7FFF-2F0FA2F75B29}"/>
+              </a:ext>
+            </a:extLst>
+          </p:cNvPr>
+          <p:cNvSpPr>
+            <a:spLocks noGrp="1"/>
+          </p:cNvSpPr>
+          <p:nvPr>
+            <p:ph type="title"/>
+          </p:nvPr>
+        </p:nvSpPr>
+        <p:spPr/>
+        <p:txBody>
+          <a:bodyPr/>
+          <a:lstStyle/>
+          <a:p>
+            <a:r>
+              <a:rPr lang="en-US" dirty="0" err="1"/>
+              <a:t>MemoryStream</a:t>
+            </a:r>
+            <a:r>
+              <a:rPr lang="en-US" dirty="0"/>
+              <a:t> State Transition</a:t>
+            </a:r>
+          </a:p>
+        </p:txBody>
+      </p:sp>
+      <p:sp>
+        <p:nvSpPr>
+          <p:cNvPr id="3" name="Content Placeholder 2">
+            <a:extLst>
+              <a:ext uri="{FF2B5EF4-FFF2-40B4-BE49-F238E27FC236}">
+                <a16:creationId xmlns:a16="http://schemas.microsoft.com/office/drawing/2014/main" id="{CD5920F0-112C-0244-DE20-1B8A876A160A}"/>
+              </a:ext>
+            </a:extLst>
+          </p:cNvPr>
+          <p:cNvSpPr>
+            <a:spLocks noGrp="1"/>
+          </p:cNvSpPr>
+          <p:nvPr>
+            <p:ph idx="1"/>
+          </p:nvPr>
+        </p:nvSpPr>
+        <p:spPr/>
+        <p:txBody>
+          <a:bodyPr/>
+          <a:lstStyle/>
+          <a:p>
+            <a:pPr lvl="1"/>
+            <a:endParaRPr lang="en-US" dirty="0"/>
+          </a:p>
+          <a:p>
+            <a:pPr lvl="1"/>
+            <a:endParaRPr lang="en-US" dirty="0"/>
+          </a:p>
+        </p:txBody>
+      </p:sp>
+      <p:sp>
+        <p:nvSpPr>
+          <p:cNvPr id="4" name="Rectangle 3">
+            <a:extLst>
+              <a:ext uri="{FF2B5EF4-FFF2-40B4-BE49-F238E27FC236}">
+                <a16:creationId xmlns:a16="http://schemas.microsoft.com/office/drawing/2014/main" id="{D337431F-4C7F-B98F-50F9-49161222D534}"/>
+              </a:ext>
+            </a:extLst>
+          </p:cNvPr>
+          <p:cNvSpPr/>
+          <p:nvPr/>
+        </p:nvSpPr>
+        <p:spPr>
+          <a:xfrm>
+            <a:off x="1289384" y="3677166"/>
+            <a:ext cx="4461711" cy="1179095"/>
+          </a:xfrm>
+          <a:prstGeom prst="rect">
+            <a:avLst/>
+          </a:prstGeom>
+        </p:spPr>
+        <p:style>
+          <a:lnRef idx="1">
+            <a:schemeClr val="accent4"/>
+          </a:lnRef>
+          <a:fillRef idx="2">
+            <a:schemeClr val="accent4"/>
+          </a:fillRef>
+          <a:effectRef idx="1">
+            <a:schemeClr val="accent4"/>
+          </a:effectRef>
+          <a:fontRef idx="minor">
+            <a:schemeClr val="dk1"/>
+          </a:fontRef>
+        </p:style>
+        <p:txBody>
+          <a:bodyPr rtlCol="0" anchor="b"/>
+          <a:lstStyle/>
+          <a:p>
+            <a:r>
+              <a:rPr lang="en-US" dirty="0"/>
+              <a:t>VMSS</a:t>
+            </a:r>
+            <a:endParaRPr lang="en-CA" dirty="0"/>
+          </a:p>
+        </p:txBody>
+      </p:sp>
+      <p:sp>
+        <p:nvSpPr>
+          <p:cNvPr id="5" name="Rectangle 4">
+            <a:extLst>
+              <a:ext uri="{FF2B5EF4-FFF2-40B4-BE49-F238E27FC236}">
+                <a16:creationId xmlns:a16="http://schemas.microsoft.com/office/drawing/2014/main" id="{231C6D9D-1EEC-392F-4945-CFEFCB4BE165}"/>
+              </a:ext>
+            </a:extLst>
+          </p:cNvPr>
+          <p:cNvSpPr/>
+          <p:nvPr/>
+        </p:nvSpPr>
+        <p:spPr>
+          <a:xfrm>
+            <a:off x="1513502" y="3743341"/>
+            <a:ext cx="4183451" cy="816894"/>
+          </a:xfrm>
+          <a:prstGeom prst="rect">
+            <a:avLst/>
+          </a:prstGeom>
+        </p:spPr>
+        <p:style>
+          <a:lnRef idx="1">
+            <a:schemeClr val="accent3"/>
+          </a:lnRef>
+          <a:fillRef idx="2">
+            <a:schemeClr val="accent3"/>
+          </a:fillRef>
+          <a:effectRef idx="1">
+            <a:schemeClr val="accent3"/>
+          </a:effectRef>
+          <a:fontRef idx="minor">
+            <a:schemeClr val="dk1"/>
+          </a:fontRef>
+        </p:style>
+        <p:txBody>
+          <a:bodyPr rtlCol="0" anchor="b"/>
+          <a:lstStyle/>
+          <a:p>
+            <a:r>
+              <a:rPr lang="en-US" dirty="0"/>
+              <a:t>Heterogenous Cluster</a:t>
+            </a:r>
+            <a:endParaRPr lang="en-CA" dirty="0"/>
+          </a:p>
+        </p:txBody>
+      </p:sp>
+      <p:sp>
+        <p:nvSpPr>
+          <p:cNvPr id="6" name="Rectangle 5">
+            <a:extLst>
+              <a:ext uri="{FF2B5EF4-FFF2-40B4-BE49-F238E27FC236}">
+                <a16:creationId xmlns:a16="http://schemas.microsoft.com/office/drawing/2014/main" id="{932634B9-151B-EE18-855F-B876175458C2}"/>
+              </a:ext>
+            </a:extLst>
+          </p:cNvPr>
+          <p:cNvSpPr/>
+          <p:nvPr/>
+        </p:nvSpPr>
+        <p:spPr>
+          <a:xfrm>
+            <a:off x="1289384" y="2803358"/>
+            <a:ext cx="4461711" cy="781733"/>
+          </a:xfrm>
+          <a:prstGeom prst="rect">
+            <a:avLst/>
+          </a:prstGeom>
+        </p:spPr>
+        <p:style>
+          <a:lnRef idx="1">
+            <a:schemeClr val="accent4"/>
+          </a:lnRef>
+          <a:fillRef idx="2">
+            <a:schemeClr val="accent4"/>
+          </a:fillRef>
+          <a:effectRef idx="1">
+            <a:schemeClr val="accent4"/>
+          </a:effectRef>
+          <a:fontRef idx="minor">
+            <a:schemeClr val="dk1"/>
+          </a:fontRef>
+        </p:style>
+        <p:txBody>
+          <a:bodyPr rtlCol="0" anchor="b"/>
+          <a:lstStyle/>
+          <a:p>
+            <a:r>
+              <a:rPr lang="en-US" dirty="0"/>
+              <a:t>Frontend (ACA)</a:t>
+            </a:r>
+            <a:endParaRPr lang="en-CA" dirty="0"/>
+          </a:p>
+        </p:txBody>
+      </p:sp>
+      <p:sp>
+        <p:nvSpPr>
+          <p:cNvPr id="7" name="Rectangle 6">
+            <a:extLst>
+              <a:ext uri="{FF2B5EF4-FFF2-40B4-BE49-F238E27FC236}">
+                <a16:creationId xmlns:a16="http://schemas.microsoft.com/office/drawing/2014/main" id="{7CDE0A13-DD22-CC79-F25B-1534CA36B20A}"/>
+              </a:ext>
+            </a:extLst>
+          </p:cNvPr>
+          <p:cNvSpPr/>
+          <p:nvPr/>
+        </p:nvSpPr>
+        <p:spPr>
+          <a:xfrm>
+            <a:off x="1513502" y="2881563"/>
+            <a:ext cx="4129309" cy="334762"/>
+          </a:xfrm>
+          <a:prstGeom prst="rect">
+            <a:avLst/>
+          </a:prstGeom>
+        </p:spPr>
+        <p:style>
+          <a:lnRef idx="1">
+            <a:schemeClr val="accent5"/>
+          </a:lnRef>
+          <a:fillRef idx="2">
+            <a:schemeClr val="accent5"/>
+          </a:fillRef>
+          <a:effectRef idx="1">
+            <a:schemeClr val="accent5"/>
+          </a:effectRef>
+          <a:fontRef idx="minor">
+            <a:schemeClr val="dk1"/>
+          </a:fontRef>
+        </p:style>
+        <p:txBody>
+          <a:bodyPr rtlCol="0" anchor="ctr"/>
+          <a:lstStyle/>
+          <a:p>
+            <a:pPr algn="ctr"/>
+            <a:r>
+              <a:rPr lang="en-US" dirty="0"/>
+              <a:t>Blue Clients</a:t>
+            </a:r>
+            <a:endParaRPr lang="en-CA" dirty="0"/>
+          </a:p>
+        </p:txBody>
+      </p:sp>
+      <p:sp>
+        <p:nvSpPr>
+          <p:cNvPr id="8" name="Rectangle 7">
+            <a:extLst>
+              <a:ext uri="{FF2B5EF4-FFF2-40B4-BE49-F238E27FC236}">
+                <a16:creationId xmlns:a16="http://schemas.microsoft.com/office/drawing/2014/main" id="{6A13DBF3-8CC9-34CE-F187-0C8BFD417592}"/>
+              </a:ext>
+            </a:extLst>
+          </p:cNvPr>
+          <p:cNvSpPr/>
+          <p:nvPr/>
+        </p:nvSpPr>
+        <p:spPr>
+          <a:xfrm>
+            <a:off x="1737620" y="3809512"/>
+            <a:ext cx="3905191" cy="445877"/>
+          </a:xfrm>
+          <a:prstGeom prst="rect">
+            <a:avLst/>
+          </a:prstGeom>
+        </p:spPr>
+        <p:style>
+          <a:lnRef idx="1">
+            <a:schemeClr val="accent5"/>
+          </a:lnRef>
+          <a:fillRef idx="2">
+            <a:schemeClr val="accent5"/>
+          </a:fillRef>
+          <a:effectRef idx="1">
+            <a:schemeClr val="accent5"/>
+          </a:effectRef>
+          <a:fontRef idx="minor">
+            <a:schemeClr val="dk1"/>
+          </a:fontRef>
+        </p:style>
+        <p:txBody>
+          <a:bodyPr rtlCol="0" anchor="ctr"/>
+          <a:lstStyle/>
+          <a:p>
+            <a:r>
+              <a:rPr lang="en-US" dirty="0"/>
+              <a:t>Blue Nodes</a:t>
+            </a:r>
+            <a:endParaRPr lang="en-CA" dirty="0"/>
+          </a:p>
+        </p:txBody>
+      </p:sp>
+      <p:sp>
+        <p:nvSpPr>
+          <p:cNvPr id="9" name="Rectangle 8">
+            <a:extLst>
+              <a:ext uri="{FF2B5EF4-FFF2-40B4-BE49-F238E27FC236}">
+                <a16:creationId xmlns:a16="http://schemas.microsoft.com/office/drawing/2014/main" id="{575E90A3-4E4B-113F-30D3-3F91691A44DC}"/>
+              </a:ext>
+            </a:extLst>
+          </p:cNvPr>
+          <p:cNvSpPr/>
+          <p:nvPr/>
+        </p:nvSpPr>
+        <p:spPr>
+          <a:xfrm>
+            <a:off x="4445666" y="3859964"/>
+            <a:ext cx="1143002" cy="344972"/>
+          </a:xfrm>
+          <a:prstGeom prst="rect">
+            <a:avLst/>
+          </a:prstGeom>
+        </p:spPr>
+        <p:style>
+          <a:lnRef idx="1">
+            <a:schemeClr val="accent2"/>
+          </a:lnRef>
+          <a:fillRef idx="2">
+            <a:schemeClr val="accent2"/>
+          </a:fillRef>
+          <a:effectRef idx="1">
+            <a:schemeClr val="accent2"/>
+          </a:effectRef>
+          <a:fontRef idx="minor">
+            <a:schemeClr val="dk1"/>
+          </a:fontRef>
+        </p:style>
+        <p:txBody>
+          <a:bodyPr rtlCol="0" anchor="ctr"/>
+          <a:lstStyle/>
+          <a:p>
+            <a:pPr algn="ctr"/>
+            <a:r>
+              <a:rPr lang="en-US" sz="1000" dirty="0" err="1"/>
+              <a:t>MemoryStream</a:t>
+            </a:r>
+            <a:endParaRPr lang="en-US" sz="1000" dirty="0"/>
+          </a:p>
+          <a:p>
+            <a:pPr algn="ctr"/>
+            <a:r>
+              <a:rPr lang="en-US" sz="1000" dirty="0"/>
+              <a:t>Notional V1</a:t>
+            </a:r>
+          </a:p>
+        </p:txBody>
+      </p:sp>
+      <p:sp>
+        <p:nvSpPr>
+          <p:cNvPr id="10" name="Rectangle 9">
+            <a:extLst>
+              <a:ext uri="{FF2B5EF4-FFF2-40B4-BE49-F238E27FC236}">
+                <a16:creationId xmlns:a16="http://schemas.microsoft.com/office/drawing/2014/main" id="{40B854AA-55FB-AEBB-08C9-445996D53938}"/>
+              </a:ext>
+            </a:extLst>
+          </p:cNvPr>
+          <p:cNvSpPr/>
+          <p:nvPr/>
+        </p:nvSpPr>
+        <p:spPr>
+          <a:xfrm>
+            <a:off x="3471102" y="3859964"/>
+            <a:ext cx="920421" cy="344972"/>
+          </a:xfrm>
+          <a:prstGeom prst="rect">
+            <a:avLst/>
+          </a:prstGeom>
+        </p:spPr>
+        <p:style>
+          <a:lnRef idx="1">
+            <a:schemeClr val="accent2"/>
+          </a:lnRef>
+          <a:fillRef idx="2">
+            <a:schemeClr val="accent2"/>
+          </a:fillRef>
+          <a:effectRef idx="1">
+            <a:schemeClr val="accent2"/>
+          </a:effectRef>
+          <a:fontRef idx="minor">
+            <a:schemeClr val="dk1"/>
+          </a:fontRef>
+        </p:style>
+        <p:txBody>
+          <a:bodyPr rtlCol="0" anchor="ctr"/>
+          <a:lstStyle/>
+          <a:p>
+            <a:pPr algn="ctr"/>
+            <a:r>
+              <a:rPr lang="en-US" sz="1000" dirty="0" err="1"/>
+              <a:t>IPubGrain</a:t>
+            </a:r>
+            <a:r>
+              <a:rPr lang="en-US" sz="1000" dirty="0"/>
+              <a:t>(V1)</a:t>
+            </a:r>
+          </a:p>
+          <a:p>
+            <a:pPr algn="ctr"/>
+            <a:r>
+              <a:rPr lang="en-US" sz="1000" dirty="0"/>
+              <a:t>+Key</a:t>
+            </a:r>
+          </a:p>
+        </p:txBody>
+      </p:sp>
+      <p:sp>
+        <p:nvSpPr>
+          <p:cNvPr id="11" name="Rectangle 10">
+            <a:extLst>
+              <a:ext uri="{FF2B5EF4-FFF2-40B4-BE49-F238E27FC236}">
+                <a16:creationId xmlns:a16="http://schemas.microsoft.com/office/drawing/2014/main" id="{0D7B87A2-77A2-1CA6-DFF9-0E1C1000D7AE}"/>
+              </a:ext>
+            </a:extLst>
+          </p:cNvPr>
+          <p:cNvSpPr/>
+          <p:nvPr/>
+        </p:nvSpPr>
+        <p:spPr>
+          <a:xfrm>
+            <a:off x="6202279" y="3677166"/>
+            <a:ext cx="4461711" cy="1179095"/>
+          </a:xfrm>
+          <a:prstGeom prst="rect">
+            <a:avLst/>
+          </a:prstGeom>
+        </p:spPr>
+        <p:style>
+          <a:lnRef idx="1">
+            <a:schemeClr val="accent4"/>
+          </a:lnRef>
+          <a:fillRef idx="2">
+            <a:schemeClr val="accent4"/>
+          </a:fillRef>
+          <a:effectRef idx="1">
+            <a:schemeClr val="accent4"/>
+          </a:effectRef>
+          <a:fontRef idx="minor">
+            <a:schemeClr val="dk1"/>
+          </a:fontRef>
+        </p:style>
+        <p:txBody>
+          <a:bodyPr rtlCol="0" anchor="b"/>
+          <a:lstStyle/>
+          <a:p>
+            <a:r>
+              <a:rPr lang="en-US" dirty="0"/>
+              <a:t>VMSS</a:t>
+            </a:r>
+            <a:endParaRPr lang="en-CA" dirty="0"/>
+          </a:p>
+        </p:txBody>
+      </p:sp>
+      <p:sp>
+        <p:nvSpPr>
+          <p:cNvPr id="12" name="Rectangle 11">
+            <a:extLst>
+              <a:ext uri="{FF2B5EF4-FFF2-40B4-BE49-F238E27FC236}">
+                <a16:creationId xmlns:a16="http://schemas.microsoft.com/office/drawing/2014/main" id="{B4CD9E7A-8E99-AF8F-FD18-63FD51F3F779}"/>
+              </a:ext>
+            </a:extLst>
+          </p:cNvPr>
+          <p:cNvSpPr/>
+          <p:nvPr/>
+        </p:nvSpPr>
+        <p:spPr>
+          <a:xfrm>
+            <a:off x="6426397" y="3743341"/>
+            <a:ext cx="4183451" cy="816894"/>
+          </a:xfrm>
+          <a:prstGeom prst="rect">
+            <a:avLst/>
+          </a:prstGeom>
+        </p:spPr>
+        <p:style>
+          <a:lnRef idx="1">
+            <a:schemeClr val="accent3"/>
+          </a:lnRef>
+          <a:fillRef idx="2">
+            <a:schemeClr val="accent3"/>
+          </a:fillRef>
+          <a:effectRef idx="1">
+            <a:schemeClr val="accent3"/>
+          </a:effectRef>
+          <a:fontRef idx="minor">
+            <a:schemeClr val="dk1"/>
+          </a:fontRef>
+        </p:style>
+        <p:txBody>
+          <a:bodyPr rtlCol="0" anchor="b"/>
+          <a:lstStyle/>
+          <a:p>
+            <a:r>
+              <a:rPr lang="en-US" dirty="0"/>
+              <a:t>Heterogenous Cluster</a:t>
+            </a:r>
+            <a:endParaRPr lang="en-CA" dirty="0"/>
+          </a:p>
+        </p:txBody>
+      </p:sp>
+      <p:sp>
+        <p:nvSpPr>
+          <p:cNvPr id="13" name="Rectangle 12">
+            <a:extLst>
+              <a:ext uri="{FF2B5EF4-FFF2-40B4-BE49-F238E27FC236}">
+                <a16:creationId xmlns:a16="http://schemas.microsoft.com/office/drawing/2014/main" id="{E3BCAD79-764E-E21D-B452-B0BA3F3AF0A2}"/>
+              </a:ext>
+            </a:extLst>
+          </p:cNvPr>
+          <p:cNvSpPr/>
+          <p:nvPr/>
+        </p:nvSpPr>
+        <p:spPr>
+          <a:xfrm>
+            <a:off x="6202279" y="2803358"/>
+            <a:ext cx="4461711" cy="781733"/>
+          </a:xfrm>
+          <a:prstGeom prst="rect">
+            <a:avLst/>
+          </a:prstGeom>
+        </p:spPr>
+        <p:style>
+          <a:lnRef idx="1">
+            <a:schemeClr val="accent4"/>
+          </a:lnRef>
+          <a:fillRef idx="2">
+            <a:schemeClr val="accent4"/>
+          </a:fillRef>
+          <a:effectRef idx="1">
+            <a:schemeClr val="accent4"/>
+          </a:effectRef>
+          <a:fontRef idx="minor">
+            <a:schemeClr val="dk1"/>
+          </a:fontRef>
+        </p:style>
+        <p:txBody>
+          <a:bodyPr rtlCol="0" anchor="b"/>
+          <a:lstStyle/>
+          <a:p>
+            <a:r>
+              <a:rPr lang="en-US" dirty="0"/>
+              <a:t>Frontend (ACA)</a:t>
+            </a:r>
+            <a:endParaRPr lang="en-CA" dirty="0"/>
+          </a:p>
+        </p:txBody>
+      </p:sp>
+      <p:sp>
+        <p:nvSpPr>
+          <p:cNvPr id="14" name="Rectangle 13">
+            <a:extLst>
+              <a:ext uri="{FF2B5EF4-FFF2-40B4-BE49-F238E27FC236}">
+                <a16:creationId xmlns:a16="http://schemas.microsoft.com/office/drawing/2014/main" id="{86E672DB-617B-36EC-7336-D3AD48738420}"/>
+              </a:ext>
+            </a:extLst>
+          </p:cNvPr>
+          <p:cNvSpPr/>
+          <p:nvPr/>
+        </p:nvSpPr>
+        <p:spPr>
+          <a:xfrm>
+            <a:off x="6426397" y="2881563"/>
+            <a:ext cx="4129309" cy="334762"/>
+          </a:xfrm>
+          <a:prstGeom prst="rect">
+            <a:avLst/>
+          </a:prstGeom>
+        </p:spPr>
+        <p:style>
+          <a:lnRef idx="1">
+            <a:schemeClr val="accent6"/>
+          </a:lnRef>
+          <a:fillRef idx="2">
+            <a:schemeClr val="accent6"/>
+          </a:fillRef>
+          <a:effectRef idx="1">
+            <a:schemeClr val="accent6"/>
+          </a:effectRef>
+          <a:fontRef idx="minor">
+            <a:schemeClr val="dk1"/>
+          </a:fontRef>
+        </p:style>
+        <p:txBody>
+          <a:bodyPr rtlCol="0" anchor="ctr"/>
+          <a:lstStyle/>
+          <a:p>
+            <a:pPr algn="ctr"/>
+            <a:r>
+              <a:rPr lang="en-US" dirty="0"/>
+              <a:t>Green Clients</a:t>
+            </a:r>
+            <a:endParaRPr lang="en-CA" dirty="0"/>
+          </a:p>
+        </p:txBody>
+      </p:sp>
+      <p:sp>
+        <p:nvSpPr>
+          <p:cNvPr id="15" name="Rectangle 14">
+            <a:extLst>
+              <a:ext uri="{FF2B5EF4-FFF2-40B4-BE49-F238E27FC236}">
+                <a16:creationId xmlns:a16="http://schemas.microsoft.com/office/drawing/2014/main" id="{7A5E066D-D2E7-56EE-7FA0-EDF928CD0263}"/>
+              </a:ext>
+            </a:extLst>
+          </p:cNvPr>
+          <p:cNvSpPr/>
+          <p:nvPr/>
+        </p:nvSpPr>
+        <p:spPr>
+          <a:xfrm>
+            <a:off x="6650515" y="3809512"/>
+            <a:ext cx="3905191" cy="445877"/>
+          </a:xfrm>
+          <a:prstGeom prst="rect">
+            <a:avLst/>
+          </a:prstGeom>
+        </p:spPr>
+        <p:style>
+          <a:lnRef idx="1">
+            <a:schemeClr val="accent6"/>
+          </a:lnRef>
+          <a:fillRef idx="2">
+            <a:schemeClr val="accent6"/>
+          </a:fillRef>
+          <a:effectRef idx="1">
+            <a:schemeClr val="accent6"/>
+          </a:effectRef>
+          <a:fontRef idx="minor">
+            <a:schemeClr val="dk1"/>
+          </a:fontRef>
+        </p:style>
+        <p:txBody>
+          <a:bodyPr rtlCol="0" anchor="ctr"/>
+          <a:lstStyle/>
+          <a:p>
+            <a:r>
+              <a:rPr lang="en-US" sz="1200" dirty="0"/>
+              <a:t>Green</a:t>
+            </a:r>
+          </a:p>
+          <a:p>
+            <a:r>
+              <a:rPr lang="en-US" sz="1200" dirty="0"/>
+              <a:t>Nodes</a:t>
+            </a:r>
+            <a:endParaRPr lang="en-CA" sz="1200" dirty="0"/>
+          </a:p>
+        </p:txBody>
+      </p:sp>
+      <p:sp>
+        <p:nvSpPr>
+          <p:cNvPr id="16" name="Rectangle 15">
+            <a:extLst>
+              <a:ext uri="{FF2B5EF4-FFF2-40B4-BE49-F238E27FC236}">
+                <a16:creationId xmlns:a16="http://schemas.microsoft.com/office/drawing/2014/main" id="{56614FFB-C2B3-9D35-9D8F-A118DC428305}"/>
+              </a:ext>
+            </a:extLst>
+          </p:cNvPr>
+          <p:cNvSpPr/>
+          <p:nvPr/>
+        </p:nvSpPr>
+        <p:spPr>
+          <a:xfrm>
+            <a:off x="9358561" y="3859964"/>
+            <a:ext cx="1143002" cy="344972"/>
+          </a:xfrm>
+          <a:prstGeom prst="rect">
+            <a:avLst/>
+          </a:prstGeom>
+        </p:spPr>
+        <p:style>
+          <a:lnRef idx="1">
+            <a:schemeClr val="accent2"/>
+          </a:lnRef>
+          <a:fillRef idx="2">
+            <a:schemeClr val="accent2"/>
+          </a:fillRef>
+          <a:effectRef idx="1">
+            <a:schemeClr val="accent2"/>
+          </a:effectRef>
+          <a:fontRef idx="minor">
+            <a:schemeClr val="dk1"/>
+          </a:fontRef>
+        </p:style>
+        <p:txBody>
+          <a:bodyPr rtlCol="0" anchor="ctr"/>
+          <a:lstStyle/>
+          <a:p>
+            <a:pPr algn="ctr"/>
+            <a:r>
+              <a:rPr lang="en-US" sz="1000" dirty="0" err="1"/>
+              <a:t>MemoryStream</a:t>
+            </a:r>
+            <a:endParaRPr lang="en-US" sz="1000" dirty="0"/>
+          </a:p>
+          <a:p>
+            <a:pPr algn="ctr"/>
+            <a:r>
+              <a:rPr lang="en-US" sz="1000" dirty="0"/>
+              <a:t>Notional V2</a:t>
+            </a:r>
+          </a:p>
+        </p:txBody>
+      </p:sp>
+      <p:sp>
+        <p:nvSpPr>
+          <p:cNvPr id="17" name="Rectangle 16">
+            <a:extLst>
+              <a:ext uri="{FF2B5EF4-FFF2-40B4-BE49-F238E27FC236}">
+                <a16:creationId xmlns:a16="http://schemas.microsoft.com/office/drawing/2014/main" id="{D6031D20-6724-3030-EE0A-E53EC592BE29}"/>
+              </a:ext>
+            </a:extLst>
+          </p:cNvPr>
+          <p:cNvSpPr/>
+          <p:nvPr/>
+        </p:nvSpPr>
+        <p:spPr>
+          <a:xfrm>
+            <a:off x="8383997" y="3859964"/>
+            <a:ext cx="920421" cy="344972"/>
+          </a:xfrm>
+          <a:prstGeom prst="rect">
+            <a:avLst/>
+          </a:prstGeom>
+        </p:spPr>
+        <p:style>
+          <a:lnRef idx="1">
+            <a:schemeClr val="accent2"/>
+          </a:lnRef>
+          <a:fillRef idx="2">
+            <a:schemeClr val="accent2"/>
+          </a:fillRef>
+          <a:effectRef idx="1">
+            <a:schemeClr val="accent2"/>
+          </a:effectRef>
+          <a:fontRef idx="minor">
+            <a:schemeClr val="dk1"/>
+          </a:fontRef>
+        </p:style>
+        <p:txBody>
+          <a:bodyPr rtlCol="0" anchor="ctr"/>
+          <a:lstStyle/>
+          <a:p>
+            <a:pPr algn="ctr"/>
+            <a:r>
+              <a:rPr lang="en-US" sz="1000" dirty="0" err="1"/>
+              <a:t>IPubGrain</a:t>
+            </a:r>
+            <a:r>
+              <a:rPr lang="en-US" sz="1000" dirty="0"/>
+              <a:t>(V2)</a:t>
+            </a:r>
+          </a:p>
+        </p:txBody>
+      </p:sp>
+      <p:sp>
+        <p:nvSpPr>
+          <p:cNvPr id="20" name="Oval 19">
+            <a:extLst>
+              <a:ext uri="{FF2B5EF4-FFF2-40B4-BE49-F238E27FC236}">
+                <a16:creationId xmlns:a16="http://schemas.microsoft.com/office/drawing/2014/main" id="{B3874150-6FAA-E6EB-E3B4-A3511DC84771}"/>
+              </a:ext>
+            </a:extLst>
+          </p:cNvPr>
+          <p:cNvSpPr/>
+          <p:nvPr/>
+        </p:nvSpPr>
+        <p:spPr>
+          <a:xfrm>
+            <a:off x="9358561" y="2676009"/>
+            <a:ext cx="457200" cy="457200"/>
+          </a:xfrm>
+          <a:prstGeom prst="ellipse">
+            <a:avLst/>
+          </a:prstGeom>
+          <a:solidFill>
+            <a:schemeClr val="bg1"/>
+          </a:solidFill>
+          <a:ln w="28575">
+            <a:solidFill>
+              <a:srgbClr val="FF0000"/>
+            </a:solidFill>
+          </a:ln>
+        </p:spPr>
+        <p:style>
+          <a:lnRef idx="2">
+            <a:schemeClr val="accent1">
+              <a:shade val="50000"/>
+            </a:schemeClr>
+          </a:lnRef>
+          <a:fillRef idx="1">
+            <a:schemeClr val="accent1"/>
+          </a:fillRef>
+          <a:effectRef idx="0">
+            <a:schemeClr val="accent1"/>
+          </a:effectRef>
+          <a:fontRef idx="minor">
+            <a:schemeClr val="lt1"/>
+          </a:fontRef>
+        </p:style>
+        <p:txBody>
+          <a:bodyPr rtlCol="0" anchor="ctr"/>
+          <a:lstStyle/>
+          <a:p>
+            <a:pPr algn="ctr"/>
+            <a:r>
+              <a:rPr lang="en-US" dirty="0">
+                <a:solidFill>
+                  <a:srgbClr val="FF0000"/>
+                </a:solidFill>
+              </a:rPr>
+              <a:t>1</a:t>
+            </a:r>
+          </a:p>
+        </p:txBody>
+      </p:sp>
+      <p:cxnSp>
+        <p:nvCxnSpPr>
+          <p:cNvPr id="21" name="Straight Arrow Connector 20">
+            <a:extLst>
+              <a:ext uri="{FF2B5EF4-FFF2-40B4-BE49-F238E27FC236}">
+                <a16:creationId xmlns:a16="http://schemas.microsoft.com/office/drawing/2014/main" id="{DB718572-FEED-DEEE-1A58-A4AAEA17CD56}"/>
+              </a:ext>
+            </a:extLst>
+          </p:cNvPr>
+          <p:cNvCxnSpPr>
+            <a:cxnSpLocks/>
+          </p:cNvCxnSpPr>
+          <p:nvPr/>
+        </p:nvCxnSpPr>
+        <p:spPr>
+          <a:xfrm>
+            <a:off x="9710425" y="2406716"/>
+            <a:ext cx="0" cy="497893"/>
+          </a:xfrm>
+          <a:prstGeom prst="straightConnector1">
+            <a:avLst/>
+          </a:prstGeom>
+          <a:ln>
+            <a:tailEnd type="triangle"/>
+          </a:ln>
+        </p:spPr>
+        <p:style>
+          <a:lnRef idx="1">
+            <a:schemeClr val="accent1"/>
+          </a:lnRef>
+          <a:fillRef idx="0">
+            <a:schemeClr val="accent1"/>
+          </a:fillRef>
+          <a:effectRef idx="0">
+            <a:schemeClr val="accent1"/>
+          </a:effectRef>
+          <a:fontRef idx="minor">
+            <a:schemeClr val="tx1"/>
+          </a:fontRef>
+        </p:style>
+      </p:cxnSp>
+      <p:sp>
+        <p:nvSpPr>
+          <p:cNvPr id="22" name="Rectangle 21">
+            <a:extLst>
+              <a:ext uri="{FF2B5EF4-FFF2-40B4-BE49-F238E27FC236}">
+                <a16:creationId xmlns:a16="http://schemas.microsoft.com/office/drawing/2014/main" id="{E4D8B5F2-C738-9A3C-24E8-B15AF778D597}"/>
+              </a:ext>
+            </a:extLst>
+          </p:cNvPr>
+          <p:cNvSpPr/>
+          <p:nvPr/>
+        </p:nvSpPr>
+        <p:spPr>
+          <a:xfrm>
+            <a:off x="9942510" y="2482683"/>
+            <a:ext cx="1463957" cy="457200"/>
+          </a:xfrm>
+          <a:prstGeom prst="rect">
+            <a:avLst/>
+          </a:prstGeom>
+        </p:spPr>
+        <p:style>
+          <a:lnRef idx="2">
+            <a:schemeClr val="accent1">
+              <a:shade val="50000"/>
+            </a:schemeClr>
+          </a:lnRef>
+          <a:fillRef idx="1">
+            <a:schemeClr val="accent1"/>
+          </a:fillRef>
+          <a:effectRef idx="0">
+            <a:schemeClr val="accent1"/>
+          </a:effectRef>
+          <a:fontRef idx="minor">
+            <a:schemeClr val="lt1"/>
+          </a:fontRef>
+        </p:style>
+        <p:txBody>
+          <a:bodyPr rtlCol="0" anchor="ctr"/>
+          <a:lstStyle/>
+          <a:p>
+            <a:r>
+              <a:rPr lang="en-US" sz="1000" b="0" i="0" dirty="0">
+                <a:effectLst/>
+                <a:latin typeface="Whitney"/>
+              </a:rPr>
+              <a:t>First </a:t>
+            </a:r>
+            <a:r>
+              <a:rPr lang="en-US" sz="1000" b="0" i="0" dirty="0" err="1">
+                <a:effectLst/>
+                <a:latin typeface="Whitney"/>
+              </a:rPr>
+              <a:t>IPubGrain</a:t>
+            </a:r>
+            <a:r>
+              <a:rPr lang="en-US" sz="1000" b="0" i="0" dirty="0">
+                <a:effectLst/>
+                <a:latin typeface="Whitney"/>
+              </a:rPr>
+              <a:t>(V2,key) request</a:t>
+            </a:r>
+            <a:endParaRPr lang="en-US" sz="1000" dirty="0"/>
+          </a:p>
+        </p:txBody>
+      </p:sp>
+      <p:sp>
+        <p:nvSpPr>
+          <p:cNvPr id="23" name="Rectangle 22">
+            <a:extLst>
+              <a:ext uri="{FF2B5EF4-FFF2-40B4-BE49-F238E27FC236}">
+                <a16:creationId xmlns:a16="http://schemas.microsoft.com/office/drawing/2014/main" id="{23CCEE31-52D7-B5A5-BD31-2DDF511F083C}"/>
+              </a:ext>
+            </a:extLst>
+          </p:cNvPr>
+          <p:cNvSpPr/>
+          <p:nvPr/>
+        </p:nvSpPr>
+        <p:spPr>
+          <a:xfrm>
+            <a:off x="2983919" y="4533998"/>
+            <a:ext cx="1543873" cy="457200"/>
+          </a:xfrm>
+          <a:prstGeom prst="rect">
+            <a:avLst/>
+          </a:prstGeom>
+        </p:spPr>
+        <p:style>
+          <a:lnRef idx="2">
+            <a:schemeClr val="accent1">
+              <a:shade val="50000"/>
+            </a:schemeClr>
+          </a:lnRef>
+          <a:fillRef idx="1">
+            <a:schemeClr val="accent1"/>
+          </a:fillRef>
+          <a:effectRef idx="0">
+            <a:schemeClr val="accent1"/>
+          </a:effectRef>
+          <a:fontRef idx="minor">
+            <a:schemeClr val="lt1"/>
+          </a:fontRef>
+        </p:style>
+        <p:txBody>
+          <a:bodyPr rtlCol="0" anchor="ctr"/>
+          <a:lstStyle/>
+          <a:p>
+            <a:r>
+              <a:rPr lang="en-US" sz="1000" b="0" i="0" dirty="0" err="1">
+                <a:effectLst/>
+                <a:latin typeface="Whitney"/>
+              </a:rPr>
+              <a:t>DeactivateAsync</a:t>
+            </a:r>
+            <a:r>
+              <a:rPr lang="en-US" sz="1000" b="0" i="0" dirty="0">
+                <a:effectLst/>
+                <a:latin typeface="Whitney"/>
+              </a:rPr>
+              <a:t> w/</a:t>
+            </a:r>
+          </a:p>
+          <a:p>
+            <a:r>
+              <a:rPr lang="en-US" sz="1000" b="0" i="0" dirty="0" err="1">
+                <a:effectLst/>
+                <a:latin typeface="Whitney"/>
+              </a:rPr>
+              <a:t>DeactivationReasonCode</a:t>
+            </a:r>
+            <a:r>
+              <a:rPr lang="en-US" sz="1000" b="0" i="0" dirty="0">
+                <a:effectLst/>
+                <a:latin typeface="Whitney"/>
+              </a:rPr>
+              <a:t>:</a:t>
+            </a:r>
+          </a:p>
+          <a:p>
+            <a:r>
+              <a:rPr lang="en-US" sz="1000" b="0" i="0" dirty="0" err="1">
+                <a:effectLst/>
+                <a:latin typeface="Whitney"/>
+              </a:rPr>
+              <a:t>IncompatibleRequest</a:t>
+            </a:r>
+            <a:endParaRPr lang="en-US" sz="1000" dirty="0"/>
+          </a:p>
+        </p:txBody>
+      </p:sp>
+      <p:sp>
+        <p:nvSpPr>
+          <p:cNvPr id="24" name="Oval 23">
+            <a:extLst>
+              <a:ext uri="{FF2B5EF4-FFF2-40B4-BE49-F238E27FC236}">
+                <a16:creationId xmlns:a16="http://schemas.microsoft.com/office/drawing/2014/main" id="{022A80D9-3A5C-B2D7-0854-A13400B1E1A6}"/>
+              </a:ext>
+            </a:extLst>
+          </p:cNvPr>
+          <p:cNvSpPr/>
+          <p:nvPr/>
+        </p:nvSpPr>
+        <p:spPr>
+          <a:xfrm>
+            <a:off x="3832792" y="4149467"/>
+            <a:ext cx="457200" cy="457200"/>
+          </a:xfrm>
+          <a:prstGeom prst="ellipse">
+            <a:avLst/>
+          </a:prstGeom>
+          <a:solidFill>
+            <a:schemeClr val="bg1"/>
+          </a:solidFill>
+          <a:ln w="28575">
+            <a:solidFill>
+              <a:srgbClr val="FF0000"/>
+            </a:solidFill>
+          </a:ln>
+        </p:spPr>
+        <p:style>
+          <a:lnRef idx="2">
+            <a:schemeClr val="accent1">
+              <a:shade val="50000"/>
+            </a:schemeClr>
+          </a:lnRef>
+          <a:fillRef idx="1">
+            <a:schemeClr val="accent1"/>
+          </a:fillRef>
+          <a:effectRef idx="0">
+            <a:schemeClr val="accent1"/>
+          </a:effectRef>
+          <a:fontRef idx="minor">
+            <a:schemeClr val="lt1"/>
+          </a:fontRef>
+        </p:style>
+        <p:txBody>
+          <a:bodyPr rtlCol="0" anchor="ctr"/>
+          <a:lstStyle/>
+          <a:p>
+            <a:pPr algn="ctr"/>
+            <a:r>
+              <a:rPr lang="en-US" dirty="0">
+                <a:solidFill>
+                  <a:srgbClr val="FF0000"/>
+                </a:solidFill>
+              </a:rPr>
+              <a:t>2</a:t>
+            </a:r>
+          </a:p>
+        </p:txBody>
+      </p:sp>
+      <p:sp>
+        <p:nvSpPr>
+          <p:cNvPr id="25" name="Oval 24">
+            <a:extLst>
+              <a:ext uri="{FF2B5EF4-FFF2-40B4-BE49-F238E27FC236}">
+                <a16:creationId xmlns:a16="http://schemas.microsoft.com/office/drawing/2014/main" id="{93B48DBA-7EC4-2B4F-A1A0-7F02262D471B}"/>
+              </a:ext>
+            </a:extLst>
+          </p:cNvPr>
+          <p:cNvSpPr/>
+          <p:nvPr/>
+        </p:nvSpPr>
+        <p:spPr>
+          <a:xfrm>
+            <a:off x="4495915" y="5021471"/>
+            <a:ext cx="457200" cy="457200"/>
+          </a:xfrm>
+          <a:prstGeom prst="ellipse">
+            <a:avLst/>
+          </a:prstGeom>
+          <a:solidFill>
+            <a:schemeClr val="bg1"/>
+          </a:solidFill>
+          <a:ln w="28575">
+            <a:solidFill>
+              <a:srgbClr val="FF0000"/>
+            </a:solidFill>
+          </a:ln>
+        </p:spPr>
+        <p:style>
+          <a:lnRef idx="2">
+            <a:schemeClr val="accent1">
+              <a:shade val="50000"/>
+            </a:schemeClr>
+          </a:lnRef>
+          <a:fillRef idx="1">
+            <a:schemeClr val="accent1"/>
+          </a:fillRef>
+          <a:effectRef idx="0">
+            <a:schemeClr val="accent1"/>
+          </a:effectRef>
+          <a:fontRef idx="minor">
+            <a:schemeClr val="lt1"/>
+          </a:fontRef>
+        </p:style>
+        <p:txBody>
+          <a:bodyPr rtlCol="0" anchor="ctr"/>
+          <a:lstStyle/>
+          <a:p>
+            <a:pPr algn="ctr"/>
+            <a:r>
+              <a:rPr lang="en-US" dirty="0">
+                <a:solidFill>
+                  <a:srgbClr val="FF0000"/>
+                </a:solidFill>
+              </a:rPr>
+              <a:t>3</a:t>
+            </a:r>
+          </a:p>
+        </p:txBody>
+      </p:sp>
+      <p:sp>
+        <p:nvSpPr>
+          <p:cNvPr id="26" name="Rectangle 25">
+            <a:extLst>
+              <a:ext uri="{FF2B5EF4-FFF2-40B4-BE49-F238E27FC236}">
+                <a16:creationId xmlns:a16="http://schemas.microsoft.com/office/drawing/2014/main" id="{E00EEA83-3299-11DA-BD97-D8251C56EFCA}"/>
+              </a:ext>
+            </a:extLst>
+          </p:cNvPr>
+          <p:cNvSpPr/>
+          <p:nvPr/>
+        </p:nvSpPr>
+        <p:spPr>
+          <a:xfrm>
+            <a:off x="5008914" y="4775090"/>
+            <a:ext cx="742181" cy="457200"/>
+          </a:xfrm>
+          <a:prstGeom prst="rect">
+            <a:avLst/>
+          </a:prstGeom>
+        </p:spPr>
+        <p:style>
+          <a:lnRef idx="2">
+            <a:schemeClr val="accent1">
+              <a:shade val="50000"/>
+            </a:schemeClr>
+          </a:lnRef>
+          <a:fillRef idx="1">
+            <a:schemeClr val="accent1"/>
+          </a:fillRef>
+          <a:effectRef idx="0">
+            <a:schemeClr val="accent1"/>
+          </a:effectRef>
+          <a:fontRef idx="minor">
+            <a:schemeClr val="lt1"/>
+          </a:fontRef>
+        </p:style>
+        <p:txBody>
+          <a:bodyPr rtlCol="0" anchor="ctr"/>
+          <a:lstStyle/>
+          <a:p>
+            <a:r>
+              <a:rPr lang="en-US" sz="1000" b="0" i="0" dirty="0">
+                <a:effectLst/>
+                <a:latin typeface="Whitney"/>
+              </a:rPr>
+              <a:t>Create</a:t>
+            </a:r>
+          </a:p>
+          <a:p>
+            <a:r>
+              <a:rPr lang="en-US" sz="1000" dirty="0" err="1">
+                <a:latin typeface="Whitney"/>
+              </a:rPr>
+              <a:t>IMemento</a:t>
+            </a:r>
+            <a:endParaRPr lang="en-US" sz="1000" dirty="0"/>
+          </a:p>
+        </p:txBody>
+      </p:sp>
+      <p:sp>
+        <p:nvSpPr>
+          <p:cNvPr id="27" name="Rectangle 26">
+            <a:extLst>
+              <a:ext uri="{FF2B5EF4-FFF2-40B4-BE49-F238E27FC236}">
+                <a16:creationId xmlns:a16="http://schemas.microsoft.com/office/drawing/2014/main" id="{A6F5500B-E122-F02D-9FFA-284ECBCEB180}"/>
+              </a:ext>
+            </a:extLst>
+          </p:cNvPr>
+          <p:cNvSpPr/>
+          <p:nvPr/>
+        </p:nvSpPr>
+        <p:spPr>
+          <a:xfrm>
+            <a:off x="7350222" y="3859964"/>
+            <a:ext cx="981646" cy="344972"/>
+          </a:xfrm>
+          <a:prstGeom prst="rect">
+            <a:avLst/>
+          </a:prstGeom>
+        </p:spPr>
+        <p:style>
+          <a:lnRef idx="1">
+            <a:schemeClr val="accent2"/>
+          </a:lnRef>
+          <a:fillRef idx="2">
+            <a:schemeClr val="accent2"/>
+          </a:fillRef>
+          <a:effectRef idx="1">
+            <a:schemeClr val="accent2"/>
+          </a:effectRef>
+          <a:fontRef idx="minor">
+            <a:schemeClr val="dk1"/>
+          </a:fontRef>
+        </p:style>
+        <p:txBody>
+          <a:bodyPr rtlCol="0" anchor="ctr"/>
+          <a:lstStyle/>
+          <a:p>
+            <a:pPr algn="ctr"/>
+            <a:r>
+              <a:rPr lang="en-US" sz="1000" dirty="0" err="1"/>
+              <a:t>IMemento</a:t>
+            </a:r>
+            <a:r>
+              <a:rPr lang="en-US" sz="1000" dirty="0"/>
+              <a:t>(V2)</a:t>
+            </a:r>
+          </a:p>
+          <a:p>
+            <a:pPr algn="ctr"/>
+            <a:r>
+              <a:rPr lang="en-US" sz="1000" dirty="0"/>
+              <a:t>+ Key</a:t>
+            </a:r>
+          </a:p>
+        </p:txBody>
+      </p:sp>
+      <p:cxnSp>
+        <p:nvCxnSpPr>
+          <p:cNvPr id="29" name="Straight Arrow Connector 28">
+            <a:extLst>
+              <a:ext uri="{FF2B5EF4-FFF2-40B4-BE49-F238E27FC236}">
+                <a16:creationId xmlns:a16="http://schemas.microsoft.com/office/drawing/2014/main" id="{66C845F7-5F3C-D018-334A-DE4BC0EC6C25}"/>
+              </a:ext>
+            </a:extLst>
+          </p:cNvPr>
+          <p:cNvCxnSpPr>
+            <a:cxnSpLocks/>
+            <a:stCxn id="23" idx="3"/>
+            <a:endCxn id="26" idx="1"/>
+          </p:cNvCxnSpPr>
+          <p:nvPr/>
+        </p:nvCxnSpPr>
+        <p:spPr>
+          <a:xfrm>
+            <a:off x="4527792" y="4762598"/>
+            <a:ext cx="481122" cy="241092"/>
+          </a:xfrm>
+          <a:prstGeom prst="straightConnector1">
+            <a:avLst/>
+          </a:prstGeom>
+          <a:ln>
+            <a:tailEnd type="triangle"/>
+          </a:ln>
+        </p:spPr>
+        <p:style>
+          <a:lnRef idx="1">
+            <a:schemeClr val="accent1"/>
+          </a:lnRef>
+          <a:fillRef idx="0">
+            <a:schemeClr val="accent1"/>
+          </a:fillRef>
+          <a:effectRef idx="0">
+            <a:schemeClr val="accent1"/>
+          </a:effectRef>
+          <a:fontRef idx="minor">
+            <a:schemeClr val="tx1"/>
+          </a:fontRef>
+        </p:style>
+      </p:cxnSp>
+      <p:cxnSp>
+        <p:nvCxnSpPr>
+          <p:cNvPr id="32" name="Straight Arrow Connector 31">
+            <a:extLst>
+              <a:ext uri="{FF2B5EF4-FFF2-40B4-BE49-F238E27FC236}">
+                <a16:creationId xmlns:a16="http://schemas.microsoft.com/office/drawing/2014/main" id="{D822E4DD-4D35-0AAC-13CD-38BE5E599CF3}"/>
+              </a:ext>
+            </a:extLst>
+          </p:cNvPr>
+          <p:cNvCxnSpPr>
+            <a:stCxn id="26" idx="3"/>
+            <a:endCxn id="27" idx="1"/>
+          </p:cNvCxnSpPr>
+          <p:nvPr/>
+        </p:nvCxnSpPr>
+        <p:spPr>
+          <a:xfrm flipV="1">
+            <a:off x="5751095" y="4032450"/>
+            <a:ext cx="1599127" cy="971240"/>
+          </a:xfrm>
+          <a:prstGeom prst="straightConnector1">
+            <a:avLst/>
+          </a:prstGeom>
+          <a:ln>
+            <a:tailEnd type="triangle"/>
+          </a:ln>
+        </p:spPr>
+        <p:style>
+          <a:lnRef idx="1">
+            <a:schemeClr val="accent1"/>
+          </a:lnRef>
+          <a:fillRef idx="0">
+            <a:schemeClr val="accent1"/>
+          </a:fillRef>
+          <a:effectRef idx="0">
+            <a:schemeClr val="accent1"/>
+          </a:effectRef>
+          <a:fontRef idx="minor">
+            <a:schemeClr val="tx1"/>
+          </a:fontRef>
+        </p:style>
+      </p:cxnSp>
+      <p:sp>
+        <p:nvSpPr>
+          <p:cNvPr id="36" name="Oval 35">
+            <a:extLst>
+              <a:ext uri="{FF2B5EF4-FFF2-40B4-BE49-F238E27FC236}">
+                <a16:creationId xmlns:a16="http://schemas.microsoft.com/office/drawing/2014/main" id="{DC2C1056-B23C-5EF2-EBFB-834FD8C743DB}"/>
+              </a:ext>
+            </a:extLst>
+          </p:cNvPr>
+          <p:cNvSpPr/>
+          <p:nvPr/>
+        </p:nvSpPr>
+        <p:spPr>
+          <a:xfrm>
+            <a:off x="8644952" y="4161726"/>
+            <a:ext cx="457200" cy="457200"/>
+          </a:xfrm>
+          <a:prstGeom prst="ellipse">
+            <a:avLst/>
+          </a:prstGeom>
+          <a:solidFill>
+            <a:schemeClr val="bg1"/>
+          </a:solidFill>
+          <a:ln w="28575">
+            <a:solidFill>
+              <a:srgbClr val="FF0000"/>
+            </a:solidFill>
+          </a:ln>
+        </p:spPr>
+        <p:style>
+          <a:lnRef idx="2">
+            <a:schemeClr val="accent1">
+              <a:shade val="50000"/>
+            </a:schemeClr>
+          </a:lnRef>
+          <a:fillRef idx="1">
+            <a:schemeClr val="accent1"/>
+          </a:fillRef>
+          <a:effectRef idx="0">
+            <a:schemeClr val="accent1"/>
+          </a:effectRef>
+          <a:fontRef idx="minor">
+            <a:schemeClr val="lt1"/>
+          </a:fontRef>
+        </p:style>
+        <p:txBody>
+          <a:bodyPr rtlCol="0" anchor="ctr"/>
+          <a:lstStyle/>
+          <a:p>
+            <a:pPr algn="ctr"/>
+            <a:r>
+              <a:rPr lang="en-US" dirty="0">
+                <a:solidFill>
+                  <a:srgbClr val="FF0000"/>
+                </a:solidFill>
+              </a:rPr>
+              <a:t>4</a:t>
+            </a:r>
+          </a:p>
+        </p:txBody>
+      </p:sp>
+      <p:sp>
+        <p:nvSpPr>
+          <p:cNvPr id="37" name="Rectangle 36">
+            <a:extLst>
+              <a:ext uri="{FF2B5EF4-FFF2-40B4-BE49-F238E27FC236}">
+                <a16:creationId xmlns:a16="http://schemas.microsoft.com/office/drawing/2014/main" id="{0D26BDA7-2E7A-986D-DBE6-05E7DF45DA05}"/>
+              </a:ext>
+            </a:extLst>
+          </p:cNvPr>
+          <p:cNvSpPr/>
+          <p:nvPr/>
+        </p:nvSpPr>
+        <p:spPr>
+          <a:xfrm>
+            <a:off x="8812960" y="4533998"/>
+            <a:ext cx="1463957" cy="457200"/>
+          </a:xfrm>
+          <a:prstGeom prst="rect">
+            <a:avLst/>
+          </a:prstGeom>
+        </p:spPr>
+        <p:style>
+          <a:lnRef idx="2">
+            <a:schemeClr val="accent1">
+              <a:shade val="50000"/>
+            </a:schemeClr>
+          </a:lnRef>
+          <a:fillRef idx="1">
+            <a:schemeClr val="accent1"/>
+          </a:fillRef>
+          <a:effectRef idx="0">
+            <a:schemeClr val="accent1"/>
+          </a:effectRef>
+          <a:fontRef idx="minor">
+            <a:schemeClr val="lt1"/>
+          </a:fontRef>
+        </p:style>
+        <p:txBody>
+          <a:bodyPr rtlCol="0" anchor="ctr"/>
+          <a:lstStyle/>
+          <a:p>
+            <a:r>
+              <a:rPr lang="en-US" sz="1000" dirty="0" err="1"/>
+              <a:t>OnActivateAsync</a:t>
+            </a:r>
+            <a:endParaRPr lang="en-US" sz="1000" dirty="0"/>
+          </a:p>
+          <a:p>
+            <a:r>
+              <a:rPr lang="en-US" sz="1000" dirty="0"/>
+              <a:t>- access memento</a:t>
+            </a:r>
+          </a:p>
+        </p:txBody>
+      </p:sp>
+      <p:sp>
+        <p:nvSpPr>
+          <p:cNvPr id="40" name="TextBox 39">
+            <a:extLst>
+              <a:ext uri="{FF2B5EF4-FFF2-40B4-BE49-F238E27FC236}">
+                <a16:creationId xmlns:a16="http://schemas.microsoft.com/office/drawing/2014/main" id="{8E94E9AC-C66D-9E18-9152-8B29425B7FEF}"/>
+              </a:ext>
+            </a:extLst>
+          </p:cNvPr>
+          <p:cNvSpPr txBox="1"/>
+          <p:nvPr/>
+        </p:nvSpPr>
+        <p:spPr>
+          <a:xfrm>
+            <a:off x="4289992" y="5733838"/>
+            <a:ext cx="6319935" cy="646331"/>
+          </a:xfrm>
+          <a:prstGeom prst="rect">
+            <a:avLst/>
+          </a:prstGeom>
+          <a:noFill/>
+        </p:spPr>
+        <p:txBody>
+          <a:bodyPr wrap="none" rtlCol="0">
+            <a:spAutoFit/>
+          </a:bodyPr>
+          <a:lstStyle/>
+          <a:p>
+            <a:r>
+              <a:rPr lang="en-US" dirty="0"/>
+              <a:t>Basically this cannot guarantee green placement because Orleans</a:t>
+            </a:r>
+          </a:p>
+          <a:p>
+            <a:r>
+              <a:rPr lang="en-US" dirty="0"/>
+              <a:t>can place memory stream V2 anywhere it wants to.</a:t>
+            </a:r>
+          </a:p>
+        </p:txBody>
+      </p:sp>
+      <p:cxnSp>
+        <p:nvCxnSpPr>
+          <p:cNvPr id="42" name="Straight Arrow Connector 41">
+            <a:extLst>
+              <a:ext uri="{FF2B5EF4-FFF2-40B4-BE49-F238E27FC236}">
+                <a16:creationId xmlns:a16="http://schemas.microsoft.com/office/drawing/2014/main" id="{8CD9A5B3-D64C-AA27-B1E3-A6C9CC98B8A0}"/>
+              </a:ext>
+            </a:extLst>
+          </p:cNvPr>
+          <p:cNvCxnSpPr/>
+          <p:nvPr/>
+        </p:nvCxnSpPr>
+        <p:spPr>
+          <a:xfrm>
+            <a:off x="10389268" y="4103405"/>
+            <a:ext cx="0" cy="1642925"/>
+          </a:xfrm>
+          <a:prstGeom prst="straightConnector1">
+            <a:avLst/>
+          </a:prstGeom>
+          <a:ln w="28575">
+            <a:solidFill>
+              <a:srgbClr val="FF0000"/>
+            </a:solidFill>
+            <a:tailEnd type="triangle"/>
+          </a:ln>
+        </p:spPr>
+        <p:style>
+          <a:lnRef idx="1">
+            <a:schemeClr val="accent1"/>
+          </a:lnRef>
+          <a:fillRef idx="0">
+            <a:schemeClr val="accent1"/>
+          </a:fillRef>
+          <a:effectRef idx="0">
+            <a:schemeClr val="accent1"/>
+          </a:effectRef>
+          <a:fontRef idx="minor">
+            <a:schemeClr val="tx1"/>
+          </a:fontRef>
+        </p:style>
+      </p:cxnSp>
+      <p:sp>
+        <p:nvSpPr>
+          <p:cNvPr id="43" name="&quot;Not Allowed&quot; Symbol 42">
+            <a:extLst>
+              <a:ext uri="{FF2B5EF4-FFF2-40B4-BE49-F238E27FC236}">
+                <a16:creationId xmlns:a16="http://schemas.microsoft.com/office/drawing/2014/main" id="{412B298A-EC5B-A64D-1624-ADE11CBFB08D}"/>
+              </a:ext>
+            </a:extLst>
+          </p:cNvPr>
+          <p:cNvSpPr/>
+          <p:nvPr/>
+        </p:nvSpPr>
+        <p:spPr>
+          <a:xfrm>
+            <a:off x="10468005" y="5390424"/>
+            <a:ext cx="391969" cy="391969"/>
+          </a:xfrm>
+          <a:prstGeom prst="noSmoking">
+            <a:avLst/>
+          </a:prstGeom>
+          <a:solidFill>
+            <a:srgbClr val="FF0000"/>
+          </a:solidFill>
+          <a:ln>
+            <a:noFill/>
+          </a:ln>
+        </p:spPr>
+        <p:style>
+          <a:lnRef idx="2">
+            <a:schemeClr val="accent1">
+              <a:shade val="50000"/>
+            </a:schemeClr>
+          </a:lnRef>
+          <a:fillRef idx="1">
+            <a:schemeClr val="accent1"/>
+          </a:fillRef>
+          <a:effectRef idx="0">
+            <a:schemeClr val="accent1"/>
+          </a:effectRef>
+          <a:fontRef idx="minor">
+            <a:schemeClr val="lt1"/>
+          </a:fontRef>
+        </p:style>
+        <p:txBody>
+          <a:bodyPr rtlCol="0" anchor="ctr"/>
+          <a:lstStyle/>
+          <a:p>
+            <a:pPr algn="ctr"/>
+            <a:endParaRPr lang="en-US">
+              <a:solidFill>
+                <a:schemeClr val="tx1"/>
+              </a:solidFill>
+            </a:endParaRPr>
+          </a:p>
+        </p:txBody>
+      </p:sp>
+    </p:spTree>
+    <p:extLst>
+      <p:ext uri="{BB962C8B-B14F-4D97-AF65-F5344CB8AC3E}">
+        <p14:creationId xmlns:p14="http://schemas.microsoft.com/office/powerpoint/2010/main" val="1097715500"/>
       </p:ext>
     </p:extLst>
   </p:cSld>
